--- a/Engenharia de Software/06 Modelagem de Casos de Uso.pptx
+++ b/Engenharia de Software/06 Modelagem de Casos de Uso.pptx
@@ -2,42 +2,20 @@
 <file path=ppt/presentation.xml><?xml version="1.0" encoding="utf-8"?>
 <p:presentation xmlns:a="http://schemas.openxmlformats.org/drawingml/2006/main" xmlns:r="http://schemas.openxmlformats.org/officeDocument/2006/relationships" xmlns:p="http://schemas.openxmlformats.org/presentationml/2006/main" saveSubsetFonts="1" autoCompressPictures="0">
   <p:sldMasterIdLst>
-    <p:sldMasterId id="2147483648" r:id="rId1"/>
+    <p:sldMasterId id="2147483672" r:id="rId1"/>
   </p:sldMasterIdLst>
   <p:sldIdLst>
-    <p:sldId id="256" r:id="rId7"/>
-    <p:sldId id="257" r:id="rId8"/>
-    <p:sldId id="258" r:id="rId9"/>
-    <p:sldId id="259" r:id="rId10"/>
-    <p:sldId id="260" r:id="rId11"/>
-    <p:sldId id="261" r:id="rId12"/>
-    <p:sldId id="262" r:id="rId13"/>
-    <p:sldId id="263" r:id="rId14"/>
-    <p:sldId id="264" r:id="rId15"/>
-    <p:sldId id="265" r:id="rId16"/>
-    <p:sldId id="266" r:id="rId17"/>
-    <p:sldId id="267" r:id="rId18"/>
-    <p:sldId id="268" r:id="rId19"/>
-    <p:sldId id="269" r:id="rId20"/>
-    <p:sldId id="270" r:id="rId21"/>
-    <p:sldId id="271" r:id="rId22"/>
-    <p:sldId id="272" r:id="rId23"/>
-    <p:sldId id="273" r:id="rId24"/>
-    <p:sldId id="274" r:id="rId25"/>
-    <p:sldId id="275" r:id="rId26"/>
-    <p:sldId id="276" r:id="rId27"/>
-    <p:sldId id="277" r:id="rId28"/>
-    <p:sldId id="278" r:id="rId29"/>
-    <p:sldId id="279" r:id="rId30"/>
-    <p:sldId id="280" r:id="rId31"/>
-    <p:sldId id="281" r:id="rId32"/>
-    <p:sldId id="282" r:id="rId33"/>
-    <p:sldId id="283" r:id="rId34"/>
-    <p:sldId id="284" r:id="rId35"/>
-    <p:sldId id="285" r:id="rId36"/>
-    <p:sldId id="286" r:id="rId37"/>
-    <p:sldId id="287" r:id="rId38"/>
-    <p:sldId id="288" r:id="rId39"/>
+    <p:sldId id="256" r:id="rId2"/>
+    <p:sldId id="257" r:id="rId3"/>
+    <p:sldId id="259" r:id="rId4"/>
+    <p:sldId id="262" r:id="rId5"/>
+    <p:sldId id="289" r:id="rId6"/>
+    <p:sldId id="263" r:id="rId7"/>
+    <p:sldId id="265" r:id="rId8"/>
+    <p:sldId id="280" r:id="rId9"/>
+    <p:sldId id="285" r:id="rId10"/>
+    <p:sldId id="290" r:id="rId11"/>
+    <p:sldId id="291" r:id="rId12"/>
   </p:sldIdLst>
   <p:sldSz cx="9144000" cy="6858000" type="screen4x3"/>
   <p:notesSz cx="6858000" cy="9144000"/>
@@ -136,11 +114,27 @@
       </a:defRPr>
     </a:lvl9pPr>
   </p:defaultTextStyle>
+  <p:extLst>
+    <p:ext uri="{EFAFB233-063F-42B5-8137-9DF3F51BA10A}">
+      <p15:sldGuideLst xmlns:p15="http://schemas.microsoft.com/office/powerpoint/2012/main">
+        <p15:guide id="1" orient="horz" pos="2160">
+          <p15:clr>
+            <a:srgbClr val="A4A3A4"/>
+          </p15:clr>
+        </p15:guide>
+        <p15:guide id="2" pos="2880">
+          <p15:clr>
+            <a:srgbClr val="A4A3A4"/>
+          </p15:clr>
+        </p15:guide>
+      </p15:sldGuideLst>
+    </p:ext>
+  </p:extLst>
 </p:presentation>
 </file>
 
 <file path=ppt/slideLayouts/slideLayout1.xml><?xml version="1.0" encoding="utf-8"?>
-<p:sldLayout xmlns:a="http://schemas.openxmlformats.org/drawingml/2006/main" xmlns:r="http://schemas.openxmlformats.org/officeDocument/2006/relationships" xmlns:p="http://schemas.openxmlformats.org/presentationml/2006/main" type="title" preserve="1">
+<p:sldLayout xmlns:a="http://schemas.openxmlformats.org/drawingml/2006/main" xmlns:r="http://schemas.openxmlformats.org/officeDocument/2006/relationships" xmlns:p="http://schemas.openxmlformats.org/presentationml/2006/main" showMasterSp="0" type="title" preserve="1">
   <p:cSld name="Title Slide">
     <p:spTree>
       <p:nvGrpSpPr>
@@ -158,148 +152,193 @@
       </p:grpSpPr>
       <p:sp>
         <p:nvSpPr>
-          <p:cNvPr id="2" name="Title 1"/>
-          <p:cNvSpPr>
-            <a:spLocks noGrp="1"/>
-          </p:cNvSpPr>
-          <p:nvPr>
-            <p:ph type="ctrTitle"/>
-          </p:nvPr>
+          <p:cNvPr id="7" name="Rectangle 6"/>
+          <p:cNvSpPr/>
+          <p:nvPr/>
         </p:nvSpPr>
         <p:spPr>
           <a:xfrm>
-            <a:off x="685800" y="2130425"/>
-            <a:ext cx="7772400" cy="1470025"/>
+            <a:off x="2382" y="6400800"/>
+            <a:ext cx="9141619" cy="457200"/>
+          </a:xfrm>
+          <a:prstGeom prst="rect">
+            <a:avLst/>
+          </a:prstGeom>
+          <a:solidFill>
+            <a:schemeClr val="accent2"/>
+          </a:solidFill>
+          <a:ln>
+            <a:noFill/>
+          </a:ln>
+        </p:spPr>
+        <p:style>
+          <a:lnRef idx="2">
+            <a:schemeClr val="accent1">
+              <a:shade val="50000"/>
+            </a:schemeClr>
+          </a:lnRef>
+          <a:fillRef idx="1">
+            <a:schemeClr val="accent1"/>
+          </a:fillRef>
+          <a:effectRef idx="0">
+            <a:schemeClr val="accent1"/>
+          </a:effectRef>
+          <a:fontRef idx="minor">
+            <a:schemeClr val="lt1"/>
+          </a:fontRef>
+        </p:style>
+      </p:sp>
+      <p:sp>
+        <p:nvSpPr>
+          <p:cNvPr id="8" name="Rectangle 7"/>
+          <p:cNvSpPr/>
+          <p:nvPr/>
+        </p:nvSpPr>
+        <p:spPr>
+          <a:xfrm>
+            <a:off x="12" y="6334316"/>
+            <a:ext cx="9141619" cy="64008"/>
+          </a:xfrm>
+          <a:prstGeom prst="rect">
+            <a:avLst/>
+          </a:prstGeom>
+          <a:solidFill>
+            <a:schemeClr val="accent1"/>
+          </a:solidFill>
+          <a:ln>
+            <a:noFill/>
+          </a:ln>
+        </p:spPr>
+        <p:style>
+          <a:lnRef idx="2">
+            <a:schemeClr val="accent1">
+              <a:shade val="50000"/>
+            </a:schemeClr>
+          </a:lnRef>
+          <a:fillRef idx="1">
+            <a:schemeClr val="accent1"/>
+          </a:fillRef>
+          <a:effectRef idx="0">
+            <a:schemeClr val="accent1"/>
+          </a:effectRef>
+          <a:fontRef idx="minor">
+            <a:schemeClr val="lt1"/>
+          </a:fontRef>
+        </p:style>
+      </p:sp>
+      <p:sp>
+        <p:nvSpPr>
+          <p:cNvPr id="2" name="Title 1"/>
+          <p:cNvSpPr>
+            <a:spLocks noGrp="1"/>
+          </p:cNvSpPr>
+          <p:nvPr>
+            <p:ph type="ctrTitle"/>
+          </p:nvPr>
+        </p:nvSpPr>
+        <p:spPr>
+          <a:xfrm>
+            <a:off x="822960" y="758952"/>
+            <a:ext cx="7543800" cy="3566160"/>
           </a:xfrm>
         </p:spPr>
         <p:txBody>
-          <a:bodyPr/>
-          <a:lstStyle/>
-          <a:p>
-            <a:r>
-              <a:rPr lang="en-US" smtClean="0"/>
-              <a:t>Click to edit Master title style</a:t>
-            </a:r>
-            <a:endParaRPr lang="en-US"/>
-          </a:p>
-        </p:txBody>
-      </p:sp>
-      <p:sp>
-        <p:nvSpPr>
-          <p:cNvPr id="3" name="Subtitle 2"/>
-          <p:cNvSpPr>
-            <a:spLocks noGrp="1"/>
-          </p:cNvSpPr>
-          <p:nvPr>
-            <p:ph type="subTitle" idx="1"/>
-          </p:nvPr>
-        </p:nvSpPr>
-        <p:spPr>
-          <a:xfrm>
-            <a:off x="1371600" y="3886200"/>
-            <a:ext cx="6400800" cy="1752600"/>
-          </a:xfrm>
-        </p:spPr>
-        <p:txBody>
-          <a:bodyPr/>
+          <a:bodyPr anchor="b">
+            <a:normAutofit/>
+          </a:bodyPr>
           <a:lstStyle>
-            <a:lvl1pPr marL="0" indent="0" algn="ctr">
-              <a:buNone/>
-              <a:defRPr>
+            <a:lvl1pPr algn="l">
+              <a:lnSpc>
+                <a:spcPct val="85000"/>
+              </a:lnSpc>
+              <a:defRPr sz="8000" spc="-50" baseline="0">
                 <a:solidFill>
                   <a:schemeClr val="tx1">
-                    <a:tint val="75000"/>
+                    <a:lumMod val="85000"/>
+                    <a:lumOff val="15000"/>
                   </a:schemeClr>
                 </a:solidFill>
               </a:defRPr>
             </a:lvl1pPr>
+          </a:lstStyle>
+          <a:p>
+            <a:r>
+              <a:rPr lang="en-US"/>
+              <a:t>Click to edit Master title style</a:t>
+            </a:r>
+            <a:endParaRPr lang="en-US" dirty="0"/>
+          </a:p>
+        </p:txBody>
+      </p:sp>
+      <p:sp>
+        <p:nvSpPr>
+          <p:cNvPr id="3" name="Subtitle 2"/>
+          <p:cNvSpPr>
+            <a:spLocks noGrp="1"/>
+          </p:cNvSpPr>
+          <p:nvPr>
+            <p:ph type="subTitle" idx="1"/>
+          </p:nvPr>
+        </p:nvSpPr>
+        <p:spPr>
+          <a:xfrm>
+            <a:off x="825038" y="4455621"/>
+            <a:ext cx="7543800" cy="1143000"/>
+          </a:xfrm>
+        </p:spPr>
+        <p:txBody>
+          <a:bodyPr lIns="91440" rIns="91440">
+            <a:normAutofit/>
+          </a:bodyPr>
+          <a:lstStyle>
+            <a:lvl1pPr marL="0" indent="0" algn="l">
+              <a:buNone/>
+              <a:defRPr sz="2400" cap="all" spc="200" baseline="0">
+                <a:solidFill>
+                  <a:schemeClr val="tx2"/>
+                </a:solidFill>
+                <a:latin typeface="+mj-lt"/>
+              </a:defRPr>
+            </a:lvl1pPr>
             <a:lvl2pPr marL="457200" indent="0" algn="ctr">
               <a:buNone/>
-              <a:defRPr>
-                <a:solidFill>
-                  <a:schemeClr val="tx1">
-                    <a:tint val="75000"/>
-                  </a:schemeClr>
-                </a:solidFill>
-              </a:defRPr>
+              <a:defRPr sz="2400"/>
             </a:lvl2pPr>
             <a:lvl3pPr marL="914400" indent="0" algn="ctr">
               <a:buNone/>
-              <a:defRPr>
-                <a:solidFill>
-                  <a:schemeClr val="tx1">
-                    <a:tint val="75000"/>
-                  </a:schemeClr>
-                </a:solidFill>
-              </a:defRPr>
+              <a:defRPr sz="2400"/>
             </a:lvl3pPr>
             <a:lvl4pPr marL="1371600" indent="0" algn="ctr">
               <a:buNone/>
-              <a:defRPr>
-                <a:solidFill>
-                  <a:schemeClr val="tx1">
-                    <a:tint val="75000"/>
-                  </a:schemeClr>
-                </a:solidFill>
-              </a:defRPr>
+              <a:defRPr sz="2000"/>
             </a:lvl4pPr>
             <a:lvl5pPr marL="1828800" indent="0" algn="ctr">
               <a:buNone/>
-              <a:defRPr>
-                <a:solidFill>
-                  <a:schemeClr val="tx1">
-                    <a:tint val="75000"/>
-                  </a:schemeClr>
-                </a:solidFill>
-              </a:defRPr>
+              <a:defRPr sz="2000"/>
             </a:lvl5pPr>
             <a:lvl6pPr marL="2286000" indent="0" algn="ctr">
               <a:buNone/>
-              <a:defRPr>
-                <a:solidFill>
-                  <a:schemeClr val="tx1">
-                    <a:tint val="75000"/>
-                  </a:schemeClr>
-                </a:solidFill>
-              </a:defRPr>
+              <a:defRPr sz="2000"/>
             </a:lvl6pPr>
             <a:lvl7pPr marL="2743200" indent="0" algn="ctr">
               <a:buNone/>
-              <a:defRPr>
-                <a:solidFill>
-                  <a:schemeClr val="tx1">
-                    <a:tint val="75000"/>
-                  </a:schemeClr>
-                </a:solidFill>
-              </a:defRPr>
+              <a:defRPr sz="2000"/>
             </a:lvl7pPr>
             <a:lvl8pPr marL="3200400" indent="0" algn="ctr">
               <a:buNone/>
-              <a:defRPr>
-                <a:solidFill>
-                  <a:schemeClr val="tx1">
-                    <a:tint val="75000"/>
-                  </a:schemeClr>
-                </a:solidFill>
-              </a:defRPr>
+              <a:defRPr sz="2000"/>
             </a:lvl8pPr>
             <a:lvl9pPr marL="3657600" indent="0" algn="ctr">
               <a:buNone/>
-              <a:defRPr>
-                <a:solidFill>
-                  <a:schemeClr val="tx1">
-                    <a:tint val="75000"/>
-                  </a:schemeClr>
-                </a:solidFill>
-              </a:defRPr>
+              <a:defRPr sz="2000"/>
             </a:lvl9pPr>
           </a:lstStyle>
           <a:p>
             <a:r>
-              <a:rPr lang="en-US" smtClean="0"/>
+              <a:rPr lang="en-US"/>
               <a:t>Click to edit Master subtitle style</a:t>
             </a:r>
-            <a:endParaRPr lang="en-US"/>
+            <a:endParaRPr lang="en-US" dirty="0"/>
           </a:p>
         </p:txBody>
       </p:sp>
@@ -320,7 +359,7 @@
           <a:p>
             <a:fld id="{5BCAD085-E8A6-8845-BD4E-CB4CCA059FC4}" type="datetimeFigureOut">
               <a:rPr lang="en-US" smtClean="0"/>
-              <a:t>1/27/13</a:t>
+              <a:t>9/8/2025</a:t>
             </a:fld>
             <a:endParaRPr lang="en-US"/>
           </a:p>
@@ -368,10 +407,48 @@
           </a:p>
         </p:txBody>
       </p:sp>
+      <p:cxnSp>
+        <p:nvCxnSpPr>
+          <p:cNvPr id="9" name="Straight Connector 8"/>
+          <p:cNvCxnSpPr/>
+          <p:nvPr/>
+        </p:nvCxnSpPr>
+        <p:spPr>
+          <a:xfrm>
+            <a:off x="905744" y="4343400"/>
+            <a:ext cx="7406640" cy="0"/>
+          </a:xfrm>
+          <a:prstGeom prst="line">
+            <a:avLst/>
+          </a:prstGeom>
+          <a:ln w="6350">
+            <a:solidFill>
+              <a:schemeClr val="tx1">
+                <a:lumMod val="50000"/>
+                <a:lumOff val="50000"/>
+              </a:schemeClr>
+            </a:solidFill>
+          </a:ln>
+        </p:spPr>
+        <p:style>
+          <a:lnRef idx="1">
+            <a:schemeClr val="accent1"/>
+          </a:lnRef>
+          <a:fillRef idx="0">
+            <a:schemeClr val="accent1"/>
+          </a:fillRef>
+          <a:effectRef idx="0">
+            <a:schemeClr val="accent1"/>
+          </a:effectRef>
+          <a:fontRef idx="minor">
+            <a:schemeClr val="tx1"/>
+          </a:fontRef>
+        </p:style>
+      </p:cxnSp>
     </p:spTree>
     <p:extLst>
       <p:ext uri="{BB962C8B-B14F-4D97-AF65-F5344CB8AC3E}">
-        <p14:creationId xmlns:p14="http://schemas.microsoft.com/office/powerpoint/2010/main" val="3168075583"/>
+        <p14:creationId xmlns:p14="http://schemas.microsoft.com/office/powerpoint/2010/main" val="2232251192"/>
       </p:ext>
     </p:extLst>
   </p:cSld>
@@ -414,10 +491,10 @@
           <a:lstStyle/>
           <a:p>
             <a:r>
-              <a:rPr lang="en-US" smtClean="0"/>
+              <a:rPr lang="en-US"/>
               <a:t>Click to edit Master title style</a:t>
             </a:r>
-            <a:endParaRPr lang="en-US"/>
+            <a:endParaRPr lang="en-US" dirty="0"/>
           </a:p>
         </p:txBody>
       </p:sp>
@@ -433,43 +510,43 @@
         </p:nvSpPr>
         <p:spPr/>
         <p:txBody>
-          <a:bodyPr vert="eaVert"/>
+          <a:bodyPr vert="eaVert" lIns="45720" tIns="0" rIns="45720" bIns="0"/>
           <a:lstStyle/>
           <a:p>
             <a:pPr lvl="0"/>
             <a:r>
-              <a:rPr lang="en-US" smtClean="0"/>
+              <a:rPr lang="en-US"/>
               <a:t>Click to edit Master text styles</a:t>
             </a:r>
           </a:p>
           <a:p>
             <a:pPr lvl="1"/>
             <a:r>
-              <a:rPr lang="en-US" smtClean="0"/>
+              <a:rPr lang="en-US"/>
               <a:t>Second level</a:t>
             </a:r>
           </a:p>
           <a:p>
             <a:pPr lvl="2"/>
             <a:r>
-              <a:rPr lang="en-US" smtClean="0"/>
+              <a:rPr lang="en-US"/>
               <a:t>Third level</a:t>
             </a:r>
           </a:p>
           <a:p>
             <a:pPr lvl="3"/>
             <a:r>
-              <a:rPr lang="en-US" smtClean="0"/>
+              <a:rPr lang="en-US"/>
               <a:t>Fourth level</a:t>
             </a:r>
           </a:p>
           <a:p>
             <a:pPr lvl="4"/>
             <a:r>
-              <a:rPr lang="en-US" smtClean="0"/>
+              <a:rPr lang="en-US"/>
               <a:t>Fifth level</a:t>
             </a:r>
-            <a:endParaRPr lang="en-US"/>
+            <a:endParaRPr lang="en-US" dirty="0"/>
           </a:p>
         </p:txBody>
       </p:sp>
@@ -490,7 +567,7 @@
           <a:p>
             <a:fld id="{5BCAD085-E8A6-8845-BD4E-CB4CCA059FC4}" type="datetimeFigureOut">
               <a:rPr lang="en-US" smtClean="0"/>
-              <a:t>1/27/13</a:t>
+              <a:t>9/8/2025</a:t>
             </a:fld>
             <a:endParaRPr lang="en-US"/>
           </a:p>
@@ -541,7 +618,7 @@
     </p:spTree>
     <p:extLst>
       <p:ext uri="{BB962C8B-B14F-4D97-AF65-F5344CB8AC3E}">
-        <p14:creationId xmlns:p14="http://schemas.microsoft.com/office/powerpoint/2010/main" val="2910927964"/>
+        <p14:creationId xmlns:p14="http://schemas.microsoft.com/office/powerpoint/2010/main" val="855562051"/>
       </p:ext>
     </p:extLst>
   </p:cSld>
@@ -552,7 +629,7 @@
 </file>
 
 <file path=ppt/slideLayouts/slideLayout11.xml><?xml version="1.0" encoding="utf-8"?>
-<p:sldLayout xmlns:a="http://schemas.openxmlformats.org/drawingml/2006/main" xmlns:r="http://schemas.openxmlformats.org/officeDocument/2006/relationships" xmlns:p="http://schemas.openxmlformats.org/presentationml/2006/main" type="vertTitleAndTx" preserve="1">
+<p:sldLayout xmlns:a="http://schemas.openxmlformats.org/drawingml/2006/main" xmlns:r="http://schemas.openxmlformats.org/officeDocument/2006/relationships" xmlns:p="http://schemas.openxmlformats.org/presentationml/2006/main" showMasterSp="0" type="vertTitleAndTx" preserve="1">
   <p:cSld name="Vertical Title and Text">
     <p:spTree>
       <p:nvGrpSpPr>
@@ -570,18 +647,94 @@
       </p:grpSpPr>
       <p:sp>
         <p:nvSpPr>
-          <p:cNvPr id="2" name="Vertical Title 1"/>
-          <p:cNvSpPr>
-            <a:spLocks noGrp="1"/>
-          </p:cNvSpPr>
-          <p:nvPr>
-            <p:ph type="title" orient="vert"/>
-          </p:nvPr>
+          <p:cNvPr id="7" name="Rectangle 6"/>
+          <p:cNvSpPr/>
+          <p:nvPr/>
         </p:nvSpPr>
         <p:spPr>
           <a:xfrm>
-            <a:off x="6629400" y="274638"/>
-            <a:ext cx="2057400" cy="5851525"/>
+            <a:off x="2382" y="6400800"/>
+            <a:ext cx="9141619" cy="457200"/>
+          </a:xfrm>
+          <a:prstGeom prst="rect">
+            <a:avLst/>
+          </a:prstGeom>
+          <a:solidFill>
+            <a:schemeClr val="accent2"/>
+          </a:solidFill>
+          <a:ln>
+            <a:noFill/>
+          </a:ln>
+        </p:spPr>
+        <p:style>
+          <a:lnRef idx="2">
+            <a:schemeClr val="accent1">
+              <a:shade val="50000"/>
+            </a:schemeClr>
+          </a:lnRef>
+          <a:fillRef idx="1">
+            <a:schemeClr val="accent1"/>
+          </a:fillRef>
+          <a:effectRef idx="0">
+            <a:schemeClr val="accent1"/>
+          </a:effectRef>
+          <a:fontRef idx="minor">
+            <a:schemeClr val="lt1"/>
+          </a:fontRef>
+        </p:style>
+      </p:sp>
+      <p:sp>
+        <p:nvSpPr>
+          <p:cNvPr id="8" name="Rectangle 7"/>
+          <p:cNvSpPr/>
+          <p:nvPr/>
+        </p:nvSpPr>
+        <p:spPr>
+          <a:xfrm>
+            <a:off x="12" y="6334316"/>
+            <a:ext cx="9141619" cy="64008"/>
+          </a:xfrm>
+          <a:prstGeom prst="rect">
+            <a:avLst/>
+          </a:prstGeom>
+          <a:solidFill>
+            <a:schemeClr val="accent1"/>
+          </a:solidFill>
+          <a:ln>
+            <a:noFill/>
+          </a:ln>
+        </p:spPr>
+        <p:style>
+          <a:lnRef idx="2">
+            <a:schemeClr val="accent1">
+              <a:shade val="50000"/>
+            </a:schemeClr>
+          </a:lnRef>
+          <a:fillRef idx="1">
+            <a:schemeClr val="accent1"/>
+          </a:fillRef>
+          <a:effectRef idx="0">
+            <a:schemeClr val="accent1"/>
+          </a:effectRef>
+          <a:fontRef idx="minor">
+            <a:schemeClr val="lt1"/>
+          </a:fontRef>
+        </p:style>
+      </p:sp>
+      <p:sp>
+        <p:nvSpPr>
+          <p:cNvPr id="2" name="Vertical Title 1"/>
+          <p:cNvSpPr>
+            <a:spLocks noGrp="1"/>
+          </p:cNvSpPr>
+          <p:nvPr>
+            <p:ph type="title" orient="vert"/>
+          </p:nvPr>
+        </p:nvSpPr>
+        <p:spPr>
+          <a:xfrm>
+            <a:off x="6543675" y="412302"/>
+            <a:ext cx="1971675" cy="5759898"/>
           </a:xfrm>
         </p:spPr>
         <p:txBody>
@@ -589,10 +742,10 @@
           <a:lstStyle/>
           <a:p>
             <a:r>
-              <a:rPr lang="en-US" smtClean="0"/>
+              <a:rPr lang="en-US"/>
               <a:t>Click to edit Master title style</a:t>
             </a:r>
-            <a:endParaRPr lang="en-US"/>
+            <a:endParaRPr lang="en-US" dirty="0"/>
           </a:p>
         </p:txBody>
       </p:sp>
@@ -608,48 +761,48 @@
         </p:nvSpPr>
         <p:spPr>
           <a:xfrm>
-            <a:off x="457200" y="274638"/>
-            <a:ext cx="6019800" cy="5851525"/>
+            <a:off x="628650" y="412302"/>
+            <a:ext cx="5800725" cy="5759898"/>
           </a:xfrm>
         </p:spPr>
         <p:txBody>
-          <a:bodyPr vert="eaVert"/>
+          <a:bodyPr vert="eaVert" lIns="45720" tIns="0" rIns="45720" bIns="0"/>
           <a:lstStyle/>
           <a:p>
             <a:pPr lvl="0"/>
             <a:r>
-              <a:rPr lang="en-US" smtClean="0"/>
+              <a:rPr lang="en-US"/>
               <a:t>Click to edit Master text styles</a:t>
             </a:r>
           </a:p>
           <a:p>
             <a:pPr lvl="1"/>
             <a:r>
-              <a:rPr lang="en-US" smtClean="0"/>
+              <a:rPr lang="en-US"/>
               <a:t>Second level</a:t>
             </a:r>
           </a:p>
           <a:p>
             <a:pPr lvl="2"/>
             <a:r>
-              <a:rPr lang="en-US" smtClean="0"/>
+              <a:rPr lang="en-US"/>
               <a:t>Third level</a:t>
             </a:r>
           </a:p>
           <a:p>
             <a:pPr lvl="3"/>
             <a:r>
-              <a:rPr lang="en-US" smtClean="0"/>
+              <a:rPr lang="en-US"/>
               <a:t>Fourth level</a:t>
             </a:r>
           </a:p>
           <a:p>
             <a:pPr lvl="4"/>
             <a:r>
-              <a:rPr lang="en-US" smtClean="0"/>
+              <a:rPr lang="en-US"/>
               <a:t>Fifth level</a:t>
             </a:r>
-            <a:endParaRPr lang="en-US"/>
+            <a:endParaRPr lang="en-US" dirty="0"/>
           </a:p>
         </p:txBody>
       </p:sp>
@@ -670,7 +823,7 @@
           <a:p>
             <a:fld id="{5BCAD085-E8A6-8845-BD4E-CB4CCA059FC4}" type="datetimeFigureOut">
               <a:rPr lang="en-US" smtClean="0"/>
-              <a:t>1/27/13</a:t>
+              <a:t>9/8/2025</a:t>
             </a:fld>
             <a:endParaRPr lang="en-US"/>
           </a:p>
@@ -721,7 +874,7 @@
     </p:spTree>
     <p:extLst>
       <p:ext uri="{BB962C8B-B14F-4D97-AF65-F5344CB8AC3E}">
-        <p14:creationId xmlns:p14="http://schemas.microsoft.com/office/powerpoint/2010/main" val="3612223792"/>
+        <p14:creationId xmlns:p14="http://schemas.microsoft.com/office/powerpoint/2010/main" val="727764944"/>
       </p:ext>
     </p:extLst>
   </p:cSld>
@@ -764,10 +917,10 @@
           <a:lstStyle/>
           <a:p>
             <a:r>
-              <a:rPr lang="en-US" smtClean="0"/>
+              <a:rPr lang="en-US"/>
               <a:t>Click to edit Master title style</a:t>
             </a:r>
-            <a:endParaRPr lang="en-US"/>
+            <a:endParaRPr lang="en-US" dirty="0"/>
           </a:p>
         </p:txBody>
       </p:sp>
@@ -788,38 +941,38 @@
           <a:p>
             <a:pPr lvl="0"/>
             <a:r>
-              <a:rPr lang="en-US" smtClean="0"/>
+              <a:rPr lang="en-US"/>
               <a:t>Click to edit Master text styles</a:t>
             </a:r>
           </a:p>
           <a:p>
             <a:pPr lvl="1"/>
             <a:r>
-              <a:rPr lang="en-US" smtClean="0"/>
+              <a:rPr lang="en-US"/>
               <a:t>Second level</a:t>
             </a:r>
           </a:p>
           <a:p>
             <a:pPr lvl="2"/>
             <a:r>
-              <a:rPr lang="en-US" smtClean="0"/>
+              <a:rPr lang="en-US"/>
               <a:t>Third level</a:t>
             </a:r>
           </a:p>
           <a:p>
             <a:pPr lvl="3"/>
             <a:r>
-              <a:rPr lang="en-US" smtClean="0"/>
+              <a:rPr lang="en-US"/>
               <a:t>Fourth level</a:t>
             </a:r>
           </a:p>
           <a:p>
             <a:pPr lvl="4"/>
             <a:r>
-              <a:rPr lang="en-US" smtClean="0"/>
+              <a:rPr lang="en-US"/>
               <a:t>Fifth level</a:t>
             </a:r>
-            <a:endParaRPr lang="en-US"/>
+            <a:endParaRPr lang="en-US" dirty="0"/>
           </a:p>
         </p:txBody>
       </p:sp>
@@ -840,7 +993,7 @@
           <a:p>
             <a:fld id="{5BCAD085-E8A6-8845-BD4E-CB4CCA059FC4}" type="datetimeFigureOut">
               <a:rPr lang="en-US" smtClean="0"/>
-              <a:t>1/27/13</a:t>
+              <a:t>9/8/2025</a:t>
             </a:fld>
             <a:endParaRPr lang="en-US"/>
           </a:p>
@@ -891,7 +1044,7 @@
     </p:spTree>
     <p:extLst>
       <p:ext uri="{BB962C8B-B14F-4D97-AF65-F5344CB8AC3E}">
-        <p14:creationId xmlns:p14="http://schemas.microsoft.com/office/powerpoint/2010/main" val="2614314258"/>
+        <p14:creationId xmlns:p14="http://schemas.microsoft.com/office/powerpoint/2010/main" val="3273883912"/>
       </p:ext>
     </p:extLst>
   </p:cSld>
@@ -902,8 +1055,16 @@
 </file>
 
 <file path=ppt/slideLayouts/slideLayout3.xml><?xml version="1.0" encoding="utf-8"?>
-<p:sldLayout xmlns:a="http://schemas.openxmlformats.org/drawingml/2006/main" xmlns:r="http://schemas.openxmlformats.org/officeDocument/2006/relationships" xmlns:p="http://schemas.openxmlformats.org/presentationml/2006/main" type="secHead" preserve="1">
+<p:sldLayout xmlns:a="http://schemas.openxmlformats.org/drawingml/2006/main" xmlns:r="http://schemas.openxmlformats.org/officeDocument/2006/relationships" xmlns:p="http://schemas.openxmlformats.org/presentationml/2006/main" showMasterSp="0" type="secHead" preserve="1">
   <p:cSld name="Section Header">
+    <p:bg>
+      <p:bgPr>
+        <a:solidFill>
+          <a:schemeClr val="bg1"/>
+        </a:solidFill>
+        <a:effectLst/>
+      </p:bgPr>
+    </p:bg>
     <p:spTree>
       <p:nvGrpSpPr>
         <p:cNvPr id="1" name=""/>
@@ -920,33 +1081,121 @@
       </p:grpSpPr>
       <p:sp>
         <p:nvSpPr>
-          <p:cNvPr id="2" name="Title 1"/>
-          <p:cNvSpPr>
-            <a:spLocks noGrp="1"/>
-          </p:cNvSpPr>
-          <p:nvPr>
-            <p:ph type="title"/>
-          </p:nvPr>
+          <p:cNvPr id="7" name="Rectangle 6"/>
+          <p:cNvSpPr/>
+          <p:nvPr/>
         </p:nvSpPr>
         <p:spPr>
           <a:xfrm>
-            <a:off x="722313" y="4406900"/>
-            <a:ext cx="7772400" cy="1362075"/>
+            <a:off x="2382" y="6400800"/>
+            <a:ext cx="9141619" cy="457200"/>
+          </a:xfrm>
+          <a:prstGeom prst="rect">
+            <a:avLst/>
+          </a:prstGeom>
+          <a:solidFill>
+            <a:schemeClr val="accent2"/>
+          </a:solidFill>
+          <a:ln>
+            <a:noFill/>
+          </a:ln>
+        </p:spPr>
+        <p:style>
+          <a:lnRef idx="2">
+            <a:schemeClr val="accent1">
+              <a:shade val="50000"/>
+            </a:schemeClr>
+          </a:lnRef>
+          <a:fillRef idx="1">
+            <a:schemeClr val="accent1"/>
+          </a:fillRef>
+          <a:effectRef idx="0">
+            <a:schemeClr val="accent1"/>
+          </a:effectRef>
+          <a:fontRef idx="minor">
+            <a:schemeClr val="lt1"/>
+          </a:fontRef>
+        </p:style>
+      </p:sp>
+      <p:sp>
+        <p:nvSpPr>
+          <p:cNvPr id="8" name="Rectangle 7"/>
+          <p:cNvSpPr/>
+          <p:nvPr/>
+        </p:nvSpPr>
+        <p:spPr>
+          <a:xfrm>
+            <a:off x="12" y="6334316"/>
+            <a:ext cx="9141619" cy="64008"/>
+          </a:xfrm>
+          <a:prstGeom prst="rect">
+            <a:avLst/>
+          </a:prstGeom>
+          <a:solidFill>
+            <a:schemeClr val="accent1"/>
+          </a:solidFill>
+          <a:ln>
+            <a:noFill/>
+          </a:ln>
+        </p:spPr>
+        <p:style>
+          <a:lnRef idx="2">
+            <a:schemeClr val="accent1">
+              <a:shade val="50000"/>
+            </a:schemeClr>
+          </a:lnRef>
+          <a:fillRef idx="1">
+            <a:schemeClr val="accent1"/>
+          </a:fillRef>
+          <a:effectRef idx="0">
+            <a:schemeClr val="accent1"/>
+          </a:effectRef>
+          <a:fontRef idx="minor">
+            <a:schemeClr val="lt1"/>
+          </a:fontRef>
+        </p:style>
+      </p:sp>
+      <p:sp>
+        <p:nvSpPr>
+          <p:cNvPr id="2" name="Title 1"/>
+          <p:cNvSpPr>
+            <a:spLocks noGrp="1"/>
+          </p:cNvSpPr>
+          <p:nvPr>
+            <p:ph type="title"/>
+          </p:nvPr>
+        </p:nvSpPr>
+        <p:spPr>
+          <a:xfrm>
+            <a:off x="822960" y="758952"/>
+            <a:ext cx="7543800" cy="3566160"/>
           </a:xfrm>
         </p:spPr>
         <p:txBody>
-          <a:bodyPr anchor="t"/>
+          <a:bodyPr anchor="b" anchorCtr="0">
+            <a:normAutofit/>
+          </a:bodyPr>
           <a:lstStyle>
-            <a:lvl1pPr algn="l">
-              <a:defRPr sz="4000" b="1" cap="all"/>
+            <a:lvl1pPr>
+              <a:lnSpc>
+                <a:spcPct val="85000"/>
+              </a:lnSpc>
+              <a:defRPr sz="8000" b="0">
+                <a:solidFill>
+                  <a:schemeClr val="tx1">
+                    <a:lumMod val="85000"/>
+                    <a:lumOff val="15000"/>
+                  </a:schemeClr>
+                </a:solidFill>
+              </a:defRPr>
             </a:lvl1pPr>
           </a:lstStyle>
           <a:p>
             <a:r>
-              <a:rPr lang="en-US" smtClean="0"/>
+              <a:rPr lang="en-US"/>
               <a:t>Click to edit Master title style</a:t>
             </a:r>
-            <a:endParaRPr lang="en-US"/>
+            <a:endParaRPr lang="en-US" dirty="0"/>
           </a:p>
         </p:txBody>
       </p:sp>
@@ -962,21 +1211,22 @@
         </p:nvSpPr>
         <p:spPr>
           <a:xfrm>
-            <a:off x="722313" y="2906713"/>
-            <a:ext cx="7772400" cy="1500187"/>
+            <a:off x="822960" y="4453128"/>
+            <a:ext cx="7543800" cy="1143000"/>
           </a:xfrm>
         </p:spPr>
         <p:txBody>
-          <a:bodyPr anchor="b"/>
+          <a:bodyPr lIns="91440" rIns="91440" anchor="t" anchorCtr="0">
+            <a:normAutofit/>
+          </a:bodyPr>
           <a:lstStyle>
             <a:lvl1pPr marL="0" indent="0">
               <a:buNone/>
-              <a:defRPr sz="2000">
+              <a:defRPr sz="2400" cap="all" spc="200" baseline="0">
                 <a:solidFill>
-                  <a:schemeClr val="tx1">
-                    <a:tint val="75000"/>
-                  </a:schemeClr>
+                  <a:schemeClr val="tx2"/>
                 </a:solidFill>
+                <a:latin typeface="+mj-lt"/>
               </a:defRPr>
             </a:lvl1pPr>
             <a:lvl2pPr marL="457200" indent="0">
@@ -1063,7 +1313,7 @@
           <a:p>
             <a:pPr lvl="0"/>
             <a:r>
-              <a:rPr lang="en-US" smtClean="0"/>
+              <a:rPr lang="en-US"/>
               <a:t>Click to edit Master text styles</a:t>
             </a:r>
           </a:p>
@@ -1086,7 +1336,7 @@
           <a:p>
             <a:fld id="{5BCAD085-E8A6-8845-BD4E-CB4CCA059FC4}" type="datetimeFigureOut">
               <a:rPr lang="en-US" smtClean="0"/>
-              <a:t>1/27/13</a:t>
+              <a:t>9/8/2025</a:t>
             </a:fld>
             <a:endParaRPr lang="en-US"/>
           </a:p>
@@ -1134,10 +1384,48 @@
           </a:p>
         </p:txBody>
       </p:sp>
+      <p:cxnSp>
+        <p:nvCxnSpPr>
+          <p:cNvPr id="9" name="Straight Connector 8"/>
+          <p:cNvCxnSpPr/>
+          <p:nvPr/>
+        </p:nvCxnSpPr>
+        <p:spPr>
+          <a:xfrm>
+            <a:off x="905744" y="4343400"/>
+            <a:ext cx="7406640" cy="0"/>
+          </a:xfrm>
+          <a:prstGeom prst="line">
+            <a:avLst/>
+          </a:prstGeom>
+          <a:ln w="6350">
+            <a:solidFill>
+              <a:schemeClr val="tx1">
+                <a:lumMod val="50000"/>
+                <a:lumOff val="50000"/>
+              </a:schemeClr>
+            </a:solidFill>
+          </a:ln>
+        </p:spPr>
+        <p:style>
+          <a:lnRef idx="1">
+            <a:schemeClr val="accent1"/>
+          </a:lnRef>
+          <a:fillRef idx="0">
+            <a:schemeClr val="accent1"/>
+          </a:fillRef>
+          <a:effectRef idx="0">
+            <a:schemeClr val="accent1"/>
+          </a:effectRef>
+          <a:fontRef idx="minor">
+            <a:schemeClr val="tx1"/>
+          </a:fontRef>
+        </p:style>
+      </p:cxnSp>
     </p:spTree>
     <p:extLst>
       <p:ext uri="{BB962C8B-B14F-4D97-AF65-F5344CB8AC3E}">
-        <p14:creationId xmlns:p14="http://schemas.microsoft.com/office/powerpoint/2010/main" val="960648375"/>
+        <p14:creationId xmlns:p14="http://schemas.microsoft.com/office/powerpoint/2010/main" val="416973161"/>
       </p:ext>
     </p:extLst>
   </p:cSld>
@@ -1166,7 +1454,7 @@
       </p:grpSpPr>
       <p:sp>
         <p:nvSpPr>
-          <p:cNvPr id="2" name="Title 1"/>
+          <p:cNvPr id="8" name="Title 7"/>
           <p:cNvSpPr>
             <a:spLocks noGrp="1"/>
           </p:cNvSpPr>
@@ -1174,16 +1462,21 @@
             <p:ph type="title"/>
           </p:nvPr>
         </p:nvSpPr>
-        <p:spPr/>
+        <p:spPr>
+          <a:xfrm>
+            <a:off x="822960" y="286604"/>
+            <a:ext cx="7543800" cy="1450757"/>
+          </a:xfrm>
+        </p:spPr>
         <p:txBody>
           <a:bodyPr/>
           <a:lstStyle/>
           <a:p>
             <a:r>
-              <a:rPr lang="en-US" smtClean="0"/>
+              <a:rPr lang="en-US"/>
               <a:t>Click to edit Master title style</a:t>
             </a:r>
-            <a:endParaRPr lang="en-US"/>
+            <a:endParaRPr lang="en-US" dirty="0"/>
           </a:p>
         </p:txBody>
       </p:sp>
@@ -1199,76 +1492,48 @@
         </p:nvSpPr>
         <p:spPr>
           <a:xfrm>
-            <a:off x="457200" y="1600200"/>
-            <a:ext cx="4038600" cy="4525963"/>
+            <a:off x="822960" y="1845734"/>
+            <a:ext cx="3703320" cy="4023360"/>
           </a:xfrm>
         </p:spPr>
         <p:txBody>
           <a:bodyPr/>
-          <a:lstStyle>
-            <a:lvl1pPr>
-              <a:defRPr sz="2800"/>
-            </a:lvl1pPr>
-            <a:lvl2pPr>
-              <a:defRPr sz="2400"/>
-            </a:lvl2pPr>
-            <a:lvl3pPr>
-              <a:defRPr sz="2000"/>
-            </a:lvl3pPr>
-            <a:lvl4pPr>
-              <a:defRPr sz="1800"/>
-            </a:lvl4pPr>
-            <a:lvl5pPr>
-              <a:defRPr sz="1800"/>
-            </a:lvl5pPr>
-            <a:lvl6pPr>
-              <a:defRPr sz="1800"/>
-            </a:lvl6pPr>
-            <a:lvl7pPr>
-              <a:defRPr sz="1800"/>
-            </a:lvl7pPr>
-            <a:lvl8pPr>
-              <a:defRPr sz="1800"/>
-            </a:lvl8pPr>
-            <a:lvl9pPr>
-              <a:defRPr sz="1800"/>
-            </a:lvl9pPr>
-          </a:lstStyle>
+          <a:lstStyle/>
           <a:p>
             <a:pPr lvl="0"/>
             <a:r>
-              <a:rPr lang="en-US" smtClean="0"/>
+              <a:rPr lang="en-US"/>
               <a:t>Click to edit Master text styles</a:t>
             </a:r>
           </a:p>
           <a:p>
             <a:pPr lvl="1"/>
             <a:r>
-              <a:rPr lang="en-US" smtClean="0"/>
+              <a:rPr lang="en-US"/>
               <a:t>Second level</a:t>
             </a:r>
           </a:p>
           <a:p>
             <a:pPr lvl="2"/>
             <a:r>
-              <a:rPr lang="en-US" smtClean="0"/>
+              <a:rPr lang="en-US"/>
               <a:t>Third level</a:t>
             </a:r>
           </a:p>
           <a:p>
             <a:pPr lvl="3"/>
             <a:r>
-              <a:rPr lang="en-US" smtClean="0"/>
+              <a:rPr lang="en-US"/>
               <a:t>Fourth level</a:t>
             </a:r>
           </a:p>
           <a:p>
             <a:pPr lvl="4"/>
             <a:r>
-              <a:rPr lang="en-US" smtClean="0"/>
+              <a:rPr lang="en-US"/>
               <a:t>Fifth level</a:t>
             </a:r>
-            <a:endParaRPr lang="en-US"/>
+            <a:endParaRPr lang="en-US" dirty="0"/>
           </a:p>
         </p:txBody>
       </p:sp>
@@ -1284,76 +1549,48 @@
         </p:nvSpPr>
         <p:spPr>
           <a:xfrm>
-            <a:off x="4648200" y="1600200"/>
-            <a:ext cx="4038600" cy="4525963"/>
+            <a:off x="4663440" y="1845735"/>
+            <a:ext cx="3703320" cy="4023360"/>
           </a:xfrm>
         </p:spPr>
         <p:txBody>
           <a:bodyPr/>
-          <a:lstStyle>
-            <a:lvl1pPr>
-              <a:defRPr sz="2800"/>
-            </a:lvl1pPr>
-            <a:lvl2pPr>
-              <a:defRPr sz="2400"/>
-            </a:lvl2pPr>
-            <a:lvl3pPr>
-              <a:defRPr sz="2000"/>
-            </a:lvl3pPr>
-            <a:lvl4pPr>
-              <a:defRPr sz="1800"/>
-            </a:lvl4pPr>
-            <a:lvl5pPr>
-              <a:defRPr sz="1800"/>
-            </a:lvl5pPr>
-            <a:lvl6pPr>
-              <a:defRPr sz="1800"/>
-            </a:lvl6pPr>
-            <a:lvl7pPr>
-              <a:defRPr sz="1800"/>
-            </a:lvl7pPr>
-            <a:lvl8pPr>
-              <a:defRPr sz="1800"/>
-            </a:lvl8pPr>
-            <a:lvl9pPr>
-              <a:defRPr sz="1800"/>
-            </a:lvl9pPr>
-          </a:lstStyle>
+          <a:lstStyle/>
           <a:p>
             <a:pPr lvl="0"/>
             <a:r>
-              <a:rPr lang="en-US" smtClean="0"/>
+              <a:rPr lang="en-US"/>
               <a:t>Click to edit Master text styles</a:t>
             </a:r>
           </a:p>
           <a:p>
             <a:pPr lvl="1"/>
             <a:r>
-              <a:rPr lang="en-US" smtClean="0"/>
+              <a:rPr lang="en-US"/>
               <a:t>Second level</a:t>
             </a:r>
           </a:p>
           <a:p>
             <a:pPr lvl="2"/>
             <a:r>
-              <a:rPr lang="en-US" smtClean="0"/>
+              <a:rPr lang="en-US"/>
               <a:t>Third level</a:t>
             </a:r>
           </a:p>
           <a:p>
             <a:pPr lvl="3"/>
             <a:r>
-              <a:rPr lang="en-US" smtClean="0"/>
+              <a:rPr lang="en-US"/>
               <a:t>Fourth level</a:t>
             </a:r>
           </a:p>
           <a:p>
             <a:pPr lvl="4"/>
             <a:r>
-              <a:rPr lang="en-US" smtClean="0"/>
+              <a:rPr lang="en-US"/>
               <a:t>Fifth level</a:t>
             </a:r>
-            <a:endParaRPr lang="en-US"/>
+            <a:endParaRPr lang="en-US" dirty="0"/>
           </a:p>
         </p:txBody>
       </p:sp>
@@ -1374,7 +1611,7 @@
           <a:p>
             <a:fld id="{5BCAD085-E8A6-8845-BD4E-CB4CCA059FC4}" type="datetimeFigureOut">
               <a:rPr lang="en-US" smtClean="0"/>
-              <a:t>1/27/13</a:t>
+              <a:t>9/8/2025</a:t>
             </a:fld>
             <a:endParaRPr lang="en-US"/>
           </a:p>
@@ -1425,7 +1662,7 @@
     </p:spTree>
     <p:extLst>
       <p:ext uri="{BB962C8B-B14F-4D97-AF65-F5344CB8AC3E}">
-        <p14:creationId xmlns:p14="http://schemas.microsoft.com/office/powerpoint/2010/main" val="2782244947"/>
+        <p14:creationId xmlns:p14="http://schemas.microsoft.com/office/powerpoint/2010/main" val="2691578779"/>
       </p:ext>
     </p:extLst>
   </p:cSld>
@@ -1454,53 +1691,60 @@
       </p:grpSpPr>
       <p:sp>
         <p:nvSpPr>
-          <p:cNvPr id="2" name="Title 1"/>
+          <p:cNvPr id="10" name="Title 9"/>
           <p:cNvSpPr>
             <a:spLocks noGrp="1"/>
           </p:cNvSpPr>
           <p:nvPr>
             <p:ph type="title"/>
-          </p:nvPr>
-        </p:nvSpPr>
-        <p:spPr/>
-        <p:txBody>
-          <a:bodyPr/>
-          <a:lstStyle>
-            <a:lvl1pPr>
-              <a:defRPr/>
-            </a:lvl1pPr>
-          </a:lstStyle>
-          <a:p>
-            <a:r>
-              <a:rPr lang="en-US" smtClean="0"/>
-              <a:t>Click to edit Master title style</a:t>
-            </a:r>
-            <a:endParaRPr lang="en-US"/>
-          </a:p>
-        </p:txBody>
-      </p:sp>
-      <p:sp>
-        <p:nvSpPr>
-          <p:cNvPr id="3" name="Text Placeholder 2"/>
-          <p:cNvSpPr>
-            <a:spLocks noGrp="1"/>
-          </p:cNvSpPr>
-          <p:nvPr>
-            <p:ph type="body" idx="1"/>
           </p:nvPr>
         </p:nvSpPr>
         <p:spPr>
           <a:xfrm>
-            <a:off x="457200" y="1535113"/>
-            <a:ext cx="4040188" cy="639762"/>
+            <a:off x="822960" y="286604"/>
+            <a:ext cx="7543800" cy="1450757"/>
           </a:xfrm>
         </p:spPr>
         <p:txBody>
-          <a:bodyPr anchor="b"/>
+          <a:bodyPr/>
+          <a:lstStyle/>
+          <a:p>
+            <a:r>
+              <a:rPr lang="en-US"/>
+              <a:t>Click to edit Master title style</a:t>
+            </a:r>
+            <a:endParaRPr lang="en-US" dirty="0"/>
+          </a:p>
+        </p:txBody>
+      </p:sp>
+      <p:sp>
+        <p:nvSpPr>
+          <p:cNvPr id="3" name="Text Placeholder 2"/>
+          <p:cNvSpPr>
+            <a:spLocks noGrp="1"/>
+          </p:cNvSpPr>
+          <p:nvPr>
+            <p:ph type="body" idx="1"/>
+          </p:nvPr>
+        </p:nvSpPr>
+        <p:spPr>
+          <a:xfrm>
+            <a:off x="822960" y="1846052"/>
+            <a:ext cx="3703320" cy="736282"/>
+          </a:xfrm>
+        </p:spPr>
+        <p:txBody>
+          <a:bodyPr lIns="91440" rIns="91440" anchor="ctr">
+            <a:normAutofit/>
+          </a:bodyPr>
           <a:lstStyle>
             <a:lvl1pPr marL="0" indent="0">
               <a:buNone/>
-              <a:defRPr sz="2400" b="1"/>
+              <a:defRPr sz="2000" b="0" cap="all" baseline="0">
+                <a:solidFill>
+                  <a:schemeClr val="tx2"/>
+                </a:solidFill>
+              </a:defRPr>
             </a:lvl1pPr>
             <a:lvl2pPr marL="457200" indent="0">
               <a:buNone/>
@@ -1538,7 +1782,7 @@
           <a:p>
             <a:pPr lvl="0"/>
             <a:r>
-              <a:rPr lang="en-US" smtClean="0"/>
+              <a:rPr lang="en-US"/>
               <a:t>Click to edit Master text styles</a:t>
             </a:r>
           </a:p>
@@ -1556,76 +1800,48 @@
         </p:nvSpPr>
         <p:spPr>
           <a:xfrm>
-            <a:off x="457200" y="2174875"/>
-            <a:ext cx="4040188" cy="3951288"/>
+            <a:off x="822960" y="2582334"/>
+            <a:ext cx="3703320" cy="3378200"/>
           </a:xfrm>
         </p:spPr>
         <p:txBody>
           <a:bodyPr/>
-          <a:lstStyle>
-            <a:lvl1pPr>
-              <a:defRPr sz="2400"/>
-            </a:lvl1pPr>
-            <a:lvl2pPr>
-              <a:defRPr sz="2000"/>
-            </a:lvl2pPr>
-            <a:lvl3pPr>
-              <a:defRPr sz="1800"/>
-            </a:lvl3pPr>
-            <a:lvl4pPr>
-              <a:defRPr sz="1600"/>
-            </a:lvl4pPr>
-            <a:lvl5pPr>
-              <a:defRPr sz="1600"/>
-            </a:lvl5pPr>
-            <a:lvl6pPr>
-              <a:defRPr sz="1600"/>
-            </a:lvl6pPr>
-            <a:lvl7pPr>
-              <a:defRPr sz="1600"/>
-            </a:lvl7pPr>
-            <a:lvl8pPr>
-              <a:defRPr sz="1600"/>
-            </a:lvl8pPr>
-            <a:lvl9pPr>
-              <a:defRPr sz="1600"/>
-            </a:lvl9pPr>
-          </a:lstStyle>
+          <a:lstStyle/>
           <a:p>
             <a:pPr lvl="0"/>
             <a:r>
-              <a:rPr lang="en-US" smtClean="0"/>
+              <a:rPr lang="en-US"/>
               <a:t>Click to edit Master text styles</a:t>
             </a:r>
           </a:p>
           <a:p>
             <a:pPr lvl="1"/>
             <a:r>
-              <a:rPr lang="en-US" smtClean="0"/>
+              <a:rPr lang="en-US"/>
               <a:t>Second level</a:t>
             </a:r>
           </a:p>
           <a:p>
             <a:pPr lvl="2"/>
             <a:r>
-              <a:rPr lang="en-US" smtClean="0"/>
+              <a:rPr lang="en-US"/>
               <a:t>Third level</a:t>
             </a:r>
           </a:p>
           <a:p>
             <a:pPr lvl="3"/>
             <a:r>
-              <a:rPr lang="en-US" smtClean="0"/>
+              <a:rPr lang="en-US"/>
               <a:t>Fourth level</a:t>
             </a:r>
           </a:p>
           <a:p>
             <a:pPr lvl="4"/>
             <a:r>
-              <a:rPr lang="en-US" smtClean="0"/>
+              <a:rPr lang="en-US"/>
               <a:t>Fifth level</a:t>
             </a:r>
-            <a:endParaRPr lang="en-US"/>
+            <a:endParaRPr lang="en-US" dirty="0"/>
           </a:p>
         </p:txBody>
       </p:sp>
@@ -1641,16 +1857,22 @@
         </p:nvSpPr>
         <p:spPr>
           <a:xfrm>
-            <a:off x="4645025" y="1535113"/>
-            <a:ext cx="4041775" cy="639762"/>
+            <a:off x="4663440" y="1846052"/>
+            <a:ext cx="3703320" cy="736282"/>
           </a:xfrm>
         </p:spPr>
         <p:txBody>
-          <a:bodyPr anchor="b"/>
+          <a:bodyPr lIns="91440" rIns="91440" anchor="ctr">
+            <a:normAutofit/>
+          </a:bodyPr>
           <a:lstStyle>
             <a:lvl1pPr marL="0" indent="0">
               <a:buNone/>
-              <a:defRPr sz="2400" b="1"/>
+              <a:defRPr sz="2000" b="0" cap="all" baseline="0">
+                <a:solidFill>
+                  <a:schemeClr val="tx2"/>
+                </a:solidFill>
+              </a:defRPr>
             </a:lvl1pPr>
             <a:lvl2pPr marL="457200" indent="0">
               <a:buNone/>
@@ -1688,7 +1910,7 @@
           <a:p>
             <a:pPr lvl="0"/>
             <a:r>
-              <a:rPr lang="en-US" smtClean="0"/>
+              <a:rPr lang="en-US"/>
               <a:t>Click to edit Master text styles</a:t>
             </a:r>
           </a:p>
@@ -1706,76 +1928,48 @@
         </p:nvSpPr>
         <p:spPr>
           <a:xfrm>
-            <a:off x="4645025" y="2174875"/>
-            <a:ext cx="4041775" cy="3951288"/>
+            <a:off x="4663440" y="2582334"/>
+            <a:ext cx="3703320" cy="3378200"/>
           </a:xfrm>
         </p:spPr>
         <p:txBody>
           <a:bodyPr/>
-          <a:lstStyle>
-            <a:lvl1pPr>
-              <a:defRPr sz="2400"/>
-            </a:lvl1pPr>
-            <a:lvl2pPr>
-              <a:defRPr sz="2000"/>
-            </a:lvl2pPr>
-            <a:lvl3pPr>
-              <a:defRPr sz="1800"/>
-            </a:lvl3pPr>
-            <a:lvl4pPr>
-              <a:defRPr sz="1600"/>
-            </a:lvl4pPr>
-            <a:lvl5pPr>
-              <a:defRPr sz="1600"/>
-            </a:lvl5pPr>
-            <a:lvl6pPr>
-              <a:defRPr sz="1600"/>
-            </a:lvl6pPr>
-            <a:lvl7pPr>
-              <a:defRPr sz="1600"/>
-            </a:lvl7pPr>
-            <a:lvl8pPr>
-              <a:defRPr sz="1600"/>
-            </a:lvl8pPr>
-            <a:lvl9pPr>
-              <a:defRPr sz="1600"/>
-            </a:lvl9pPr>
-          </a:lstStyle>
+          <a:lstStyle/>
           <a:p>
             <a:pPr lvl="0"/>
             <a:r>
-              <a:rPr lang="en-US" smtClean="0"/>
+              <a:rPr lang="en-US"/>
               <a:t>Click to edit Master text styles</a:t>
             </a:r>
           </a:p>
           <a:p>
             <a:pPr lvl="1"/>
             <a:r>
-              <a:rPr lang="en-US" smtClean="0"/>
+              <a:rPr lang="en-US"/>
               <a:t>Second level</a:t>
             </a:r>
           </a:p>
           <a:p>
             <a:pPr lvl="2"/>
             <a:r>
-              <a:rPr lang="en-US" smtClean="0"/>
+              <a:rPr lang="en-US"/>
               <a:t>Third level</a:t>
             </a:r>
           </a:p>
           <a:p>
             <a:pPr lvl="3"/>
             <a:r>
-              <a:rPr lang="en-US" smtClean="0"/>
+              <a:rPr lang="en-US"/>
               <a:t>Fourth level</a:t>
             </a:r>
           </a:p>
           <a:p>
             <a:pPr lvl="4"/>
             <a:r>
-              <a:rPr lang="en-US" smtClean="0"/>
+              <a:rPr lang="en-US"/>
               <a:t>Fifth level</a:t>
             </a:r>
-            <a:endParaRPr lang="en-US"/>
+            <a:endParaRPr lang="en-US" dirty="0"/>
           </a:p>
         </p:txBody>
       </p:sp>
@@ -1796,7 +1990,7 @@
           <a:p>
             <a:fld id="{5BCAD085-E8A6-8845-BD4E-CB4CCA059FC4}" type="datetimeFigureOut">
               <a:rPr lang="en-US" smtClean="0"/>
-              <a:t>1/27/13</a:t>
+              <a:t>9/8/2025</a:t>
             </a:fld>
             <a:endParaRPr lang="en-US"/>
           </a:p>
@@ -1847,7 +2041,7 @@
     </p:spTree>
     <p:extLst>
       <p:ext uri="{BB962C8B-B14F-4D97-AF65-F5344CB8AC3E}">
-        <p14:creationId xmlns:p14="http://schemas.microsoft.com/office/powerpoint/2010/main" val="990158736"/>
+        <p14:creationId xmlns:p14="http://schemas.microsoft.com/office/powerpoint/2010/main" val="2774652617"/>
       </p:ext>
     </p:extLst>
   </p:cSld>
@@ -1890,10 +2084,10 @@
           <a:lstStyle/>
           <a:p>
             <a:r>
-              <a:rPr lang="en-US" smtClean="0"/>
+              <a:rPr lang="en-US"/>
               <a:t>Click to edit Master title style</a:t>
             </a:r>
-            <a:endParaRPr lang="en-US"/>
+            <a:endParaRPr lang="en-US" dirty="0"/>
           </a:p>
         </p:txBody>
       </p:sp>
@@ -1914,7 +2108,7 @@
           <a:p>
             <a:fld id="{5BCAD085-E8A6-8845-BD4E-CB4CCA059FC4}" type="datetimeFigureOut">
               <a:rPr lang="en-US" smtClean="0"/>
-              <a:t>1/27/13</a:t>
+              <a:t>9/8/2025</a:t>
             </a:fld>
             <a:endParaRPr lang="en-US"/>
           </a:p>
@@ -1965,7 +2159,7 @@
     </p:spTree>
     <p:extLst>
       <p:ext uri="{BB962C8B-B14F-4D97-AF65-F5344CB8AC3E}">
-        <p14:creationId xmlns:p14="http://schemas.microsoft.com/office/powerpoint/2010/main" val="727027711"/>
+        <p14:creationId xmlns:p14="http://schemas.microsoft.com/office/powerpoint/2010/main" val="3415917400"/>
       </p:ext>
     </p:extLst>
   </p:cSld>
@@ -1976,7 +2170,7 @@
 </file>
 
 <file path=ppt/slideLayouts/slideLayout7.xml><?xml version="1.0" encoding="utf-8"?>
-<p:sldLayout xmlns:a="http://schemas.openxmlformats.org/drawingml/2006/main" xmlns:r="http://schemas.openxmlformats.org/officeDocument/2006/relationships" xmlns:p="http://schemas.openxmlformats.org/presentationml/2006/main" type="blank" preserve="1">
+<p:sldLayout xmlns:a="http://schemas.openxmlformats.org/drawingml/2006/main" xmlns:r="http://schemas.openxmlformats.org/officeDocument/2006/relationships" xmlns:p="http://schemas.openxmlformats.org/presentationml/2006/main" showMasterSp="0" type="blank" preserve="1">
   <p:cSld name="Blank">
     <p:spTree>
       <p:nvGrpSpPr>
@@ -1994,7 +2188,83 @@
       </p:grpSpPr>
       <p:sp>
         <p:nvSpPr>
-          <p:cNvPr id="2" name="Date Placeholder 1"/>
+          <p:cNvPr id="5" name="Rectangle 4"/>
+          <p:cNvSpPr/>
+          <p:nvPr/>
+        </p:nvSpPr>
+        <p:spPr>
+          <a:xfrm>
+            <a:off x="2382" y="6400800"/>
+            <a:ext cx="9141619" cy="457200"/>
+          </a:xfrm>
+          <a:prstGeom prst="rect">
+            <a:avLst/>
+          </a:prstGeom>
+          <a:solidFill>
+            <a:schemeClr val="accent2"/>
+          </a:solidFill>
+          <a:ln>
+            <a:noFill/>
+          </a:ln>
+        </p:spPr>
+        <p:style>
+          <a:lnRef idx="2">
+            <a:schemeClr val="accent1">
+              <a:shade val="50000"/>
+            </a:schemeClr>
+          </a:lnRef>
+          <a:fillRef idx="1">
+            <a:schemeClr val="accent1"/>
+          </a:fillRef>
+          <a:effectRef idx="0">
+            <a:schemeClr val="accent1"/>
+          </a:effectRef>
+          <a:fontRef idx="minor">
+            <a:schemeClr val="lt1"/>
+          </a:fontRef>
+        </p:style>
+      </p:sp>
+      <p:sp>
+        <p:nvSpPr>
+          <p:cNvPr id="6" name="Rectangle 5"/>
+          <p:cNvSpPr/>
+          <p:nvPr/>
+        </p:nvSpPr>
+        <p:spPr>
+          <a:xfrm>
+            <a:off x="12" y="6334316"/>
+            <a:ext cx="9141619" cy="64008"/>
+          </a:xfrm>
+          <a:prstGeom prst="rect">
+            <a:avLst/>
+          </a:prstGeom>
+          <a:solidFill>
+            <a:schemeClr val="accent1"/>
+          </a:solidFill>
+          <a:ln>
+            <a:noFill/>
+          </a:ln>
+        </p:spPr>
+        <p:style>
+          <a:lnRef idx="2">
+            <a:schemeClr val="accent1">
+              <a:shade val="50000"/>
+            </a:schemeClr>
+          </a:lnRef>
+          <a:fillRef idx="1">
+            <a:schemeClr val="accent1"/>
+          </a:fillRef>
+          <a:effectRef idx="0">
+            <a:schemeClr val="accent1"/>
+          </a:effectRef>
+          <a:fontRef idx="minor">
+            <a:schemeClr val="lt1"/>
+          </a:fontRef>
+        </p:style>
+      </p:sp>
+      <p:sp>
+        <p:nvSpPr>
+          <p:cNvPr id="7" name="Date Placeholder 6"/>
           <p:cNvSpPr>
             <a:spLocks noGrp="1"/>
           </p:cNvSpPr>
@@ -2009,7 +2279,7 @@
           <a:p>
             <a:fld id="{5BCAD085-E8A6-8845-BD4E-CB4CCA059FC4}" type="datetimeFigureOut">
               <a:rPr lang="en-US" smtClean="0"/>
-              <a:t>1/27/13</a:t>
+              <a:t>9/8/2025</a:t>
             </a:fld>
             <a:endParaRPr lang="en-US"/>
           </a:p>
@@ -2017,7 +2287,7 @@
       </p:sp>
       <p:sp>
         <p:nvSpPr>
-          <p:cNvPr id="3" name="Footer Placeholder 2"/>
+          <p:cNvPr id="8" name="Footer Placeholder 7"/>
           <p:cNvSpPr>
             <a:spLocks noGrp="1"/>
           </p:cNvSpPr>
@@ -2028,7 +2298,15 @@
         <p:spPr/>
         <p:txBody>
           <a:bodyPr/>
-          <a:lstStyle/>
+          <a:lstStyle>
+            <a:lvl1pPr>
+              <a:defRPr>
+                <a:solidFill>
+                  <a:srgbClr val="FFFFFF"/>
+                </a:solidFill>
+              </a:defRPr>
+            </a:lvl1pPr>
+          </a:lstStyle>
           <a:p>
             <a:endParaRPr lang="en-US"/>
           </a:p>
@@ -2036,7 +2314,7 @@
       </p:sp>
       <p:sp>
         <p:nvSpPr>
-          <p:cNvPr id="4" name="Slide Number Placeholder 3"/>
+          <p:cNvPr id="9" name="Slide Number Placeholder 8"/>
           <p:cNvSpPr>
             <a:spLocks noGrp="1"/>
           </p:cNvSpPr>
@@ -2060,7 +2338,7 @@
     </p:spTree>
     <p:extLst>
       <p:ext uri="{BB962C8B-B14F-4D97-AF65-F5344CB8AC3E}">
-        <p14:creationId xmlns:p14="http://schemas.microsoft.com/office/powerpoint/2010/main" val="1212999818"/>
+        <p14:creationId xmlns:p14="http://schemas.microsoft.com/office/powerpoint/2010/main" val="1368703547"/>
       </p:ext>
     </p:extLst>
   </p:cSld>
@@ -2071,7 +2349,7 @@
 </file>
 
 <file path=ppt/slideLayouts/slideLayout8.xml><?xml version="1.0" encoding="utf-8"?>
-<p:sldLayout xmlns:a="http://schemas.openxmlformats.org/drawingml/2006/main" xmlns:r="http://schemas.openxmlformats.org/officeDocument/2006/relationships" xmlns:p="http://schemas.openxmlformats.org/presentationml/2006/main" type="objTx" preserve="1">
+<p:sldLayout xmlns:a="http://schemas.openxmlformats.org/drawingml/2006/main" xmlns:r="http://schemas.openxmlformats.org/officeDocument/2006/relationships" xmlns:p="http://schemas.openxmlformats.org/presentationml/2006/main" showMasterSp="0" type="objTx" preserve="1">
   <p:cSld name="Content with Caption">
     <p:spTree>
       <p:nvGrpSpPr>
@@ -2089,33 +2367,115 @@
       </p:grpSpPr>
       <p:sp>
         <p:nvSpPr>
-          <p:cNvPr id="2" name="Title 1"/>
-          <p:cNvSpPr>
-            <a:spLocks noGrp="1"/>
-          </p:cNvSpPr>
-          <p:nvPr>
-            <p:ph type="title"/>
-          </p:nvPr>
+          <p:cNvPr id="8" name="Rectangle 7"/>
+          <p:cNvSpPr/>
+          <p:nvPr/>
         </p:nvSpPr>
         <p:spPr>
           <a:xfrm>
-            <a:off x="457200" y="273050"/>
-            <a:ext cx="3008313" cy="1162050"/>
+            <a:off x="13" y="0"/>
+            <a:ext cx="3038093" cy="6858000"/>
+          </a:xfrm>
+          <a:prstGeom prst="rect">
+            <a:avLst/>
+          </a:prstGeom>
+          <a:solidFill>
+            <a:schemeClr val="accent2"/>
+          </a:solidFill>
+          <a:ln>
+            <a:noFill/>
+          </a:ln>
+        </p:spPr>
+        <p:style>
+          <a:lnRef idx="2">
+            <a:schemeClr val="accent1">
+              <a:shade val="50000"/>
+            </a:schemeClr>
+          </a:lnRef>
+          <a:fillRef idx="1">
+            <a:schemeClr val="accent1"/>
+          </a:fillRef>
+          <a:effectRef idx="0">
+            <a:schemeClr val="accent1"/>
+          </a:effectRef>
+          <a:fontRef idx="minor">
+            <a:schemeClr val="lt1"/>
+          </a:fontRef>
+        </p:style>
+      </p:sp>
+      <p:sp>
+        <p:nvSpPr>
+          <p:cNvPr id="9" name="Rectangle 8"/>
+          <p:cNvSpPr/>
+          <p:nvPr/>
+        </p:nvSpPr>
+        <p:spPr>
+          <a:xfrm>
+            <a:off x="3030053" y="0"/>
+            <a:ext cx="48006" cy="6858000"/>
+          </a:xfrm>
+          <a:prstGeom prst="rect">
+            <a:avLst/>
+          </a:prstGeom>
+          <a:solidFill>
+            <a:schemeClr val="accent1"/>
+          </a:solidFill>
+          <a:ln>
+            <a:noFill/>
+          </a:ln>
+        </p:spPr>
+        <p:style>
+          <a:lnRef idx="2">
+            <a:schemeClr val="accent1">
+              <a:shade val="50000"/>
+            </a:schemeClr>
+          </a:lnRef>
+          <a:fillRef idx="1">
+            <a:schemeClr val="accent1"/>
+          </a:fillRef>
+          <a:effectRef idx="0">
+            <a:schemeClr val="accent1"/>
+          </a:effectRef>
+          <a:fontRef idx="minor">
+            <a:schemeClr val="lt1"/>
+          </a:fontRef>
+        </p:style>
+      </p:sp>
+      <p:sp>
+        <p:nvSpPr>
+          <p:cNvPr id="2" name="Title 1"/>
+          <p:cNvSpPr>
+            <a:spLocks noGrp="1"/>
+          </p:cNvSpPr>
+          <p:nvPr>
+            <p:ph type="title"/>
+          </p:nvPr>
+        </p:nvSpPr>
+        <p:spPr>
+          <a:xfrm>
+            <a:off x="342900" y="594359"/>
+            <a:ext cx="2400300" cy="2286000"/>
           </a:xfrm>
         </p:spPr>
         <p:txBody>
-          <a:bodyPr anchor="b"/>
+          <a:bodyPr anchor="b">
+            <a:normAutofit/>
+          </a:bodyPr>
           <a:lstStyle>
-            <a:lvl1pPr algn="l">
-              <a:defRPr sz="2000" b="1"/>
+            <a:lvl1pPr>
+              <a:defRPr sz="3600" b="0">
+                <a:solidFill>
+                  <a:srgbClr val="FFFFFF"/>
+                </a:solidFill>
+              </a:defRPr>
             </a:lvl1pPr>
           </a:lstStyle>
           <a:p>
             <a:r>
-              <a:rPr lang="en-US" smtClean="0"/>
+              <a:rPr lang="en-US"/>
               <a:t>Click to edit Master title style</a:t>
             </a:r>
-            <a:endParaRPr lang="en-US"/>
+            <a:endParaRPr lang="en-US" dirty="0"/>
           </a:p>
         </p:txBody>
       </p:sp>
@@ -2131,76 +2491,48 @@
         </p:nvSpPr>
         <p:spPr>
           <a:xfrm>
-            <a:off x="3575050" y="273050"/>
-            <a:ext cx="5111750" cy="5853113"/>
+            <a:off x="3600450" y="731520"/>
+            <a:ext cx="4869180" cy="5257800"/>
           </a:xfrm>
         </p:spPr>
         <p:txBody>
           <a:bodyPr/>
-          <a:lstStyle>
-            <a:lvl1pPr>
-              <a:defRPr sz="3200"/>
-            </a:lvl1pPr>
-            <a:lvl2pPr>
-              <a:defRPr sz="2800"/>
-            </a:lvl2pPr>
-            <a:lvl3pPr>
-              <a:defRPr sz="2400"/>
-            </a:lvl3pPr>
-            <a:lvl4pPr>
-              <a:defRPr sz="2000"/>
-            </a:lvl4pPr>
-            <a:lvl5pPr>
-              <a:defRPr sz="2000"/>
-            </a:lvl5pPr>
-            <a:lvl6pPr>
-              <a:defRPr sz="2000"/>
-            </a:lvl6pPr>
-            <a:lvl7pPr>
-              <a:defRPr sz="2000"/>
-            </a:lvl7pPr>
-            <a:lvl8pPr>
-              <a:defRPr sz="2000"/>
-            </a:lvl8pPr>
-            <a:lvl9pPr>
-              <a:defRPr sz="2000"/>
-            </a:lvl9pPr>
-          </a:lstStyle>
+          <a:lstStyle/>
           <a:p>
             <a:pPr lvl="0"/>
             <a:r>
-              <a:rPr lang="en-US" smtClean="0"/>
+              <a:rPr lang="en-US"/>
               <a:t>Click to edit Master text styles</a:t>
             </a:r>
           </a:p>
           <a:p>
             <a:pPr lvl="1"/>
             <a:r>
-              <a:rPr lang="en-US" smtClean="0"/>
+              <a:rPr lang="en-US"/>
               <a:t>Second level</a:t>
             </a:r>
           </a:p>
           <a:p>
             <a:pPr lvl="2"/>
             <a:r>
-              <a:rPr lang="en-US" smtClean="0"/>
+              <a:rPr lang="en-US"/>
               <a:t>Third level</a:t>
             </a:r>
           </a:p>
           <a:p>
             <a:pPr lvl="3"/>
             <a:r>
-              <a:rPr lang="en-US" smtClean="0"/>
+              <a:rPr lang="en-US"/>
               <a:t>Fourth level</a:t>
             </a:r>
           </a:p>
           <a:p>
             <a:pPr lvl="4"/>
             <a:r>
-              <a:rPr lang="en-US" smtClean="0"/>
+              <a:rPr lang="en-US"/>
               <a:t>Fifth level</a:t>
             </a:r>
-            <a:endParaRPr lang="en-US"/>
+            <a:endParaRPr lang="en-US" dirty="0"/>
           </a:p>
         </p:txBody>
       </p:sp>
@@ -2216,16 +2548,22 @@
         </p:nvSpPr>
         <p:spPr>
           <a:xfrm>
-            <a:off x="457200" y="1435100"/>
-            <a:ext cx="3008313" cy="4691063"/>
+            <a:off x="342900" y="2926080"/>
+            <a:ext cx="2400300" cy="3379124"/>
           </a:xfrm>
         </p:spPr>
         <p:txBody>
-          <a:bodyPr/>
+          <a:bodyPr lIns="91440" rIns="91440">
+            <a:normAutofit/>
+          </a:bodyPr>
           <a:lstStyle>
             <a:lvl1pPr marL="0" indent="0">
               <a:buNone/>
-              <a:defRPr sz="1400"/>
+              <a:defRPr sz="1500">
+                <a:solidFill>
+                  <a:srgbClr val="FFFFFF"/>
+                </a:solidFill>
+              </a:defRPr>
             </a:lvl1pPr>
             <a:lvl2pPr marL="457200" indent="0">
               <a:buNone/>
@@ -2263,7 +2601,7 @@
           <a:p>
             <a:pPr lvl="0"/>
             <a:r>
-              <a:rPr lang="en-US" smtClean="0"/>
+              <a:rPr lang="en-US"/>
               <a:t>Click to edit Master text styles</a:t>
             </a:r>
           </a:p>
@@ -2279,14 +2617,23 @@
             <p:ph type="dt" sz="half" idx="10"/>
           </p:nvPr>
         </p:nvSpPr>
-        <p:spPr/>
+        <p:spPr>
+          <a:xfrm>
+            <a:off x="349134" y="6459786"/>
+            <a:ext cx="1963883" cy="365125"/>
+          </a:xfrm>
+        </p:spPr>
         <p:txBody>
           <a:bodyPr/>
-          <a:lstStyle/>
+          <a:lstStyle>
+            <a:lvl1pPr algn="l">
+              <a:defRPr/>
+            </a:lvl1pPr>
+          </a:lstStyle>
           <a:p>
             <a:fld id="{5BCAD085-E8A6-8845-BD4E-CB4CCA059FC4}" type="datetimeFigureOut">
               <a:rPr lang="en-US" smtClean="0"/>
-              <a:t>1/27/13</a:t>
+              <a:t>9/8/2025</a:t>
             </a:fld>
             <a:endParaRPr lang="en-US"/>
           </a:p>
@@ -2302,29 +2649,50 @@
             <p:ph type="ftr" sz="quarter" idx="11"/>
           </p:nvPr>
         </p:nvSpPr>
+        <p:spPr>
+          <a:xfrm>
+            <a:off x="3600450" y="6459786"/>
+            <a:ext cx="3486150" cy="365125"/>
+          </a:xfrm>
+        </p:spPr>
+        <p:txBody>
+          <a:bodyPr/>
+          <a:lstStyle>
+            <a:lvl1pPr algn="l">
+              <a:defRPr>
+                <a:solidFill>
+                  <a:schemeClr val="tx2"/>
+                </a:solidFill>
+              </a:defRPr>
+            </a:lvl1pPr>
+          </a:lstStyle>
+          <a:p>
+            <a:endParaRPr lang="en-US"/>
+          </a:p>
+        </p:txBody>
+      </p:sp>
+      <p:sp>
+        <p:nvSpPr>
+          <p:cNvPr id="7" name="Slide Number Placeholder 6"/>
+          <p:cNvSpPr>
+            <a:spLocks noGrp="1"/>
+          </p:cNvSpPr>
+          <p:nvPr>
+            <p:ph type="sldNum" sz="quarter" idx="12"/>
+          </p:nvPr>
+        </p:nvSpPr>
         <p:spPr/>
         <p:txBody>
           <a:bodyPr/>
-          <a:lstStyle/>
-          <a:p>
-            <a:endParaRPr lang="en-US"/>
-          </a:p>
-        </p:txBody>
-      </p:sp>
-      <p:sp>
-        <p:nvSpPr>
-          <p:cNvPr id="7" name="Slide Number Placeholder 6"/>
-          <p:cNvSpPr>
-            <a:spLocks noGrp="1"/>
-          </p:cNvSpPr>
-          <p:nvPr>
-            <p:ph type="sldNum" sz="quarter" idx="12"/>
-          </p:nvPr>
-        </p:nvSpPr>
-        <p:spPr/>
-        <p:txBody>
-          <a:bodyPr/>
-          <a:lstStyle/>
+          <a:lstStyle>
+            <a:lvl1pPr>
+              <a:defRPr>
+                <a:solidFill>
+                  <a:schemeClr val="tx2"/>
+                </a:solidFill>
+              </a:defRPr>
+            </a:lvl1pPr>
+          </a:lstStyle>
           <a:p>
             <a:fld id="{C1FF6DA9-008F-8B48-92A6-B652298478BF}" type="slidenum">
               <a:rPr lang="en-US" smtClean="0"/>
@@ -2337,7 +2705,7 @@
     </p:spTree>
     <p:extLst>
       <p:ext uri="{BB962C8B-B14F-4D97-AF65-F5344CB8AC3E}">
-        <p14:creationId xmlns:p14="http://schemas.microsoft.com/office/powerpoint/2010/main" val="1840726560"/>
+        <p14:creationId xmlns:p14="http://schemas.microsoft.com/office/powerpoint/2010/main" val="4054052969"/>
       </p:ext>
     </p:extLst>
   </p:cSld>
@@ -2348,7 +2716,7 @@
 </file>
 
 <file path=ppt/slideLayouts/slideLayout9.xml><?xml version="1.0" encoding="utf-8"?>
-<p:sldLayout xmlns:a="http://schemas.openxmlformats.org/drawingml/2006/main" xmlns:r="http://schemas.openxmlformats.org/officeDocument/2006/relationships" xmlns:p="http://schemas.openxmlformats.org/presentationml/2006/main" type="picTx" preserve="1">
+<p:sldLayout xmlns:a="http://schemas.openxmlformats.org/drawingml/2006/main" xmlns:r="http://schemas.openxmlformats.org/officeDocument/2006/relationships" xmlns:p="http://schemas.openxmlformats.org/presentationml/2006/main" showMasterSp="0" type="picTx" preserve="1">
   <p:cSld name="Picture with Caption">
     <p:spTree>
       <p:nvGrpSpPr>
@@ -2366,33 +2734,115 @@
       </p:grpSpPr>
       <p:sp>
         <p:nvSpPr>
-          <p:cNvPr id="2" name="Title 1"/>
-          <p:cNvSpPr>
-            <a:spLocks noGrp="1"/>
-          </p:cNvSpPr>
-          <p:nvPr>
-            <p:ph type="title"/>
-          </p:nvPr>
+          <p:cNvPr id="8" name="Rectangle 7"/>
+          <p:cNvSpPr/>
+          <p:nvPr/>
         </p:nvSpPr>
         <p:spPr>
           <a:xfrm>
-            <a:off x="1792288" y="4800600"/>
-            <a:ext cx="5486400" cy="566738"/>
+            <a:off x="0" y="4953000"/>
+            <a:ext cx="9141619" cy="1905000"/>
+          </a:xfrm>
+          <a:prstGeom prst="rect">
+            <a:avLst/>
+          </a:prstGeom>
+          <a:solidFill>
+            <a:schemeClr val="accent2"/>
+          </a:solidFill>
+          <a:ln>
+            <a:noFill/>
+          </a:ln>
+        </p:spPr>
+        <p:style>
+          <a:lnRef idx="2">
+            <a:schemeClr val="accent1">
+              <a:shade val="50000"/>
+            </a:schemeClr>
+          </a:lnRef>
+          <a:fillRef idx="1">
+            <a:schemeClr val="accent1"/>
+          </a:fillRef>
+          <a:effectRef idx="0">
+            <a:schemeClr val="accent1"/>
+          </a:effectRef>
+          <a:fontRef idx="minor">
+            <a:schemeClr val="lt1"/>
+          </a:fontRef>
+        </p:style>
+      </p:sp>
+      <p:sp>
+        <p:nvSpPr>
+          <p:cNvPr id="9" name="Rectangle 8"/>
+          <p:cNvSpPr/>
+          <p:nvPr/>
+        </p:nvSpPr>
+        <p:spPr>
+          <a:xfrm>
+            <a:off x="12" y="4915076"/>
+            <a:ext cx="9141619" cy="64008"/>
+          </a:xfrm>
+          <a:prstGeom prst="rect">
+            <a:avLst/>
+          </a:prstGeom>
+          <a:solidFill>
+            <a:schemeClr val="accent1"/>
+          </a:solidFill>
+          <a:ln>
+            <a:noFill/>
+          </a:ln>
+        </p:spPr>
+        <p:style>
+          <a:lnRef idx="2">
+            <a:schemeClr val="accent1">
+              <a:shade val="50000"/>
+            </a:schemeClr>
+          </a:lnRef>
+          <a:fillRef idx="1">
+            <a:schemeClr val="accent1"/>
+          </a:fillRef>
+          <a:effectRef idx="0">
+            <a:schemeClr val="accent1"/>
+          </a:effectRef>
+          <a:fontRef idx="minor">
+            <a:schemeClr val="lt1"/>
+          </a:fontRef>
+        </p:style>
+      </p:sp>
+      <p:sp>
+        <p:nvSpPr>
+          <p:cNvPr id="2" name="Title 1"/>
+          <p:cNvSpPr>
+            <a:spLocks noGrp="1"/>
+          </p:cNvSpPr>
+          <p:nvPr>
+            <p:ph type="title"/>
+          </p:nvPr>
+        </p:nvSpPr>
+        <p:spPr>
+          <a:xfrm>
+            <a:off x="822960" y="5074920"/>
+            <a:ext cx="7585234" cy="822960"/>
           </a:xfrm>
         </p:spPr>
         <p:txBody>
-          <a:bodyPr anchor="b"/>
+          <a:bodyPr tIns="0" bIns="0" anchor="b">
+            <a:noAutofit/>
+          </a:bodyPr>
           <a:lstStyle>
-            <a:lvl1pPr algn="l">
-              <a:defRPr sz="2000" b="1"/>
+            <a:lvl1pPr>
+              <a:defRPr sz="3600" b="0">
+                <a:solidFill>
+                  <a:srgbClr val="FFFFFF"/>
+                </a:solidFill>
+              </a:defRPr>
             </a:lvl1pPr>
           </a:lstStyle>
           <a:p>
             <a:r>
-              <a:rPr lang="en-US" smtClean="0"/>
+              <a:rPr lang="en-US"/>
               <a:t>Click to edit Master title style</a:t>
             </a:r>
-            <a:endParaRPr lang="en-US"/>
+            <a:endParaRPr lang="en-US" dirty="0"/>
           </a:p>
         </p:txBody>
       </p:sp>
@@ -2400,7 +2850,7 @@
         <p:nvSpPr>
           <p:cNvPr id="3" name="Picture Placeholder 2"/>
           <p:cNvSpPr>
-            <a:spLocks noGrp="1"/>
+            <a:spLocks noGrp="1" noChangeAspect="1"/>
           </p:cNvSpPr>
           <p:nvPr>
             <p:ph type="pic" idx="1"/>
@@ -2408,12 +2858,17 @@
         </p:nvSpPr>
         <p:spPr>
           <a:xfrm>
-            <a:off x="1792288" y="612775"/>
-            <a:ext cx="5486400" cy="4114800"/>
+            <a:off x="12" y="0"/>
+            <a:ext cx="9143989" cy="4915076"/>
           </a:xfrm>
+          <a:solidFill>
+            <a:schemeClr val="bg2">
+              <a:lumMod val="90000"/>
+            </a:schemeClr>
+          </a:solidFill>
         </p:spPr>
         <p:txBody>
-          <a:bodyPr/>
+          <a:bodyPr lIns="457200" tIns="457200" anchor="t"/>
           <a:lstStyle>
             <a:lvl1pPr marL="0" indent="0">
               <a:buNone/>
@@ -2453,7 +2908,11 @@
             </a:lvl9pPr>
           </a:lstStyle>
           <a:p>
-            <a:endParaRPr lang="en-US"/>
+            <a:r>
+              <a:rPr lang="en-US"/>
+              <a:t>Click icon to add picture</a:t>
+            </a:r>
+            <a:endParaRPr lang="en-US" dirty="0"/>
           </a:p>
         </p:txBody>
       </p:sp>
@@ -2469,16 +2928,28 @@
         </p:nvSpPr>
         <p:spPr>
           <a:xfrm>
-            <a:off x="1792288" y="5367338"/>
-            <a:ext cx="5486400" cy="804862"/>
+            <a:off x="822960" y="5907024"/>
+            <a:ext cx="7589520" cy="594360"/>
           </a:xfrm>
         </p:spPr>
         <p:txBody>
-          <a:bodyPr/>
+          <a:bodyPr lIns="91440" tIns="0" rIns="91440" bIns="0">
+            <a:normAutofit/>
+          </a:bodyPr>
           <a:lstStyle>
             <a:lvl1pPr marL="0" indent="0">
+              <a:spcBef>
+                <a:spcPts val="0"/>
+              </a:spcBef>
+              <a:spcAft>
+                <a:spcPts val="600"/>
+              </a:spcAft>
               <a:buNone/>
-              <a:defRPr sz="1400"/>
+              <a:defRPr sz="1500">
+                <a:solidFill>
+                  <a:srgbClr val="FFFFFF"/>
+                </a:solidFill>
+              </a:defRPr>
             </a:lvl1pPr>
             <a:lvl2pPr marL="457200" indent="0">
               <a:buNone/>
@@ -2516,7 +2987,7 @@
           <a:p>
             <a:pPr lvl="0"/>
             <a:r>
-              <a:rPr lang="en-US" smtClean="0"/>
+              <a:rPr lang="en-US"/>
               <a:t>Click to edit Master text styles</a:t>
             </a:r>
           </a:p>
@@ -2539,7 +3010,7 @@
           <a:p>
             <a:fld id="{5BCAD085-E8A6-8845-BD4E-CB4CCA059FC4}" type="datetimeFigureOut">
               <a:rPr lang="en-US" smtClean="0"/>
-              <a:t>1/27/13</a:t>
+              <a:t>9/8/2025</a:t>
             </a:fld>
             <a:endParaRPr lang="en-US"/>
           </a:p>
@@ -2590,7 +3061,7 @@
     </p:spTree>
     <p:extLst>
       <p:ext uri="{BB962C8B-B14F-4D97-AF65-F5344CB8AC3E}">
-        <p14:creationId xmlns:p14="http://schemas.microsoft.com/office/powerpoint/2010/main" val="3889236939"/>
+        <p14:creationId xmlns:p14="http://schemas.microsoft.com/office/powerpoint/2010/main" val="2217222444"/>
       </p:ext>
     </p:extLst>
   </p:cSld>
@@ -2624,34 +3095,110 @@
       </p:grpSpPr>
       <p:sp>
         <p:nvSpPr>
-          <p:cNvPr id="2" name="Title Placeholder 1"/>
-          <p:cNvSpPr>
-            <a:spLocks noGrp="1"/>
-          </p:cNvSpPr>
-          <p:nvPr>
-            <p:ph type="title"/>
-          </p:nvPr>
+          <p:cNvPr id="7" name="Rectangle 6"/>
+          <p:cNvSpPr/>
+          <p:nvPr/>
         </p:nvSpPr>
         <p:spPr>
           <a:xfrm>
-            <a:off x="457200" y="274638"/>
-            <a:ext cx="8229600" cy="1143000"/>
+            <a:off x="0" y="6400800"/>
+            <a:ext cx="9144001" cy="457200"/>
+          </a:xfrm>
+          <a:prstGeom prst="rect">
+            <a:avLst/>
+          </a:prstGeom>
+          <a:solidFill>
+            <a:schemeClr val="accent2"/>
+          </a:solidFill>
+          <a:ln>
+            <a:noFill/>
+          </a:ln>
+        </p:spPr>
+        <p:style>
+          <a:lnRef idx="2">
+            <a:schemeClr val="accent1">
+              <a:shade val="50000"/>
+            </a:schemeClr>
+          </a:lnRef>
+          <a:fillRef idx="1">
+            <a:schemeClr val="accent1"/>
+          </a:fillRef>
+          <a:effectRef idx="0">
+            <a:schemeClr val="accent1"/>
+          </a:effectRef>
+          <a:fontRef idx="minor">
+            <a:schemeClr val="lt1"/>
+          </a:fontRef>
+        </p:style>
+      </p:sp>
+      <p:sp>
+        <p:nvSpPr>
+          <p:cNvPr id="9" name="Rectangle 8"/>
+          <p:cNvSpPr/>
+          <p:nvPr/>
+        </p:nvSpPr>
+        <p:spPr>
+          <a:xfrm>
+            <a:off x="0" y="6334315"/>
+            <a:ext cx="9144001" cy="65999"/>
+          </a:xfrm>
+          <a:prstGeom prst="rect">
+            <a:avLst/>
+          </a:prstGeom>
+          <a:solidFill>
+            <a:schemeClr val="accent1"/>
+          </a:solidFill>
+          <a:ln>
+            <a:noFill/>
+          </a:ln>
+        </p:spPr>
+        <p:style>
+          <a:lnRef idx="2">
+            <a:schemeClr val="accent1">
+              <a:shade val="50000"/>
+            </a:schemeClr>
+          </a:lnRef>
+          <a:fillRef idx="1">
+            <a:schemeClr val="accent1"/>
+          </a:fillRef>
+          <a:effectRef idx="0">
+            <a:schemeClr val="accent1"/>
+          </a:effectRef>
+          <a:fontRef idx="minor">
+            <a:schemeClr val="lt1"/>
+          </a:fontRef>
+        </p:style>
+      </p:sp>
+      <p:sp>
+        <p:nvSpPr>
+          <p:cNvPr id="2" name="Title Placeholder 1"/>
+          <p:cNvSpPr>
+            <a:spLocks noGrp="1"/>
+          </p:cNvSpPr>
+          <p:nvPr>
+            <p:ph type="title"/>
+          </p:nvPr>
+        </p:nvSpPr>
+        <p:spPr>
+          <a:xfrm>
+            <a:off x="822960" y="286604"/>
+            <a:ext cx="7543800" cy="1450757"/>
           </a:xfrm>
           <a:prstGeom prst="rect">
             <a:avLst/>
           </a:prstGeom>
         </p:spPr>
         <p:txBody>
-          <a:bodyPr vert="horz" lIns="91440" tIns="45720" rIns="91440" bIns="45720" rtlCol="0" anchor="ctr">
+          <a:bodyPr vert="horz" lIns="91440" tIns="45720" rIns="91440" bIns="45720" rtlCol="0" anchor="b">
             <a:normAutofit/>
           </a:bodyPr>
           <a:lstStyle/>
           <a:p>
             <a:r>
-              <a:rPr lang="en-US" smtClean="0"/>
+              <a:rPr lang="en-US"/>
               <a:t>Click to edit Master title style</a:t>
             </a:r>
-            <a:endParaRPr lang="en-US"/>
+            <a:endParaRPr lang="en-US" dirty="0"/>
           </a:p>
         </p:txBody>
       </p:sp>
@@ -2667,53 +3214,53 @@
         </p:nvSpPr>
         <p:spPr>
           <a:xfrm>
-            <a:off x="457200" y="1600200"/>
-            <a:ext cx="8229600" cy="4525963"/>
+            <a:off x="822959" y="1845734"/>
+            <a:ext cx="7543801" cy="4023360"/>
           </a:xfrm>
           <a:prstGeom prst="rect">
             <a:avLst/>
           </a:prstGeom>
         </p:spPr>
         <p:txBody>
-          <a:bodyPr vert="horz" lIns="91440" tIns="45720" rIns="91440" bIns="45720" rtlCol="0">
+          <a:bodyPr vert="horz" lIns="0" tIns="45720" rIns="0" bIns="45720" rtlCol="0">
             <a:normAutofit/>
           </a:bodyPr>
           <a:lstStyle/>
           <a:p>
             <a:pPr lvl="0"/>
             <a:r>
-              <a:rPr lang="en-US" smtClean="0"/>
+              <a:rPr lang="en-US"/>
               <a:t>Click to edit Master text styles</a:t>
             </a:r>
           </a:p>
           <a:p>
             <a:pPr lvl="1"/>
             <a:r>
-              <a:rPr lang="en-US" smtClean="0"/>
+              <a:rPr lang="en-US"/>
               <a:t>Second level</a:t>
             </a:r>
           </a:p>
           <a:p>
             <a:pPr lvl="2"/>
             <a:r>
-              <a:rPr lang="en-US" smtClean="0"/>
+              <a:rPr lang="en-US"/>
               <a:t>Third level</a:t>
             </a:r>
           </a:p>
           <a:p>
             <a:pPr lvl="3"/>
             <a:r>
-              <a:rPr lang="en-US" smtClean="0"/>
+              <a:rPr lang="en-US"/>
               <a:t>Fourth level</a:t>
             </a:r>
           </a:p>
           <a:p>
             <a:pPr lvl="4"/>
             <a:r>
-              <a:rPr lang="en-US" smtClean="0"/>
+              <a:rPr lang="en-US"/>
               <a:t>Fifth level</a:t>
             </a:r>
-            <a:endParaRPr lang="en-US"/>
+            <a:endParaRPr lang="en-US" dirty="0"/>
           </a:p>
         </p:txBody>
       </p:sp>
@@ -2729,8 +3276,8 @@
         </p:nvSpPr>
         <p:spPr>
           <a:xfrm>
-            <a:off x="457200" y="6356350"/>
-            <a:ext cx="2133600" cy="365125"/>
+            <a:off x="822961" y="6459786"/>
+            <a:ext cx="1854203" cy="365125"/>
           </a:xfrm>
           <a:prstGeom prst="rect">
             <a:avLst/>
@@ -2740,11 +3287,9 @@
           <a:bodyPr vert="horz" lIns="91440" tIns="45720" rIns="91440" bIns="45720" rtlCol="0" anchor="ctr"/>
           <a:lstStyle>
             <a:lvl1pPr algn="l">
-              <a:defRPr sz="1200">
+              <a:defRPr sz="900">
                 <a:solidFill>
-                  <a:schemeClr val="tx1">
-                    <a:tint val="75000"/>
-                  </a:schemeClr>
+                  <a:srgbClr val="FFFFFF"/>
                 </a:solidFill>
               </a:defRPr>
             </a:lvl1pPr>
@@ -2752,7 +3297,7 @@
           <a:p>
             <a:fld id="{5BCAD085-E8A6-8845-BD4E-CB4CCA059FC4}" type="datetimeFigureOut">
               <a:rPr lang="en-US" smtClean="0"/>
-              <a:t>1/27/13</a:t>
+              <a:t>9/8/2025</a:t>
             </a:fld>
             <a:endParaRPr lang="en-US"/>
           </a:p>
@@ -2770,8 +3315,8 @@
         </p:nvSpPr>
         <p:spPr>
           <a:xfrm>
-            <a:off x="3124200" y="6356350"/>
-            <a:ext cx="2895600" cy="365125"/>
+            <a:off x="2764639" y="6459786"/>
+            <a:ext cx="3617103" cy="365125"/>
           </a:xfrm>
           <a:prstGeom prst="rect">
             <a:avLst/>
@@ -2781,11 +3326,9 @@
           <a:bodyPr vert="horz" lIns="91440" tIns="45720" rIns="91440" bIns="45720" rtlCol="0" anchor="ctr"/>
           <a:lstStyle>
             <a:lvl1pPr algn="ctr">
-              <a:defRPr sz="1200">
+              <a:defRPr sz="900" cap="all" baseline="0">
                 <a:solidFill>
-                  <a:schemeClr val="tx1">
-                    <a:tint val="75000"/>
-                  </a:schemeClr>
+                  <a:srgbClr val="FFFFFF"/>
                 </a:solidFill>
               </a:defRPr>
             </a:lvl1pPr>
@@ -2807,8 +3350,8 @@
         </p:nvSpPr>
         <p:spPr>
           <a:xfrm>
-            <a:off x="6553200" y="6356350"/>
-            <a:ext cx="2133600" cy="365125"/>
+            <a:off x="7425344" y="6459786"/>
+            <a:ext cx="984019" cy="365125"/>
           </a:xfrm>
           <a:prstGeom prst="rect">
             <a:avLst/>
@@ -2818,11 +3361,9 @@
           <a:bodyPr vert="horz" lIns="91440" tIns="45720" rIns="91440" bIns="45720" rtlCol="0" anchor="ctr"/>
           <a:lstStyle>
             <a:lvl1pPr algn="r">
-              <a:defRPr sz="1200">
+              <a:defRPr sz="1050">
                 <a:solidFill>
-                  <a:schemeClr val="tx1">
-                    <a:tint val="75000"/>
-                  </a:schemeClr>
+                  <a:srgbClr val="FFFFFF"/>
                 </a:solidFill>
               </a:defRPr>
             </a:lvl1pPr>
@@ -2836,37 +3377,81 @@
           </a:p>
         </p:txBody>
       </p:sp>
+      <p:cxnSp>
+        <p:nvCxnSpPr>
+          <p:cNvPr id="10" name="Straight Connector 9"/>
+          <p:cNvCxnSpPr/>
+          <p:nvPr/>
+        </p:nvCxnSpPr>
+        <p:spPr>
+          <a:xfrm>
+            <a:off x="895149" y="1737845"/>
+            <a:ext cx="7475220" cy="0"/>
+          </a:xfrm>
+          <a:prstGeom prst="line">
+            <a:avLst/>
+          </a:prstGeom>
+          <a:ln w="6350">
+            <a:solidFill>
+              <a:schemeClr val="tx1">
+                <a:lumMod val="50000"/>
+                <a:lumOff val="50000"/>
+              </a:schemeClr>
+            </a:solidFill>
+          </a:ln>
+        </p:spPr>
+        <p:style>
+          <a:lnRef idx="1">
+            <a:schemeClr val="accent1"/>
+          </a:lnRef>
+          <a:fillRef idx="0">
+            <a:schemeClr val="accent1"/>
+          </a:fillRef>
+          <a:effectRef idx="0">
+            <a:schemeClr val="accent1"/>
+          </a:effectRef>
+          <a:fontRef idx="minor">
+            <a:schemeClr val="tx1"/>
+          </a:fontRef>
+        </p:style>
+      </p:cxnSp>
     </p:spTree>
     <p:extLst>
       <p:ext uri="{BB962C8B-B14F-4D97-AF65-F5344CB8AC3E}">
-        <p14:creationId xmlns:p14="http://schemas.microsoft.com/office/powerpoint/2010/main" val="2209977519"/>
+        <p14:creationId xmlns:p14="http://schemas.microsoft.com/office/powerpoint/2010/main" val="2129385482"/>
       </p:ext>
     </p:extLst>
   </p:cSld>
   <p:clrMap bg1="lt1" tx1="dk1" bg2="lt2" tx2="dk2" accent1="accent1" accent2="accent2" accent3="accent3" accent4="accent4" accent5="accent5" accent6="accent6" hlink="hlink" folHlink="folHlink"/>
   <p:sldLayoutIdLst>
-    <p:sldLayoutId id="2147483649" r:id="rId1"/>
-    <p:sldLayoutId id="2147483650" r:id="rId2"/>
-    <p:sldLayoutId id="2147483651" r:id="rId3"/>
-    <p:sldLayoutId id="2147483652" r:id="rId4"/>
-    <p:sldLayoutId id="2147483653" r:id="rId5"/>
-    <p:sldLayoutId id="2147483654" r:id="rId6"/>
-    <p:sldLayoutId id="2147483655" r:id="rId7"/>
-    <p:sldLayoutId id="2147483656" r:id="rId8"/>
-    <p:sldLayoutId id="2147483657" r:id="rId9"/>
-    <p:sldLayoutId id="2147483658" r:id="rId10"/>
-    <p:sldLayoutId id="2147483659" r:id="rId11"/>
+    <p:sldLayoutId id="2147483673" r:id="rId1"/>
+    <p:sldLayoutId id="2147483674" r:id="rId2"/>
+    <p:sldLayoutId id="2147483675" r:id="rId3"/>
+    <p:sldLayoutId id="2147483676" r:id="rId4"/>
+    <p:sldLayoutId id="2147483677" r:id="rId5"/>
+    <p:sldLayoutId id="2147483678" r:id="rId6"/>
+    <p:sldLayoutId id="2147483679" r:id="rId7"/>
+    <p:sldLayoutId id="2147483680" r:id="rId8"/>
+    <p:sldLayoutId id="2147483681" r:id="rId9"/>
+    <p:sldLayoutId id="2147483682" r:id="rId10"/>
+    <p:sldLayoutId id="2147483683" r:id="rId11"/>
   </p:sldLayoutIdLst>
   <p:txStyles>
     <p:titleStyle>
-      <a:lvl1pPr algn="ctr" defTabSz="457200" rtl="0" eaLnBrk="1" latinLnBrk="0" hangingPunct="1">
+      <a:lvl1pPr algn="l" defTabSz="914400" rtl="0" eaLnBrk="1" latinLnBrk="0" hangingPunct="1">
+        <a:lnSpc>
+          <a:spcPct val="85000"/>
+        </a:lnSpc>
         <a:spcBef>
           <a:spcPct val="0"/>
         </a:spcBef>
         <a:buNone/>
-        <a:defRPr sz="4400" kern="1200">
+        <a:defRPr sz="4800" kern="1200" spc="-50" baseline="0">
           <a:solidFill>
-            <a:schemeClr val="tx1"/>
+            <a:schemeClr val="tx1">
+              <a:lumMod val="75000"/>
+              <a:lumOff val="25000"/>
+            </a:schemeClr>
           </a:solidFill>
           <a:latin typeface="+mj-lt"/>
           <a:ea typeface="+mj-ea"/>
@@ -2875,135 +3460,244 @@
       </a:lvl1pPr>
     </p:titleStyle>
     <p:bodyStyle>
-      <a:lvl1pPr marL="342900" indent="-342900" algn="l" defTabSz="457200" rtl="0" eaLnBrk="1" latinLnBrk="0" hangingPunct="1">
+      <a:lvl1pPr marL="91440" indent="-91440" algn="l" defTabSz="914400" rtl="0" eaLnBrk="1" latinLnBrk="0" hangingPunct="1">
+        <a:lnSpc>
+          <a:spcPct val="90000"/>
+        </a:lnSpc>
         <a:spcBef>
-          <a:spcPct val="20000"/>
+          <a:spcPts val="1200"/>
         </a:spcBef>
-        <a:buFont typeface="Arial"/>
-        <a:buChar char="•"/>
-        <a:defRPr sz="3200" kern="1200">
+        <a:spcAft>
+          <a:spcPts val="200"/>
+        </a:spcAft>
+        <a:buClr>
+          <a:schemeClr val="accent1"/>
+        </a:buClr>
+        <a:buSzPct val="100000"/>
+        <a:buFont typeface="Calibri" panose="020F0502020204030204" pitchFamily="34" charset="0"/>
+        <a:buChar char=" "/>
+        <a:defRPr sz="2000" kern="1200">
           <a:solidFill>
-            <a:schemeClr val="tx1"/>
+            <a:schemeClr val="tx1">
+              <a:lumMod val="75000"/>
+              <a:lumOff val="25000"/>
+            </a:schemeClr>
           </a:solidFill>
           <a:latin typeface="+mn-lt"/>
           <a:ea typeface="+mn-ea"/>
           <a:cs typeface="+mn-cs"/>
         </a:defRPr>
       </a:lvl1pPr>
-      <a:lvl2pPr marL="742950" indent="-285750" algn="l" defTabSz="457200" rtl="0" eaLnBrk="1" latinLnBrk="0" hangingPunct="1">
+      <a:lvl2pPr marL="384048" indent="-182880" algn="l" defTabSz="914400" rtl="0" eaLnBrk="1" latinLnBrk="0" hangingPunct="1">
+        <a:lnSpc>
+          <a:spcPct val="90000"/>
+        </a:lnSpc>
         <a:spcBef>
-          <a:spcPct val="20000"/>
+          <a:spcPts val="200"/>
         </a:spcBef>
-        <a:buFont typeface="Arial"/>
-        <a:buChar char="–"/>
-        <a:defRPr sz="2800" kern="1200">
+        <a:spcAft>
+          <a:spcPts val="400"/>
+        </a:spcAft>
+        <a:buClr>
+          <a:schemeClr val="accent1"/>
+        </a:buClr>
+        <a:buFont typeface="Calibri" pitchFamily="34" charset="0"/>
+        <a:buChar char="◦"/>
+        <a:defRPr sz="1800" kern="1200">
           <a:solidFill>
-            <a:schemeClr val="tx1"/>
+            <a:schemeClr val="tx1">
+              <a:lumMod val="75000"/>
+              <a:lumOff val="25000"/>
+            </a:schemeClr>
           </a:solidFill>
           <a:latin typeface="+mn-lt"/>
           <a:ea typeface="+mn-ea"/>
           <a:cs typeface="+mn-cs"/>
         </a:defRPr>
       </a:lvl2pPr>
-      <a:lvl3pPr marL="1143000" indent="-228600" algn="l" defTabSz="457200" rtl="0" eaLnBrk="1" latinLnBrk="0" hangingPunct="1">
+      <a:lvl3pPr marL="566928" indent="-182880" algn="l" defTabSz="914400" rtl="0" eaLnBrk="1" latinLnBrk="0" hangingPunct="1">
+        <a:lnSpc>
+          <a:spcPct val="90000"/>
+        </a:lnSpc>
         <a:spcBef>
-          <a:spcPct val="20000"/>
+          <a:spcPts val="200"/>
         </a:spcBef>
-        <a:buFont typeface="Arial"/>
-        <a:buChar char="•"/>
-        <a:defRPr sz="2400" kern="1200">
+        <a:spcAft>
+          <a:spcPts val="400"/>
+        </a:spcAft>
+        <a:buClr>
+          <a:schemeClr val="accent1"/>
+        </a:buClr>
+        <a:buFont typeface="Calibri" pitchFamily="34" charset="0"/>
+        <a:buChar char="◦"/>
+        <a:defRPr sz="1400" kern="1200">
           <a:solidFill>
-            <a:schemeClr val="tx1"/>
+            <a:schemeClr val="tx1">
+              <a:lumMod val="75000"/>
+              <a:lumOff val="25000"/>
+            </a:schemeClr>
           </a:solidFill>
           <a:latin typeface="+mn-lt"/>
           <a:ea typeface="+mn-ea"/>
           <a:cs typeface="+mn-cs"/>
         </a:defRPr>
       </a:lvl3pPr>
-      <a:lvl4pPr marL="1600200" indent="-228600" algn="l" defTabSz="457200" rtl="0" eaLnBrk="1" latinLnBrk="0" hangingPunct="1">
+      <a:lvl4pPr marL="749808" indent="-182880" algn="l" defTabSz="914400" rtl="0" eaLnBrk="1" latinLnBrk="0" hangingPunct="1">
+        <a:lnSpc>
+          <a:spcPct val="90000"/>
+        </a:lnSpc>
         <a:spcBef>
-          <a:spcPct val="20000"/>
+          <a:spcPts val="200"/>
         </a:spcBef>
-        <a:buFont typeface="Arial"/>
-        <a:buChar char="–"/>
-        <a:defRPr sz="2000" kern="1200">
+        <a:spcAft>
+          <a:spcPts val="400"/>
+        </a:spcAft>
+        <a:buClr>
+          <a:schemeClr val="accent1"/>
+        </a:buClr>
+        <a:buFont typeface="Calibri" pitchFamily="34" charset="0"/>
+        <a:buChar char="◦"/>
+        <a:defRPr sz="1400" kern="1200">
           <a:solidFill>
-            <a:schemeClr val="tx1"/>
+            <a:schemeClr val="tx1">
+              <a:lumMod val="75000"/>
+              <a:lumOff val="25000"/>
+            </a:schemeClr>
           </a:solidFill>
           <a:latin typeface="+mn-lt"/>
           <a:ea typeface="+mn-ea"/>
           <a:cs typeface="+mn-cs"/>
         </a:defRPr>
       </a:lvl4pPr>
-      <a:lvl5pPr marL="2057400" indent="-228600" algn="l" defTabSz="457200" rtl="0" eaLnBrk="1" latinLnBrk="0" hangingPunct="1">
+      <a:lvl5pPr marL="932688" indent="-182880" algn="l" defTabSz="914400" rtl="0" eaLnBrk="1" latinLnBrk="0" hangingPunct="1">
+        <a:lnSpc>
+          <a:spcPct val="90000"/>
+        </a:lnSpc>
         <a:spcBef>
-          <a:spcPct val="20000"/>
+          <a:spcPts val="200"/>
         </a:spcBef>
-        <a:buFont typeface="Arial"/>
-        <a:buChar char="»"/>
-        <a:defRPr sz="2000" kern="1200">
+        <a:spcAft>
+          <a:spcPts val="400"/>
+        </a:spcAft>
+        <a:buClr>
+          <a:schemeClr val="accent1"/>
+        </a:buClr>
+        <a:buFont typeface="Calibri" pitchFamily="34" charset="0"/>
+        <a:buChar char="◦"/>
+        <a:defRPr sz="1400" kern="1200">
           <a:solidFill>
-            <a:schemeClr val="tx1"/>
+            <a:schemeClr val="tx1">
+              <a:lumMod val="75000"/>
+              <a:lumOff val="25000"/>
+            </a:schemeClr>
           </a:solidFill>
           <a:latin typeface="+mn-lt"/>
           <a:ea typeface="+mn-ea"/>
           <a:cs typeface="+mn-cs"/>
         </a:defRPr>
       </a:lvl5pPr>
-      <a:lvl6pPr marL="2514600" indent="-228600" algn="l" defTabSz="457200" rtl="0" eaLnBrk="1" latinLnBrk="0" hangingPunct="1">
+      <a:lvl6pPr marL="1100000" indent="-228600" algn="l" defTabSz="914400" rtl="0" eaLnBrk="1" latinLnBrk="0" hangingPunct="1">
+        <a:lnSpc>
+          <a:spcPct val="90000"/>
+        </a:lnSpc>
         <a:spcBef>
-          <a:spcPct val="20000"/>
+          <a:spcPts val="200"/>
         </a:spcBef>
-        <a:buFont typeface="Arial"/>
-        <a:buChar char="•"/>
-        <a:defRPr sz="2000" kern="1200">
+        <a:spcAft>
+          <a:spcPts val="400"/>
+        </a:spcAft>
+        <a:buClr>
+          <a:schemeClr val="accent1"/>
+        </a:buClr>
+        <a:buFont typeface="Calibri" pitchFamily="34" charset="0"/>
+        <a:buChar char="◦"/>
+        <a:defRPr sz="1400" kern="1200">
           <a:solidFill>
-            <a:schemeClr val="tx1"/>
+            <a:schemeClr val="tx1">
+              <a:lumMod val="75000"/>
+              <a:lumOff val="25000"/>
+            </a:schemeClr>
           </a:solidFill>
           <a:latin typeface="+mn-lt"/>
           <a:ea typeface="+mn-ea"/>
           <a:cs typeface="+mn-cs"/>
         </a:defRPr>
       </a:lvl6pPr>
-      <a:lvl7pPr marL="2971800" indent="-228600" algn="l" defTabSz="457200" rtl="0" eaLnBrk="1" latinLnBrk="0" hangingPunct="1">
+      <a:lvl7pPr marL="1300000" indent="-228600" algn="l" defTabSz="914400" rtl="0" eaLnBrk="1" latinLnBrk="0" hangingPunct="1">
+        <a:lnSpc>
+          <a:spcPct val="90000"/>
+        </a:lnSpc>
         <a:spcBef>
-          <a:spcPct val="20000"/>
+          <a:spcPts val="200"/>
         </a:spcBef>
-        <a:buFont typeface="Arial"/>
-        <a:buChar char="•"/>
-        <a:defRPr sz="2000" kern="1200">
+        <a:spcAft>
+          <a:spcPts val="400"/>
+        </a:spcAft>
+        <a:buClr>
+          <a:schemeClr val="accent1"/>
+        </a:buClr>
+        <a:buFont typeface="Calibri" pitchFamily="34" charset="0"/>
+        <a:buChar char="◦"/>
+        <a:defRPr sz="1400" kern="1200">
           <a:solidFill>
-            <a:schemeClr val="tx1"/>
+            <a:schemeClr val="tx1">
+              <a:lumMod val="75000"/>
+              <a:lumOff val="25000"/>
+            </a:schemeClr>
           </a:solidFill>
           <a:latin typeface="+mn-lt"/>
           <a:ea typeface="+mn-ea"/>
           <a:cs typeface="+mn-cs"/>
         </a:defRPr>
       </a:lvl7pPr>
-      <a:lvl8pPr marL="3429000" indent="-228600" algn="l" defTabSz="457200" rtl="0" eaLnBrk="1" latinLnBrk="0" hangingPunct="1">
+      <a:lvl8pPr marL="1500000" indent="-228600" algn="l" defTabSz="914400" rtl="0" eaLnBrk="1" latinLnBrk="0" hangingPunct="1">
+        <a:lnSpc>
+          <a:spcPct val="90000"/>
+        </a:lnSpc>
         <a:spcBef>
-          <a:spcPct val="20000"/>
+          <a:spcPts val="200"/>
         </a:spcBef>
-        <a:buFont typeface="Arial"/>
-        <a:buChar char="•"/>
-        <a:defRPr sz="2000" kern="1200">
+        <a:spcAft>
+          <a:spcPts val="400"/>
+        </a:spcAft>
+        <a:buClr>
+          <a:schemeClr val="accent1"/>
+        </a:buClr>
+        <a:buFont typeface="Calibri" pitchFamily="34" charset="0"/>
+        <a:buChar char="◦"/>
+        <a:defRPr sz="1400" kern="1200">
           <a:solidFill>
-            <a:schemeClr val="tx1"/>
+            <a:schemeClr val="tx1">
+              <a:lumMod val="75000"/>
+              <a:lumOff val="25000"/>
+            </a:schemeClr>
           </a:solidFill>
           <a:latin typeface="+mn-lt"/>
           <a:ea typeface="+mn-ea"/>
           <a:cs typeface="+mn-cs"/>
         </a:defRPr>
       </a:lvl8pPr>
-      <a:lvl9pPr marL="3886200" indent="-228600" algn="l" defTabSz="457200" rtl="0" eaLnBrk="1" latinLnBrk="0" hangingPunct="1">
+      <a:lvl9pPr marL="1700000" indent="-228600" algn="l" defTabSz="914400" rtl="0" eaLnBrk="1" latinLnBrk="0" hangingPunct="1">
+        <a:lnSpc>
+          <a:spcPct val="90000"/>
+        </a:lnSpc>
         <a:spcBef>
-          <a:spcPct val="20000"/>
+          <a:spcPts val="200"/>
         </a:spcBef>
-        <a:buFont typeface="Arial"/>
-        <a:buChar char="•"/>
-        <a:defRPr sz="2000" kern="1200">
+        <a:spcAft>
+          <a:spcPts val="400"/>
+        </a:spcAft>
+        <a:buClr>
+          <a:schemeClr val="accent1"/>
+        </a:buClr>
+        <a:buFont typeface="Calibri" pitchFamily="34" charset="0"/>
+        <a:buChar char="◦"/>
+        <a:defRPr sz="1400" kern="1200">
           <a:solidFill>
-            <a:schemeClr val="tx1"/>
+            <a:schemeClr val="tx1">
+              <a:lumMod val="75000"/>
+              <a:lumOff val="25000"/>
+            </a:schemeClr>
           </a:solidFill>
           <a:latin typeface="+mn-lt"/>
           <a:ea typeface="+mn-ea"/>
@@ -3015,7 +3709,7 @@
       <a:defPPr>
         <a:defRPr lang="en-US"/>
       </a:defPPr>
-      <a:lvl1pPr marL="0" algn="l" defTabSz="457200" rtl="0" eaLnBrk="1" latinLnBrk="0" hangingPunct="1">
+      <a:lvl1pPr marL="0" algn="l" defTabSz="914400" rtl="0" eaLnBrk="1" latinLnBrk="0" hangingPunct="1">
         <a:defRPr sz="1800" kern="1200">
           <a:solidFill>
             <a:schemeClr val="tx1"/>
@@ -3025,7 +3719,7 @@
           <a:cs typeface="+mn-cs"/>
         </a:defRPr>
       </a:lvl1pPr>
-      <a:lvl2pPr marL="457200" algn="l" defTabSz="457200" rtl="0" eaLnBrk="1" latinLnBrk="0" hangingPunct="1">
+      <a:lvl2pPr marL="457200" algn="l" defTabSz="914400" rtl="0" eaLnBrk="1" latinLnBrk="0" hangingPunct="1">
         <a:defRPr sz="1800" kern="1200">
           <a:solidFill>
             <a:schemeClr val="tx1"/>
@@ -3035,7 +3729,7 @@
           <a:cs typeface="+mn-cs"/>
         </a:defRPr>
       </a:lvl2pPr>
-      <a:lvl3pPr marL="914400" algn="l" defTabSz="457200" rtl="0" eaLnBrk="1" latinLnBrk="0" hangingPunct="1">
+      <a:lvl3pPr marL="914400" algn="l" defTabSz="914400" rtl="0" eaLnBrk="1" latinLnBrk="0" hangingPunct="1">
         <a:defRPr sz="1800" kern="1200">
           <a:solidFill>
             <a:schemeClr val="tx1"/>
@@ -3045,7 +3739,7 @@
           <a:cs typeface="+mn-cs"/>
         </a:defRPr>
       </a:lvl3pPr>
-      <a:lvl4pPr marL="1371600" algn="l" defTabSz="457200" rtl="0" eaLnBrk="1" latinLnBrk="0" hangingPunct="1">
+      <a:lvl4pPr marL="1371600" algn="l" defTabSz="914400" rtl="0" eaLnBrk="1" latinLnBrk="0" hangingPunct="1">
         <a:defRPr sz="1800" kern="1200">
           <a:solidFill>
             <a:schemeClr val="tx1"/>
@@ -3055,7 +3749,7 @@
           <a:cs typeface="+mn-cs"/>
         </a:defRPr>
       </a:lvl4pPr>
-      <a:lvl5pPr marL="1828800" algn="l" defTabSz="457200" rtl="0" eaLnBrk="1" latinLnBrk="0" hangingPunct="1">
+      <a:lvl5pPr marL="1828800" algn="l" defTabSz="914400" rtl="0" eaLnBrk="1" latinLnBrk="0" hangingPunct="1">
         <a:defRPr sz="1800" kern="1200">
           <a:solidFill>
             <a:schemeClr val="tx1"/>
@@ -3065,7 +3759,7 @@
           <a:cs typeface="+mn-cs"/>
         </a:defRPr>
       </a:lvl5pPr>
-      <a:lvl6pPr marL="2286000" algn="l" defTabSz="457200" rtl="0" eaLnBrk="1" latinLnBrk="0" hangingPunct="1">
+      <a:lvl6pPr marL="2286000" algn="l" defTabSz="914400" rtl="0" eaLnBrk="1" latinLnBrk="0" hangingPunct="1">
         <a:defRPr sz="1800" kern="1200">
           <a:solidFill>
             <a:schemeClr val="tx1"/>
@@ -3075,7 +3769,7 @@
           <a:cs typeface="+mn-cs"/>
         </a:defRPr>
       </a:lvl6pPr>
-      <a:lvl7pPr marL="2743200" algn="l" defTabSz="457200" rtl="0" eaLnBrk="1" latinLnBrk="0" hangingPunct="1">
+      <a:lvl7pPr marL="2743200" algn="l" defTabSz="914400" rtl="0" eaLnBrk="1" latinLnBrk="0" hangingPunct="1">
         <a:defRPr sz="1800" kern="1200">
           <a:solidFill>
             <a:schemeClr val="tx1"/>
@@ -3085,7 +3779,7 @@
           <a:cs typeface="+mn-cs"/>
         </a:defRPr>
       </a:lvl7pPr>
-      <a:lvl8pPr marL="3200400" algn="l" defTabSz="457200" rtl="0" eaLnBrk="1" latinLnBrk="0" hangingPunct="1">
+      <a:lvl8pPr marL="3200400" algn="l" defTabSz="914400" rtl="0" eaLnBrk="1" latinLnBrk="0" hangingPunct="1">
         <a:defRPr sz="1800" kern="1200">
           <a:solidFill>
             <a:schemeClr val="tx1"/>
@@ -3095,7 +3789,7 @@
           <a:cs typeface="+mn-cs"/>
         </a:defRPr>
       </a:lvl8pPr>
-      <a:lvl9pPr marL="3657600" algn="l" defTabSz="457200" rtl="0" eaLnBrk="1" latinLnBrk="0" hangingPunct="1">
+      <a:lvl9pPr marL="3657600" algn="l" defTabSz="914400" rtl="0" eaLnBrk="1" latinLnBrk="0" hangingPunct="1">
         <a:defRPr sz="1800" kern="1200">
           <a:solidFill>
             <a:schemeClr val="tx1"/>
@@ -3111,7 +3805,7 @@
 </file>
 
 <file path=ppt/slides/slide1.xml><?xml version="1.0" encoding="utf-8"?>
-<p:sld xmlns:a="http://schemas.openxmlformats.org/drawingml/2006/main" xmlns:p="http://schemas.openxmlformats.org/presentationml/2006/main" xmlns:r="http://schemas.openxmlformats.org/officeDocument/2006/relationships">
+<p:sld xmlns:a="http://schemas.openxmlformats.org/drawingml/2006/main" xmlns:r="http://schemas.openxmlformats.org/officeDocument/2006/relationships" xmlns:p="http://schemas.openxmlformats.org/presentationml/2006/main">
   <p:cSld>
     <p:spTree>
       <p:nvGrpSpPr>
@@ -3119,7 +3813,14 @@
         <p:cNvGrpSpPr/>
         <p:nvPr/>
       </p:nvGrpSpPr>
-      <p:grpSpPr/>
+      <p:grpSpPr>
+        <a:xfrm>
+          <a:off x="0" y="0"/>
+          <a:ext cx="0" cy="0"/>
+          <a:chOff x="0" y="0"/>
+          <a:chExt cx="0" cy="0"/>
+        </a:xfrm>
+      </p:grpSpPr>
       <p:sp>
         <p:nvSpPr>
           <p:cNvPr id="2" name="Title 1"/>
@@ -3155,7 +3856,9 @@
         <p:txBody>
           <a:bodyPr/>
           <a:lstStyle/>
-          <a:p/>
+          <a:p>
+            <a:endParaRPr/>
+          </a:p>
         </p:txBody>
       </p:sp>
     </p:spTree>
@@ -3167,18 +3870,37 @@
 </file>
 
 <file path=ppt/slides/slide10.xml><?xml version="1.0" encoding="utf-8"?>
-<p:sld xmlns:a="http://schemas.openxmlformats.org/drawingml/2006/main" xmlns:p="http://schemas.openxmlformats.org/presentationml/2006/main" xmlns:r="http://schemas.openxmlformats.org/officeDocument/2006/relationships">
+<p:sld xmlns:a="http://schemas.openxmlformats.org/drawingml/2006/main" xmlns:r="http://schemas.openxmlformats.org/officeDocument/2006/relationships" xmlns:p="http://schemas.openxmlformats.org/presentationml/2006/main">
   <p:cSld>
     <p:spTree>
       <p:nvGrpSpPr>
-        <p:cNvPr id="1" name=""/>
+        <p:cNvPr id="1" name="">
+          <a:extLst>
+            <a:ext uri="{FF2B5EF4-FFF2-40B4-BE49-F238E27FC236}">
+              <a16:creationId xmlns:a16="http://schemas.microsoft.com/office/drawing/2014/main" id="{C2D45507-9D21-4135-8C99-D17640B2A737}"/>
+            </a:ext>
+          </a:extLst>
+        </p:cNvPr>
         <p:cNvGrpSpPr/>
         <p:nvPr/>
       </p:nvGrpSpPr>
-      <p:grpSpPr/>
-      <p:sp>
-        <p:nvSpPr>
-          <p:cNvPr id="2" name="Title 1"/>
+      <p:grpSpPr>
+        <a:xfrm>
+          <a:off x="0" y="0"/>
+          <a:ext cx="0" cy="0"/>
+          <a:chOff x="0" y="0"/>
+          <a:chExt cx="0" cy="0"/>
+        </a:xfrm>
+      </p:grpSpPr>
+      <p:sp>
+        <p:nvSpPr>
+          <p:cNvPr id="2" name="Title 1">
+            <a:extLst>
+              <a:ext uri="{FF2B5EF4-FFF2-40B4-BE49-F238E27FC236}">
+                <a16:creationId xmlns:a16="http://schemas.microsoft.com/office/drawing/2014/main" id="{E079036D-21EA-202C-047A-E65D27F9CB4A}"/>
+              </a:ext>
+            </a:extLst>
+          </p:cNvPr>
           <p:cNvSpPr>
             <a:spLocks noGrp="1"/>
           </p:cNvSpPr>
@@ -3192,14 +3914,29 @@
           <a:lstStyle/>
           <a:p>
             <a:r>
-              <a:t>6.4. Diagrama de Casos de Uso (UML)</a:t>
-            </a:r>
-          </a:p>
-        </p:txBody>
-      </p:sp>
-      <p:sp>
-        <p:nvSpPr>
-          <p:cNvPr id="3" name="Content Placeholder 2"/>
+              <a:rPr dirty="0"/>
+              <a:t>6. </a:t>
+            </a:r>
+            <a:r>
+              <a:rPr dirty="0" err="1"/>
+              <a:t>Conexão</a:t>
+            </a:r>
+            <a:r>
+              <a:rPr dirty="0"/>
+              <a:t> com User Story no SCRUM</a:t>
+            </a:r>
+          </a:p>
+        </p:txBody>
+      </p:sp>
+      <p:sp>
+        <p:nvSpPr>
+          <p:cNvPr id="5" name="Content Placeholder 4">
+            <a:extLst>
+              <a:ext uri="{FF2B5EF4-FFF2-40B4-BE49-F238E27FC236}">
+                <a16:creationId xmlns:a16="http://schemas.microsoft.com/office/drawing/2014/main" id="{D4FC926C-C03C-0F78-E7A9-AA565B32CC91}"/>
+              </a:ext>
+            </a:extLst>
+          </p:cNvPr>
           <p:cNvSpPr>
             <a:spLocks noGrp="1"/>
           </p:cNvSpPr>
@@ -3209,16 +3946,69 @@
         </p:nvSpPr>
         <p:spPr/>
         <p:txBody>
-          <a:bodyPr/>
+          <a:bodyPr>
+            <a:normAutofit/>
+          </a:bodyPr>
           <a:lstStyle/>
           <a:p>
             <a:r>
-              <a:t>&lt;img src="06 Diagrama Caso de Uso.png" alt="Diagrama de Caso de Uso" /&gt;</a:t>
+              <a:rPr lang="pt-BR" b="1" dirty="0"/>
+              <a:t>Relação entre Caso de Uso e User Story</a:t>
+            </a:r>
+          </a:p>
+          <a:p>
+            <a:pPr lvl="1"/>
+            <a:r>
+              <a:rPr lang="pt-BR" b="1" dirty="0"/>
+              <a:t>Um Caso de Uso pode originar várias User Stories</a:t>
+            </a:r>
+            <a:r>
+              <a:rPr lang="pt-BR" dirty="0"/>
+              <a:t>.</a:t>
+            </a:r>
+          </a:p>
+          <a:p>
+            <a:pPr lvl="1"/>
+            <a:r>
+              <a:rPr lang="pt-BR" b="1" dirty="0"/>
+              <a:t>Cada User Story representa uma fatia de valor</a:t>
+            </a:r>
+            <a:r>
+              <a:rPr lang="pt-BR" dirty="0"/>
+              <a:t> (um cenário ou variação), em vez de descrever todo o caso de uso completo.</a:t>
+            </a:r>
+          </a:p>
+          <a:p>
+            <a:pPr lvl="1"/>
+            <a:r>
+              <a:rPr lang="pt-BR" dirty="0"/>
+              <a:t>Assim, o Caso de Uso funciona como um </a:t>
+            </a:r>
+            <a:r>
+              <a:rPr lang="pt-BR" b="1" dirty="0"/>
+              <a:t>guarda-chuva de entendimento</a:t>
+            </a:r>
+            <a:r>
+              <a:rPr lang="pt-BR" dirty="0"/>
+              <a:t>, enquanto as User Stories são as </a:t>
+            </a:r>
+            <a:r>
+              <a:rPr lang="pt-BR" b="1" dirty="0"/>
+              <a:t>unidades de trabalho ágil</a:t>
+            </a:r>
+            <a:r>
+              <a:rPr lang="pt-BR" dirty="0"/>
+              <a:t> que entram no backlog.</a:t>
             </a:r>
           </a:p>
         </p:txBody>
       </p:sp>
     </p:spTree>
+    <p:extLst>
+      <p:ext uri="{BB962C8B-B14F-4D97-AF65-F5344CB8AC3E}">
+        <p14:creationId xmlns:p14="http://schemas.microsoft.com/office/powerpoint/2010/main" val="2033544315"/>
+      </p:ext>
+    </p:extLst>
   </p:cSld>
   <p:clrMapOvr>
     <a:masterClrMapping/>
@@ -3227,18 +4017,37 @@
 </file>
 
 <file path=ppt/slides/slide11.xml><?xml version="1.0" encoding="utf-8"?>
-<p:sld xmlns:a="http://schemas.openxmlformats.org/drawingml/2006/main" xmlns:p="http://schemas.openxmlformats.org/presentationml/2006/main" xmlns:r="http://schemas.openxmlformats.org/officeDocument/2006/relationships">
+<p:sld xmlns:a="http://schemas.openxmlformats.org/drawingml/2006/main" xmlns:r="http://schemas.openxmlformats.org/officeDocument/2006/relationships" xmlns:p="http://schemas.openxmlformats.org/presentationml/2006/main">
   <p:cSld>
     <p:spTree>
       <p:nvGrpSpPr>
-        <p:cNvPr id="1" name=""/>
+        <p:cNvPr id="1" name="">
+          <a:extLst>
+            <a:ext uri="{FF2B5EF4-FFF2-40B4-BE49-F238E27FC236}">
+              <a16:creationId xmlns:a16="http://schemas.microsoft.com/office/drawing/2014/main" id="{1231F0E6-9FED-AB20-2C79-FED430B061F6}"/>
+            </a:ext>
+          </a:extLst>
+        </p:cNvPr>
         <p:cNvGrpSpPr/>
         <p:nvPr/>
       </p:nvGrpSpPr>
-      <p:grpSpPr/>
-      <p:sp>
-        <p:nvSpPr>
-          <p:cNvPr id="2" name="Title 1"/>
+      <p:grpSpPr>
+        <a:xfrm>
+          <a:off x="0" y="0"/>
+          <a:ext cx="0" cy="0"/>
+          <a:chOff x="0" y="0"/>
+          <a:chExt cx="0" cy="0"/>
+        </a:xfrm>
+      </p:grpSpPr>
+      <p:sp>
+        <p:nvSpPr>
+          <p:cNvPr id="2" name="Title 1">
+            <a:extLst>
+              <a:ext uri="{FF2B5EF4-FFF2-40B4-BE49-F238E27FC236}">
+                <a16:creationId xmlns:a16="http://schemas.microsoft.com/office/drawing/2014/main" id="{C1AB42E4-FDDF-6FE2-A95C-DC9DCA8791EC}"/>
+              </a:ext>
+            </a:extLst>
+          </p:cNvPr>
           <p:cNvSpPr>
             <a:spLocks noGrp="1"/>
           </p:cNvSpPr>
@@ -3252,14 +4061,29 @@
           <a:lstStyle/>
           <a:p>
             <a:r>
-              <a:t>6.5. Tabela Descritiva do Caso de Uso – Realizar Pedido (parte 1)</a:t>
-            </a:r>
-          </a:p>
-        </p:txBody>
-      </p:sp>
-      <p:sp>
-        <p:nvSpPr>
-          <p:cNvPr id="3" name="Content Placeholder 2"/>
+              <a:rPr dirty="0"/>
+              <a:t>6. </a:t>
+            </a:r>
+            <a:r>
+              <a:rPr dirty="0" err="1"/>
+              <a:t>Conexão</a:t>
+            </a:r>
+            <a:r>
+              <a:rPr dirty="0"/>
+              <a:t> com User Story no SCRUM</a:t>
+            </a:r>
+          </a:p>
+        </p:txBody>
+      </p:sp>
+      <p:sp>
+        <p:nvSpPr>
+          <p:cNvPr id="5" name="Content Placeholder 4">
+            <a:extLst>
+              <a:ext uri="{FF2B5EF4-FFF2-40B4-BE49-F238E27FC236}">
+                <a16:creationId xmlns:a16="http://schemas.microsoft.com/office/drawing/2014/main" id="{EAC3496B-C2DB-1512-2887-C29336502DBA}"/>
+              </a:ext>
+            </a:extLst>
+          </p:cNvPr>
           <p:cNvSpPr>
             <a:spLocks noGrp="1"/>
           </p:cNvSpPr>
@@ -3269,541 +4093,126 @@
         </p:nvSpPr>
         <p:spPr/>
         <p:txBody>
-          <a:bodyPr/>
+          <a:bodyPr>
+            <a:normAutofit fontScale="77500" lnSpcReduction="20000"/>
+          </a:bodyPr>
           <a:lstStyle/>
           <a:p>
             <a:r>
-              <a:t>| Campo               | Descrição                                                                                                                                                                                                                                                                      |</a:t>
-            </a:r>
-          </a:p>
-          <a:p>
-            <a:r>
-              <a:t>| -</a:t>
+              <a:rPr lang="pt-BR" b="1" dirty="0"/>
+              <a:t>Exemplo prático</a:t>
+            </a:r>
+          </a:p>
+          <a:p>
+            <a:pPr lvl="1"/>
+            <a:r>
+              <a:rPr lang="pt-BR" b="1" dirty="0"/>
+              <a:t>Épico:</a:t>
+            </a:r>
+            <a:r>
+              <a:rPr lang="pt-BR" dirty="0"/>
+              <a:t> Gestão de Pedidos Digitais</a:t>
+            </a:r>
+          </a:p>
+          <a:p>
+            <a:pPr lvl="1"/>
+            <a:r>
+              <a:rPr lang="pt-BR" b="1" dirty="0"/>
+              <a:t>Feature (Caso de Uso):</a:t>
+            </a:r>
+            <a:r>
+              <a:rPr lang="pt-BR" dirty="0"/>
+              <a:t> Realizar Pedido no Totem</a:t>
+            </a:r>
+          </a:p>
+          <a:p>
+            <a:r>
+              <a:rPr lang="pt-BR" b="1" dirty="0"/>
+              <a:t>User Stories derivadas do Caso de Uso “Realizar Pedido”:</a:t>
+            </a:r>
+          </a:p>
+          <a:p>
+            <a:pPr lvl="1"/>
+            <a:r>
+              <a:rPr lang="pt-BR" i="1" dirty="0"/>
+              <a:t>Como cliente, quero visualizar o cardápio digital, para escolher meus itens sem ajuda do garçom.</a:t>
+            </a:r>
+            <a:endParaRPr lang="pt-BR" dirty="0"/>
+          </a:p>
+          <a:p>
+            <a:pPr lvl="1"/>
+            <a:r>
+              <a:rPr lang="pt-BR" i="1" dirty="0"/>
+              <a:t>Como cliente, quero personalizar meu pedido, para adaptá-lo às minhas preferências.</a:t>
+            </a:r>
+            <a:endParaRPr lang="pt-BR" dirty="0"/>
+          </a:p>
+          <a:p>
+            <a:pPr lvl="1"/>
+            <a:r>
+              <a:rPr lang="pt-BR" i="1" dirty="0"/>
+              <a:t>Como cliente, quero pagar com Pix, para concluir rapidamente minha compra.</a:t>
+            </a:r>
+            <a:endParaRPr lang="pt-BR" dirty="0"/>
+          </a:p>
+          <a:p>
+            <a:pPr lvl="1"/>
+            <a:r>
+              <a:rPr lang="pt-BR" i="1" dirty="0"/>
+              <a:t>Como cliente, quero ser notificado quando um item estiver indisponível, para substituí-lo antes do pagamento.</a:t>
+            </a:r>
+            <a:endParaRPr lang="pt-BR" dirty="0"/>
+          </a:p>
+          <a:p>
+            <a:pPr lvl="1"/>
+            <a:r>
+              <a:rPr lang="pt-BR" i="1" dirty="0"/>
+              <a:t>Como cliente, quero acompanhar o status do meu pedido, para saber quando ele estará pronto.</a:t>
+            </a:r>
+            <a:endParaRPr lang="pt-BR" dirty="0"/>
+          </a:p>
+          <a:p>
+            <a:r>
+              <a:rPr lang="pt-BR" b="1" dirty="0"/>
+              <a:t>Exemplo de Tasks da User Story “Pagar com Pix”:</a:t>
+            </a:r>
+          </a:p>
+          <a:p>
+            <a:pPr lvl="1"/>
+            <a:r>
+              <a:rPr lang="pt-BR" dirty="0"/>
+              <a:t>Criar integração com API de pagamentos via Pix.</a:t>
+            </a:r>
+          </a:p>
+          <a:p>
+            <a:pPr lvl="1"/>
+            <a:r>
+              <a:rPr lang="pt-BR" dirty="0"/>
+              <a:t>Desenvolver tela de confirmação do pagamento.</a:t>
+            </a:r>
+          </a:p>
+          <a:p>
+            <a:pPr lvl="1"/>
+            <a:r>
+              <a:rPr lang="pt-BR" dirty="0"/>
+              <a:t>Implementar fallback para outro meio de pagamento em caso de falha.</a:t>
+            </a:r>
+          </a:p>
+          <a:p>
+            <a:pPr lvl="1"/>
+            <a:r>
+              <a:rPr lang="pt-BR" dirty="0"/>
+              <a:t>Testar fluxo de pagamento bem-sucedido e com erro.</a:t>
             </a:r>
           </a:p>
         </p:txBody>
       </p:sp>
     </p:spTree>
-  </p:cSld>
-  <p:clrMapOvr>
-    <a:masterClrMapping/>
-  </p:clrMapOvr>
-</p:sld>
-</file>
-
-<file path=ppt/slides/slide12.xml><?xml version="1.0" encoding="utf-8"?>
-<p:sld xmlns:a="http://schemas.openxmlformats.org/drawingml/2006/main" xmlns:p="http://schemas.openxmlformats.org/presentationml/2006/main" xmlns:r="http://schemas.openxmlformats.org/officeDocument/2006/relationships">
-  <p:cSld>
-    <p:spTree>
-      <p:nvGrpSpPr>
-        <p:cNvPr id="1" name=""/>
-        <p:cNvGrpSpPr/>
-        <p:nvPr/>
-      </p:nvGrpSpPr>
-      <p:grpSpPr/>
-      <p:sp>
-        <p:nvSpPr>
-          <p:cNvPr id="2" name="Title 1"/>
-          <p:cNvSpPr>
-            <a:spLocks noGrp="1"/>
-          </p:cNvSpPr>
-          <p:nvPr>
-            <p:ph type="title"/>
-          </p:nvPr>
-        </p:nvSpPr>
-        <p:spPr/>
-        <p:txBody>
-          <a:bodyPr/>
-          <a:lstStyle/>
-          <a:p>
-            <a:r>
-              <a:t>6.5. Tabela Descritiva do Caso de Uso – Realizar Pedido (parte 2)</a:t>
-            </a:r>
-          </a:p>
-        </p:txBody>
-      </p:sp>
-      <p:sp>
-        <p:nvSpPr>
-          <p:cNvPr id="3" name="Content Placeholder 2"/>
-          <p:cNvSpPr>
-            <a:spLocks noGrp="1"/>
-          </p:cNvSpPr>
-          <p:nvPr>
-            <p:ph idx="1"/>
-          </p:nvPr>
-        </p:nvSpPr>
-        <p:spPr/>
-        <p:txBody>
-          <a:bodyPr/>
-          <a:lstStyle/>
-          <a:p>
-            <a:r>
-              <a:t>---------------------- | ---------------------------------------------------------------------------------------------------------------------------------------------------------------------------------------------------------------------------------------------------------------------------------- </a:t>
-            </a:r>
-          </a:p>
-        </p:txBody>
-      </p:sp>
-    </p:spTree>
-  </p:cSld>
-  <p:clrMapOvr>
-    <a:masterClrMapping/>
-  </p:clrMapOvr>
-</p:sld>
-</file>
-
-<file path=ppt/slides/slide13.xml><?xml version="1.0" encoding="utf-8"?>
-<p:sld xmlns:a="http://schemas.openxmlformats.org/drawingml/2006/main" xmlns:p="http://schemas.openxmlformats.org/presentationml/2006/main" xmlns:r="http://schemas.openxmlformats.org/officeDocument/2006/relationships">
-  <p:cSld>
-    <p:spTree>
-      <p:nvGrpSpPr>
-        <p:cNvPr id="1" name=""/>
-        <p:cNvGrpSpPr/>
-        <p:nvPr/>
-      </p:nvGrpSpPr>
-      <p:grpSpPr/>
-      <p:sp>
-        <p:nvSpPr>
-          <p:cNvPr id="2" name="Title 1"/>
-          <p:cNvSpPr>
-            <a:spLocks noGrp="1"/>
-          </p:cNvSpPr>
-          <p:nvPr>
-            <p:ph type="title"/>
-          </p:nvPr>
-        </p:nvSpPr>
-        <p:spPr/>
-        <p:txBody>
-          <a:bodyPr/>
-          <a:lstStyle/>
-          <a:p>
-            <a:r>
-              <a:t>6.5. Tabela Descritiva do Caso de Uso – Realizar Pedido (parte 3)</a:t>
-            </a:r>
-          </a:p>
-        </p:txBody>
-      </p:sp>
-      <p:sp>
-        <p:nvSpPr>
-          <p:cNvPr id="3" name="Content Placeholder 2"/>
-          <p:cNvSpPr>
-            <a:spLocks noGrp="1"/>
-          </p:cNvSpPr>
-          <p:nvPr>
-            <p:ph idx="1"/>
-          </p:nvPr>
-        </p:nvSpPr>
-        <p:spPr/>
-        <p:txBody>
-          <a:bodyPr/>
-          <a:lstStyle/>
-          <a:p>
-            <a:r>
-              <a:t>|</a:t>
-            </a:r>
-          </a:p>
-          <a:p>
-            <a:r>
-              <a:t>| Nome do Caso de Uso | Realizar Pedido                                                                                                                                                                                                                                                                   </a:t>
-            </a:r>
-          </a:p>
-        </p:txBody>
-      </p:sp>
-    </p:spTree>
-  </p:cSld>
-  <p:clrMapOvr>
-    <a:masterClrMapping/>
-  </p:clrMapOvr>
-</p:sld>
-</file>
-
-<file path=ppt/slides/slide14.xml><?xml version="1.0" encoding="utf-8"?>
-<p:sld xmlns:a="http://schemas.openxmlformats.org/drawingml/2006/main" xmlns:p="http://schemas.openxmlformats.org/presentationml/2006/main" xmlns:r="http://schemas.openxmlformats.org/officeDocument/2006/relationships">
-  <p:cSld>
-    <p:spTree>
-      <p:nvGrpSpPr>
-        <p:cNvPr id="1" name=""/>
-        <p:cNvGrpSpPr/>
-        <p:nvPr/>
-      </p:nvGrpSpPr>
-      <p:grpSpPr/>
-      <p:sp>
-        <p:nvSpPr>
-          <p:cNvPr id="2" name="Title 1"/>
-          <p:cNvSpPr>
-            <a:spLocks noGrp="1"/>
-          </p:cNvSpPr>
-          <p:nvPr>
-            <p:ph type="title"/>
-          </p:nvPr>
-        </p:nvSpPr>
-        <p:spPr/>
-        <p:txBody>
-          <a:bodyPr/>
-          <a:lstStyle/>
-          <a:p>
-            <a:r>
-              <a:t>6.5. Tabela Descritiva do Caso de Uso – Realizar Pedido (parte 4)</a:t>
-            </a:r>
-          </a:p>
-        </p:txBody>
-      </p:sp>
-      <p:sp>
-        <p:nvSpPr>
-          <p:cNvPr id="3" name="Content Placeholder 2"/>
-          <p:cNvSpPr>
-            <a:spLocks noGrp="1"/>
-          </p:cNvSpPr>
-          <p:nvPr>
-            <p:ph idx="1"/>
-          </p:nvPr>
-        </p:nvSpPr>
-        <p:spPr/>
-        <p:txBody>
-          <a:bodyPr/>
-          <a:lstStyle/>
-          <a:p>
-            <a:r>
-              <a:t> |</a:t>
-            </a:r>
-          </a:p>
-          <a:p>
-            <a:r>
-              <a:t>| Atores Principais   | Cliente, Garçom                                                                                                                                                                                                                                                                  </a:t>
-            </a:r>
-          </a:p>
-        </p:txBody>
-      </p:sp>
-    </p:spTree>
-  </p:cSld>
-  <p:clrMapOvr>
-    <a:masterClrMapping/>
-  </p:clrMapOvr>
-</p:sld>
-</file>
-
-<file path=ppt/slides/slide15.xml><?xml version="1.0" encoding="utf-8"?>
-<p:sld xmlns:a="http://schemas.openxmlformats.org/drawingml/2006/main" xmlns:p="http://schemas.openxmlformats.org/presentationml/2006/main" xmlns:r="http://schemas.openxmlformats.org/officeDocument/2006/relationships">
-  <p:cSld>
-    <p:spTree>
-      <p:nvGrpSpPr>
-        <p:cNvPr id="1" name=""/>
-        <p:cNvGrpSpPr/>
-        <p:nvPr/>
-      </p:nvGrpSpPr>
-      <p:grpSpPr/>
-      <p:sp>
-        <p:nvSpPr>
-          <p:cNvPr id="2" name="Title 1"/>
-          <p:cNvSpPr>
-            <a:spLocks noGrp="1"/>
-          </p:cNvSpPr>
-          <p:nvPr>
-            <p:ph type="title"/>
-          </p:nvPr>
-        </p:nvSpPr>
-        <p:spPr/>
-        <p:txBody>
-          <a:bodyPr/>
-          <a:lstStyle/>
-          <a:p>
-            <a:r>
-              <a:t>6.5. Tabela Descritiva do Caso de Uso – Realizar Pedido (parte 5)</a:t>
-            </a:r>
-          </a:p>
-        </p:txBody>
-      </p:sp>
-      <p:sp>
-        <p:nvSpPr>
-          <p:cNvPr id="3" name="Content Placeholder 2"/>
-          <p:cNvSpPr>
-            <a:spLocks noGrp="1"/>
-          </p:cNvSpPr>
-          <p:nvPr>
-            <p:ph idx="1"/>
-          </p:nvPr>
-        </p:nvSpPr>
-        <p:spPr/>
-        <p:txBody>
-          <a:bodyPr/>
-          <a:lstStyle/>
-          <a:p>
-            <a:r>
-              <a:t>  |</a:t>
-            </a:r>
-          </a:p>
-          <a:p>
-            <a:r>
-              <a:t>| Ator Secundário     | Sistema de Pagamento, Cozinha                                                                                                                                                                                                                                                   </a:t>
-            </a:r>
-          </a:p>
-        </p:txBody>
-      </p:sp>
-    </p:spTree>
-  </p:cSld>
-  <p:clrMapOvr>
-    <a:masterClrMapping/>
-  </p:clrMapOvr>
-</p:sld>
-</file>
-
-<file path=ppt/slides/slide16.xml><?xml version="1.0" encoding="utf-8"?>
-<p:sld xmlns:a="http://schemas.openxmlformats.org/drawingml/2006/main" xmlns:p="http://schemas.openxmlformats.org/presentationml/2006/main" xmlns:r="http://schemas.openxmlformats.org/officeDocument/2006/relationships">
-  <p:cSld>
-    <p:spTree>
-      <p:nvGrpSpPr>
-        <p:cNvPr id="1" name=""/>
-        <p:cNvGrpSpPr/>
-        <p:nvPr/>
-      </p:nvGrpSpPr>
-      <p:grpSpPr/>
-      <p:sp>
-        <p:nvSpPr>
-          <p:cNvPr id="2" name="Title 1"/>
-          <p:cNvSpPr>
-            <a:spLocks noGrp="1"/>
-          </p:cNvSpPr>
-          <p:nvPr>
-            <p:ph type="title"/>
-          </p:nvPr>
-        </p:nvSpPr>
-        <p:spPr/>
-        <p:txBody>
-          <a:bodyPr/>
-          <a:lstStyle/>
-          <a:p>
-            <a:r>
-              <a:t>6.5. Tabela Descritiva do Caso de Uso – Realizar Pedido (parte 6)</a:t>
-            </a:r>
-          </a:p>
-        </p:txBody>
-      </p:sp>
-      <p:sp>
-        <p:nvSpPr>
-          <p:cNvPr id="3" name="Content Placeholder 2"/>
-          <p:cNvSpPr>
-            <a:spLocks noGrp="1"/>
-          </p:cNvSpPr>
-          <p:nvPr>
-            <p:ph idx="1"/>
-          </p:nvPr>
-        </p:nvSpPr>
-        <p:spPr/>
-        <p:txBody>
-          <a:bodyPr/>
-          <a:lstStyle/>
-          <a:p>
-            <a:r>
-              <a:t>   |</a:t>
-            </a:r>
-          </a:p>
-          <a:p>
-            <a:r>
-              <a:t>| Objetivo            | Permitir que o cliente ou o garçom registre um pedido, efetue o pagamento e envie-o para a cozinha.                                                                                                                                                                            </a:t>
-            </a:r>
-          </a:p>
-        </p:txBody>
-      </p:sp>
-    </p:spTree>
-  </p:cSld>
-  <p:clrMapOvr>
-    <a:masterClrMapping/>
-  </p:clrMapOvr>
-</p:sld>
-</file>
-
-<file path=ppt/slides/slide17.xml><?xml version="1.0" encoding="utf-8"?>
-<p:sld xmlns:a="http://schemas.openxmlformats.org/drawingml/2006/main" xmlns:p="http://schemas.openxmlformats.org/presentationml/2006/main" xmlns:r="http://schemas.openxmlformats.org/officeDocument/2006/relationships">
-  <p:cSld>
-    <p:spTree>
-      <p:nvGrpSpPr>
-        <p:cNvPr id="1" name=""/>
-        <p:cNvGrpSpPr/>
-        <p:nvPr/>
-      </p:nvGrpSpPr>
-      <p:grpSpPr/>
-      <p:sp>
-        <p:nvSpPr>
-          <p:cNvPr id="2" name="Title 1"/>
-          <p:cNvSpPr>
-            <a:spLocks noGrp="1"/>
-          </p:cNvSpPr>
-          <p:nvPr>
-            <p:ph type="title"/>
-          </p:nvPr>
-        </p:nvSpPr>
-        <p:spPr/>
-        <p:txBody>
-          <a:bodyPr/>
-          <a:lstStyle/>
-          <a:p>
-            <a:r>
-              <a:t>6.5. Tabela Descritiva do Caso de Uso – Realizar Pedido (parte 7)</a:t>
-            </a:r>
-          </a:p>
-        </p:txBody>
-      </p:sp>
-      <p:sp>
-        <p:nvSpPr>
-          <p:cNvPr id="3" name="Content Placeholder 2"/>
-          <p:cNvSpPr>
-            <a:spLocks noGrp="1"/>
-          </p:cNvSpPr>
-          <p:nvPr>
-            <p:ph idx="1"/>
-          </p:nvPr>
-        </p:nvSpPr>
-        <p:spPr/>
-        <p:txBody>
-          <a:bodyPr/>
-          <a:lstStyle/>
-          <a:p>
-            <a:r>
-              <a:t>    |</a:t>
-            </a:r>
-          </a:p>
-          <a:p>
-            <a:r>
-              <a:t>| Pré-condições       | - O cliente deve estar na interface inicial do sistema (totem ou atendimento com o garçom). &lt;br&gt; - O sistema deve estar em funcionamento.                                                                                                                                     </a:t>
-            </a:r>
-          </a:p>
-        </p:txBody>
-      </p:sp>
-    </p:spTree>
-  </p:cSld>
-  <p:clrMapOvr>
-    <a:masterClrMapping/>
-  </p:clrMapOvr>
-</p:sld>
-</file>
-
-<file path=ppt/slides/slide18.xml><?xml version="1.0" encoding="utf-8"?>
-<p:sld xmlns:a="http://schemas.openxmlformats.org/drawingml/2006/main" xmlns:p="http://schemas.openxmlformats.org/presentationml/2006/main" xmlns:r="http://schemas.openxmlformats.org/officeDocument/2006/relationships">
-  <p:cSld>
-    <p:spTree>
-      <p:nvGrpSpPr>
-        <p:cNvPr id="1" name=""/>
-        <p:cNvGrpSpPr/>
-        <p:nvPr/>
-      </p:nvGrpSpPr>
-      <p:grpSpPr/>
-      <p:sp>
-        <p:nvSpPr>
-          <p:cNvPr id="2" name="Title 1"/>
-          <p:cNvSpPr>
-            <a:spLocks noGrp="1"/>
-          </p:cNvSpPr>
-          <p:nvPr>
-            <p:ph type="title"/>
-          </p:nvPr>
-        </p:nvSpPr>
-        <p:spPr/>
-        <p:txBody>
-          <a:bodyPr/>
-          <a:lstStyle/>
-          <a:p>
-            <a:r>
-              <a:t>6.5. Tabela Descritiva do Caso de Uso – Realizar Pedido (parte 8)</a:t>
-            </a:r>
-          </a:p>
-        </p:txBody>
-      </p:sp>
-      <p:sp>
-        <p:nvSpPr>
-          <p:cNvPr id="3" name="Content Placeholder 2"/>
-          <p:cNvSpPr>
-            <a:spLocks noGrp="1"/>
-          </p:cNvSpPr>
-          <p:nvPr>
-            <p:ph idx="1"/>
-          </p:nvPr>
-        </p:nvSpPr>
-        <p:spPr/>
-        <p:txBody>
-          <a:bodyPr/>
-          <a:lstStyle/>
-          <a:p>
-            <a:r>
-              <a:t>     |</a:t>
-            </a:r>
-          </a:p>
-          <a:p>
-            <a:r>
-              <a:t>| Pós-condições       | - Pedido registrado e enviado à cozinha. &lt;br&gt; - Pagamento confirmado. &lt;br&gt; - Nota fiscal emitida (quando aplicável).                                                                                                                                                         </a:t>
-            </a:r>
-          </a:p>
-        </p:txBody>
-      </p:sp>
-    </p:spTree>
-  </p:cSld>
-  <p:clrMapOvr>
-    <a:masterClrMapping/>
-  </p:clrMapOvr>
-</p:sld>
-</file>
-
-<file path=ppt/slides/slide19.xml><?xml version="1.0" encoding="utf-8"?>
-<p:sld xmlns:a="http://schemas.openxmlformats.org/drawingml/2006/main" xmlns:p="http://schemas.openxmlformats.org/presentationml/2006/main" xmlns:r="http://schemas.openxmlformats.org/officeDocument/2006/relationships">
-  <p:cSld>
-    <p:spTree>
-      <p:nvGrpSpPr>
-        <p:cNvPr id="1" name=""/>
-        <p:cNvGrpSpPr/>
-        <p:nvPr/>
-      </p:nvGrpSpPr>
-      <p:grpSpPr/>
-      <p:sp>
-        <p:nvSpPr>
-          <p:cNvPr id="2" name="Title 1"/>
-          <p:cNvSpPr>
-            <a:spLocks noGrp="1"/>
-          </p:cNvSpPr>
-          <p:nvPr>
-            <p:ph type="title"/>
-          </p:nvPr>
-        </p:nvSpPr>
-        <p:spPr/>
-        <p:txBody>
-          <a:bodyPr/>
-          <a:lstStyle/>
-          <a:p>
-            <a:r>
-              <a:t>6.5. Tabela Descritiva do Caso de Uso – Realizar Pedido (parte 9)</a:t>
-            </a:r>
-          </a:p>
-        </p:txBody>
-      </p:sp>
-      <p:sp>
-        <p:nvSpPr>
-          <p:cNvPr id="3" name="Content Placeholder 2"/>
-          <p:cNvSpPr>
-            <a:spLocks noGrp="1"/>
-          </p:cNvSpPr>
-          <p:nvPr>
-            <p:ph idx="1"/>
-          </p:nvPr>
-        </p:nvSpPr>
-        <p:spPr/>
-        <p:txBody>
-          <a:bodyPr/>
-          <a:lstStyle/>
-          <a:p>
-            <a:r>
-              <a:t>      |</a:t>
-            </a:r>
-          </a:p>
-          <a:p>
-            <a:r>
-              <a:t>| Fluxo Principal     | 1. Cliente/Garçom inicia pedido.&lt;br&gt;2. Seleciona itens.&lt;br&gt;3. Opção de personalização (extend).&lt;br&gt;4. Sistema calcula valor.&lt;br&gt;5. Confirma pedido.&lt;br&gt;6. Inclui Efetuar Pagamento.&lt;br&gt;7. Pagamento inclui Emitir Nota Fiscal.&lt;br&gt;8. Inclui Enviar Pedido à Cozinha. |</a:t>
-            </a:r>
-          </a:p>
-          <a:p>
-            <a:r>
-              <a:t>| Flu</a:t>
-            </a:r>
-          </a:p>
-        </p:txBody>
-      </p:sp>
-    </p:spTree>
+    <p:extLst>
+      <p:ext uri="{BB962C8B-B14F-4D97-AF65-F5344CB8AC3E}">
+        <p14:creationId xmlns:p14="http://schemas.microsoft.com/office/powerpoint/2010/main" val="2872160879"/>
+      </p:ext>
+    </p:extLst>
   </p:cSld>
   <p:clrMapOvr>
     <a:masterClrMapping/>
@@ -3812,7 +4221,7 @@
 </file>
 
 <file path=ppt/slides/slide2.xml><?xml version="1.0" encoding="utf-8"?>
-<p:sld xmlns:a="http://schemas.openxmlformats.org/drawingml/2006/main" xmlns:p="http://schemas.openxmlformats.org/presentationml/2006/main" xmlns:r="http://schemas.openxmlformats.org/officeDocument/2006/relationships">
+<p:sld xmlns:a="http://schemas.openxmlformats.org/drawingml/2006/main" xmlns:r="http://schemas.openxmlformats.org/officeDocument/2006/relationships" xmlns:p="http://schemas.openxmlformats.org/presentationml/2006/main">
   <p:cSld>
     <p:spTree>
       <p:nvGrpSpPr>
@@ -3820,7 +4229,14 @@
         <p:cNvGrpSpPr/>
         <p:nvPr/>
       </p:nvGrpSpPr>
-      <p:grpSpPr/>
+      <p:grpSpPr>
+        <a:xfrm>
+          <a:off x="0" y="0"/>
+          <a:ext cx="0" cy="0"/>
+          <a:chOff x="0" y="0"/>
+          <a:chExt cx="0" cy="0"/>
+        </a:xfrm>
+      </p:grpSpPr>
       <p:sp>
         <p:nvSpPr>
           <p:cNvPr id="2" name="Title 1"/>
@@ -3831,14 +4247,21 @@
             <p:ph type="title"/>
           </p:nvPr>
         </p:nvSpPr>
-        <p:spPr/>
+        <p:spPr>
+          <a:xfrm>
+            <a:off x="822325" y="287338"/>
+            <a:ext cx="7543800" cy="1449387"/>
+          </a:xfrm>
+        </p:spPr>
         <p:txBody>
           <a:bodyPr/>
           <a:lstStyle/>
           <a:p>
             <a:r>
-              <a:t>6.1. Elementos Básicos de um Caso de Uso (parte 1)</a:t>
-            </a:r>
+              <a:rPr lang="pt-BR"/>
+              <a:t>1. Elementos Básicos de um Caso de Uso</a:t>
+            </a:r>
+            <a:endParaRPr lang="pt-BR" dirty="0"/>
           </a:p>
         </p:txBody>
       </p:sp>
@@ -3852,735 +4275,60 @@
             <p:ph idx="1"/>
           </p:nvPr>
         </p:nvSpPr>
-        <p:spPr/>
+        <p:spPr>
+          <a:xfrm>
+            <a:off x="822325" y="1846263"/>
+            <a:ext cx="7543800" cy="4022725"/>
+          </a:xfrm>
+        </p:spPr>
         <p:txBody>
           <a:bodyPr/>
           <a:lstStyle/>
           <a:p>
             <a:r>
+              <a:rPr lang="pt-BR"/>
               <a:t>Ator: Pessoa ou sistema externo que interage com o sistema.</a:t>
             </a:r>
           </a:p>
           <a:p>
             <a:r>
+              <a:rPr lang="pt-BR"/>
               <a:t>Caso de Uso: Funcionalidade que traz valor ao ator.</a:t>
             </a:r>
           </a:p>
           <a:p>
             <a:r>
+              <a:rPr lang="pt-BR"/>
               <a:t>Sistema: Limite dentro do qual os casos de uso acontecem.</a:t>
             </a:r>
           </a:p>
           <a:p>
             <a:r>
+              <a:rPr lang="pt-BR"/>
               <a:t>Relacionamentos:</a:t>
             </a:r>
           </a:p>
-          <a:p/>
-          <a:p>
-            <a:r>
+          <a:p>
+            <a:pPr lvl="1"/>
+            <a:r>
+              <a:rPr lang="pt-BR"/>
               <a:t>Associação (ligação ator ↔ caso de uso).</a:t>
             </a:r>
           </a:p>
           <a:p>
-            <a:r>
+            <a:pPr lvl="1"/>
+            <a:r>
+              <a:rPr lang="pt-BR"/>
               <a:t>«include»: Inclusão obrigatória de outro caso de uso.</a:t>
             </a:r>
           </a:p>
           <a:p>
-            <a:r>
-              <a:t>«extend»: Extensã</a:t>
-            </a:r>
-          </a:p>
-        </p:txBody>
-      </p:sp>
-    </p:spTree>
-  </p:cSld>
-  <p:clrMapOvr>
-    <a:masterClrMapping/>
-  </p:clrMapOvr>
-</p:sld>
-</file>
-
-<file path=ppt/slides/slide20.xml><?xml version="1.0" encoding="utf-8"?>
-<p:sld xmlns:a="http://schemas.openxmlformats.org/drawingml/2006/main" xmlns:p="http://schemas.openxmlformats.org/presentationml/2006/main" xmlns:r="http://schemas.openxmlformats.org/officeDocument/2006/relationships">
-  <p:cSld>
-    <p:spTree>
-      <p:nvGrpSpPr>
-        <p:cNvPr id="1" name=""/>
-        <p:cNvGrpSpPr/>
-        <p:nvPr/>
-      </p:nvGrpSpPr>
-      <p:grpSpPr/>
-      <p:sp>
-        <p:nvSpPr>
-          <p:cNvPr id="2" name="Title 1"/>
-          <p:cNvSpPr>
-            <a:spLocks noGrp="1"/>
-          </p:cNvSpPr>
-          <p:nvPr>
-            <p:ph type="title"/>
-          </p:nvPr>
-        </p:nvSpPr>
-        <p:spPr/>
-        <p:txBody>
-          <a:bodyPr/>
-          <a:lstStyle/>
-          <a:p>
-            <a:r>
-              <a:t>6.5. Tabela Descritiva do Caso de Uso – Realizar Pedido (parte 10)</a:t>
-            </a:r>
-          </a:p>
-        </p:txBody>
-      </p:sp>
-      <p:sp>
-        <p:nvSpPr>
-          <p:cNvPr id="3" name="Content Placeholder 2"/>
-          <p:cNvSpPr>
-            <a:spLocks noGrp="1"/>
-          </p:cNvSpPr>
-          <p:nvPr>
-            <p:ph idx="1"/>
-          </p:nvPr>
-        </p:nvSpPr>
-        <p:spPr/>
-        <p:txBody>
-          <a:bodyPr/>
-          <a:lstStyle/>
-          <a:p>
-            <a:r>
-              <a:t>xos Alternativos | A1 – Item Indisponível: Sistema alerta → cliente substitui. &lt;br&gt; A2 – Pagamento Falhou: Sistema exibe erro → cliente escolhe outro método.                                                                                                                                 |</a:t>
-            </a:r>
-          </a:p>
-        </p:txBody>
-      </p:sp>
-    </p:spTree>
-  </p:cSld>
-  <p:clrMapOvr>
-    <a:masterClrMapping/>
-  </p:clrMapOvr>
-</p:sld>
-</file>
-
-<file path=ppt/slides/slide21.xml><?xml version="1.0" encoding="utf-8"?>
-<p:sld xmlns:a="http://schemas.openxmlformats.org/drawingml/2006/main" xmlns:p="http://schemas.openxmlformats.org/presentationml/2006/main" xmlns:r="http://schemas.openxmlformats.org/officeDocument/2006/relationships">
-  <p:cSld>
-    <p:spTree>
-      <p:nvGrpSpPr>
-        <p:cNvPr id="1" name=""/>
-        <p:cNvGrpSpPr/>
-        <p:nvPr/>
-      </p:nvGrpSpPr>
-      <p:grpSpPr/>
-      <p:sp>
-        <p:nvSpPr>
-          <p:cNvPr id="2" name="Title 1"/>
-          <p:cNvSpPr>
-            <a:spLocks noGrp="1"/>
-          </p:cNvSpPr>
-          <p:nvPr>
-            <p:ph type="title"/>
-          </p:nvPr>
-        </p:nvSpPr>
-        <p:spPr/>
-        <p:txBody>
-          <a:bodyPr/>
-          <a:lstStyle/>
-          <a:p>
-            <a:r>
-              <a:t>Fluxo em Tabela – 2 Colunas (Ator Principal x Sistema) (parte 1)</a:t>
-            </a:r>
-          </a:p>
-        </p:txBody>
-      </p:sp>
-      <p:sp>
-        <p:nvSpPr>
-          <p:cNvPr id="3" name="Content Placeholder 2"/>
-          <p:cNvSpPr>
-            <a:spLocks noGrp="1"/>
-          </p:cNvSpPr>
-          <p:nvPr>
-            <p:ph idx="1"/>
-          </p:nvPr>
-        </p:nvSpPr>
-        <p:spPr/>
-        <p:txBody>
-          <a:bodyPr/>
-          <a:lstStyle/>
-          <a:p>
-            <a:r>
-              <a:t>| Passo | Ator Principal (Cliente/Garçom) | Sistema                           |</a:t>
-            </a:r>
-          </a:p>
-          <a:p>
-            <a:r>
-              <a:t>| --------- | ----------------------------------- | ------------------------------------- |</a:t>
-            </a:r>
-          </a:p>
-          <a:p>
-            <a:r>
-              <a:t>| 1         | Solicita iniciar pedido             | Exibe cardápio disponível             |</a:t>
-            </a:r>
-          </a:p>
-          <a:p>
-            <a:r>
-              <a:t>| 2         | Seleciona itens deseja</a:t>
-            </a:r>
-          </a:p>
-        </p:txBody>
-      </p:sp>
-    </p:spTree>
-  </p:cSld>
-  <p:clrMapOvr>
-    <a:masterClrMapping/>
-  </p:clrMapOvr>
-</p:sld>
-</file>
-
-<file path=ppt/slides/slide22.xml><?xml version="1.0" encoding="utf-8"?>
-<p:sld xmlns:a="http://schemas.openxmlformats.org/drawingml/2006/main" xmlns:p="http://schemas.openxmlformats.org/presentationml/2006/main" xmlns:r="http://schemas.openxmlformats.org/officeDocument/2006/relationships">
-  <p:cSld>
-    <p:spTree>
-      <p:nvGrpSpPr>
-        <p:cNvPr id="1" name=""/>
-        <p:cNvGrpSpPr/>
-        <p:nvPr/>
-      </p:nvGrpSpPr>
-      <p:grpSpPr/>
-      <p:sp>
-        <p:nvSpPr>
-          <p:cNvPr id="2" name="Title 1"/>
-          <p:cNvSpPr>
-            <a:spLocks noGrp="1"/>
-          </p:cNvSpPr>
-          <p:nvPr>
-            <p:ph type="title"/>
-          </p:nvPr>
-        </p:nvSpPr>
-        <p:spPr/>
-        <p:txBody>
-          <a:bodyPr/>
-          <a:lstStyle/>
-          <a:p>
-            <a:r>
-              <a:t>Fluxo em Tabela – 2 Colunas (Ator Principal x Sistema) (parte 2)</a:t>
-            </a:r>
-          </a:p>
-        </p:txBody>
-      </p:sp>
-      <p:sp>
-        <p:nvSpPr>
-          <p:cNvPr id="3" name="Content Placeholder 2"/>
-          <p:cNvSpPr>
-            <a:spLocks noGrp="1"/>
-          </p:cNvSpPr>
-          <p:nvPr>
-            <p:ph idx="1"/>
-          </p:nvPr>
-        </p:nvSpPr>
-        <p:spPr/>
-        <p:txBody>
-          <a:bodyPr/>
-          <a:lstStyle/>
-          <a:p>
-            <a:r>
-              <a:t>dos           | Registra seleção                      |</a:t>
-            </a:r>
-          </a:p>
-          <a:p>
-            <a:r>
-              <a:t>| 3         | Personaliza item (opcional)         | Ajusta pedido conforme personalização |</a:t>
-            </a:r>
-          </a:p>
-          <a:p>
-            <a:r>
-              <a:t>| 4         | Solicita visualizar valor           | Calcula e apresenta valor total       |</a:t>
-            </a:r>
-          </a:p>
-          <a:p>
-            <a:r>
-              <a:t>| 5         | Confirma pedido                     | Exibe op</a:t>
-            </a:r>
-          </a:p>
-        </p:txBody>
-      </p:sp>
-    </p:spTree>
-  </p:cSld>
-  <p:clrMapOvr>
-    <a:masterClrMapping/>
-  </p:clrMapOvr>
-</p:sld>
-</file>
-
-<file path=ppt/slides/slide23.xml><?xml version="1.0" encoding="utf-8"?>
-<p:sld xmlns:a="http://schemas.openxmlformats.org/drawingml/2006/main" xmlns:p="http://schemas.openxmlformats.org/presentationml/2006/main" xmlns:r="http://schemas.openxmlformats.org/officeDocument/2006/relationships">
-  <p:cSld>
-    <p:spTree>
-      <p:nvGrpSpPr>
-        <p:cNvPr id="1" name=""/>
-        <p:cNvGrpSpPr/>
-        <p:nvPr/>
-      </p:nvGrpSpPr>
-      <p:grpSpPr/>
-      <p:sp>
-        <p:nvSpPr>
-          <p:cNvPr id="2" name="Title 1"/>
-          <p:cNvSpPr>
-            <a:spLocks noGrp="1"/>
-          </p:cNvSpPr>
-          <p:nvPr>
-            <p:ph type="title"/>
-          </p:nvPr>
-        </p:nvSpPr>
-        <p:spPr/>
-        <p:txBody>
-          <a:bodyPr/>
-          <a:lstStyle/>
-          <a:p>
-            <a:r>
-              <a:t>Fluxo em Tabela – 2 Colunas (Ator Principal x Sistema) (parte 3)</a:t>
-            </a:r>
-          </a:p>
-        </p:txBody>
-      </p:sp>
-      <p:sp>
-        <p:nvSpPr>
-          <p:cNvPr id="3" name="Content Placeholder 2"/>
-          <p:cNvSpPr>
-            <a:spLocks noGrp="1"/>
-          </p:cNvSpPr>
-          <p:nvPr>
-            <p:ph idx="1"/>
-          </p:nvPr>
-        </p:nvSpPr>
-        <p:spPr/>
-        <p:txBody>
-          <a:bodyPr/>
-          <a:lstStyle/>
-          <a:p>
-            <a:r>
-              <a:t>ções de pagamento             |</a:t>
-            </a:r>
-          </a:p>
-          <a:p>
-            <a:r>
-              <a:t>| 6         | Escolhe método de pagamento         | Processa pagamento                    |</a:t>
-            </a:r>
-          </a:p>
-          <a:p>
-            <a:r>
-              <a:t>| 7         | Confirma pagamento                  | Emite nota fiscal (quando aplicável)  |</a:t>
-            </a:r>
-          </a:p>
-          <a:p>
-            <a:r>
-              <a:t>| 8         | —                                   | Envia pedido para a cozinha     </a:t>
-            </a:r>
-          </a:p>
-        </p:txBody>
-      </p:sp>
-    </p:spTree>
-  </p:cSld>
-  <p:clrMapOvr>
-    <a:masterClrMapping/>
-  </p:clrMapOvr>
-</p:sld>
-</file>
-
-<file path=ppt/slides/slide24.xml><?xml version="1.0" encoding="utf-8"?>
-<p:sld xmlns:a="http://schemas.openxmlformats.org/drawingml/2006/main" xmlns:p="http://schemas.openxmlformats.org/presentationml/2006/main" xmlns:r="http://schemas.openxmlformats.org/officeDocument/2006/relationships">
-  <p:cSld>
-    <p:spTree>
-      <p:nvGrpSpPr>
-        <p:cNvPr id="1" name=""/>
-        <p:cNvGrpSpPr/>
-        <p:nvPr/>
-      </p:nvGrpSpPr>
-      <p:grpSpPr/>
-      <p:sp>
-        <p:nvSpPr>
-          <p:cNvPr id="2" name="Title 1"/>
-          <p:cNvSpPr>
-            <a:spLocks noGrp="1"/>
-          </p:cNvSpPr>
-          <p:nvPr>
-            <p:ph type="title"/>
-          </p:nvPr>
-        </p:nvSpPr>
-        <p:spPr/>
-        <p:txBody>
-          <a:bodyPr/>
-          <a:lstStyle/>
-          <a:p>
-            <a:r>
-              <a:t>Fluxo em Tabela – 2 Colunas (Ator Principal x Sistema) (parte 4)</a:t>
-            </a:r>
-          </a:p>
-        </p:txBody>
-      </p:sp>
-      <p:sp>
-        <p:nvSpPr>
-          <p:cNvPr id="3" name="Content Placeholder 2"/>
-          <p:cNvSpPr>
-            <a:spLocks noGrp="1"/>
-          </p:cNvSpPr>
-          <p:nvPr>
-            <p:ph idx="1"/>
-          </p:nvPr>
-        </p:nvSpPr>
-        <p:spPr/>
-        <p:txBody>
-          <a:bodyPr/>
-          <a:lstStyle/>
-          <a:p>
-            <a:r>
-              <a:t>      |</a:t>
-            </a:r>
-          </a:p>
-        </p:txBody>
-      </p:sp>
-    </p:spTree>
-  </p:cSld>
-  <p:clrMapOvr>
-    <a:masterClrMapping/>
-  </p:clrMapOvr>
-</p:sld>
-</file>
-
-<file path=ppt/slides/slide25.xml><?xml version="1.0" encoding="utf-8"?>
-<p:sld xmlns:a="http://schemas.openxmlformats.org/drawingml/2006/main" xmlns:p="http://schemas.openxmlformats.org/presentationml/2006/main" xmlns:r="http://schemas.openxmlformats.org/officeDocument/2006/relationships">
-  <p:cSld>
-    <p:spTree>
-      <p:nvGrpSpPr>
-        <p:cNvPr id="1" name=""/>
-        <p:cNvGrpSpPr/>
-        <p:nvPr/>
-      </p:nvGrpSpPr>
-      <p:grpSpPr/>
-      <p:sp>
-        <p:nvSpPr>
-          <p:cNvPr id="2" name="Title 1"/>
-          <p:cNvSpPr>
-            <a:spLocks noGrp="1"/>
-          </p:cNvSpPr>
-          <p:nvPr>
-            <p:ph type="title"/>
-          </p:nvPr>
-        </p:nvSpPr>
-        <p:spPr/>
-        <p:txBody>
-          <a:bodyPr/>
-          <a:lstStyle/>
-          <a:p>
-            <a:r>
-              <a:t>Fluxo em Tabela – 3 Colunas (Ator Principal x Sistema x Ator Secundário) (parte 1)</a:t>
-            </a:r>
-          </a:p>
-        </p:txBody>
-      </p:sp>
-      <p:sp>
-        <p:nvSpPr>
-          <p:cNvPr id="3" name="Content Placeholder 2"/>
-          <p:cNvSpPr>
-            <a:spLocks noGrp="1"/>
-          </p:cNvSpPr>
-          <p:nvPr>
-            <p:ph idx="1"/>
-          </p:nvPr>
-        </p:nvSpPr>
-        <p:spPr/>
-        <p:txBody>
-          <a:bodyPr/>
-          <a:lstStyle/>
-          <a:p>
-            <a:r>
-              <a:t>| Passo | Ator Principal (Cliente/Garçom) | Sistema                           | Ator Secundário (Ex.: Pagamento / Cozinha) |</a:t>
-            </a:r>
-          </a:p>
-          <a:p>
-            <a:r>
-              <a:t>| --------- | ----------------------------------- | ------------------------------------- | ---------------------------------------------- |</a:t>
-            </a:r>
-          </a:p>
-          <a:p>
-            <a:r>
-              <a:t>| 1         | Solicita iniciar ped</a:t>
-            </a:r>
-          </a:p>
-        </p:txBody>
-      </p:sp>
-    </p:spTree>
-  </p:cSld>
-  <p:clrMapOvr>
-    <a:masterClrMapping/>
-  </p:clrMapOvr>
-</p:sld>
-</file>
-
-<file path=ppt/slides/slide26.xml><?xml version="1.0" encoding="utf-8"?>
-<p:sld xmlns:a="http://schemas.openxmlformats.org/drawingml/2006/main" xmlns:p="http://schemas.openxmlformats.org/presentationml/2006/main" xmlns:r="http://schemas.openxmlformats.org/officeDocument/2006/relationships">
-  <p:cSld>
-    <p:spTree>
-      <p:nvGrpSpPr>
-        <p:cNvPr id="1" name=""/>
-        <p:cNvGrpSpPr/>
-        <p:nvPr/>
-      </p:nvGrpSpPr>
-      <p:grpSpPr/>
-      <p:sp>
-        <p:nvSpPr>
-          <p:cNvPr id="2" name="Title 1"/>
-          <p:cNvSpPr>
-            <a:spLocks noGrp="1"/>
-          </p:cNvSpPr>
-          <p:nvPr>
-            <p:ph type="title"/>
-          </p:nvPr>
-        </p:nvSpPr>
-        <p:spPr/>
-        <p:txBody>
-          <a:bodyPr/>
-          <a:lstStyle/>
-          <a:p>
-            <a:r>
-              <a:t>Fluxo em Tabela – 3 Colunas (Ator Principal x Sistema x Ator Secundário) (parte 2)</a:t>
-            </a:r>
-          </a:p>
-        </p:txBody>
-      </p:sp>
-      <p:sp>
-        <p:nvSpPr>
-          <p:cNvPr id="3" name="Content Placeholder 2"/>
-          <p:cNvSpPr>
-            <a:spLocks noGrp="1"/>
-          </p:cNvSpPr>
-          <p:nvPr>
-            <p:ph idx="1"/>
-          </p:nvPr>
-        </p:nvSpPr>
-        <p:spPr/>
-        <p:txBody>
-          <a:bodyPr/>
-          <a:lstStyle/>
-          <a:p>
-            <a:r>
-              <a:t>ido             | Exibe cardápio                        | —                                              |</a:t>
-            </a:r>
-          </a:p>
-          <a:p>
-            <a:r>
-              <a:t>| 2         | Seleciona itens desejados           | Registra seleção                      | —                                              |</a:t>
-            </a:r>
-          </a:p>
-          <a:p>
-            <a:r>
-              <a:t>| 3         | Personaliza item (opcional)         | </a:t>
-            </a:r>
-          </a:p>
-        </p:txBody>
-      </p:sp>
-    </p:spTree>
-  </p:cSld>
-  <p:clrMapOvr>
-    <a:masterClrMapping/>
-  </p:clrMapOvr>
-</p:sld>
-</file>
-
-<file path=ppt/slides/slide27.xml><?xml version="1.0" encoding="utf-8"?>
-<p:sld xmlns:a="http://schemas.openxmlformats.org/drawingml/2006/main" xmlns:p="http://schemas.openxmlformats.org/presentationml/2006/main" xmlns:r="http://schemas.openxmlformats.org/officeDocument/2006/relationships">
-  <p:cSld>
-    <p:spTree>
-      <p:nvGrpSpPr>
-        <p:cNvPr id="1" name=""/>
-        <p:cNvGrpSpPr/>
-        <p:nvPr/>
-      </p:nvGrpSpPr>
-      <p:grpSpPr/>
-      <p:sp>
-        <p:nvSpPr>
-          <p:cNvPr id="2" name="Title 1"/>
-          <p:cNvSpPr>
-            <a:spLocks noGrp="1"/>
-          </p:cNvSpPr>
-          <p:nvPr>
-            <p:ph type="title"/>
-          </p:nvPr>
-        </p:nvSpPr>
-        <p:spPr/>
-        <p:txBody>
-          <a:bodyPr/>
-          <a:lstStyle/>
-          <a:p>
-            <a:r>
-              <a:t>Fluxo em Tabela – 3 Colunas (Ator Principal x Sistema x Ator Secundário) (parte 3)</a:t>
-            </a:r>
-          </a:p>
-        </p:txBody>
-      </p:sp>
-      <p:sp>
-        <p:nvSpPr>
-          <p:cNvPr id="3" name="Content Placeholder 2"/>
-          <p:cNvSpPr>
-            <a:spLocks noGrp="1"/>
-          </p:cNvSpPr>
-          <p:nvPr>
-            <p:ph idx="1"/>
-          </p:nvPr>
-        </p:nvSpPr>
-        <p:spPr/>
-        <p:txBody>
-          <a:bodyPr/>
-          <a:lstStyle/>
-          <a:p>
-            <a:r>
-              <a:t>Ajusta pedido                         | —                                              |</a:t>
-            </a:r>
-          </a:p>
-          <a:p>
-            <a:r>
-              <a:t>| 4         | Solicita visualizar valor           | Calcula e apresenta total             | —                                              |</a:t>
-            </a:r>
-          </a:p>
-          <a:p>
-            <a:r>
-              <a:t>| 5         | Confirma pedido                     | Solicita método de</a:t>
-            </a:r>
-          </a:p>
-        </p:txBody>
-      </p:sp>
-    </p:spTree>
-  </p:cSld>
-  <p:clrMapOvr>
-    <a:masterClrMapping/>
-  </p:clrMapOvr>
-</p:sld>
-</file>
-
-<file path=ppt/slides/slide28.xml><?xml version="1.0" encoding="utf-8"?>
-<p:sld xmlns:a="http://schemas.openxmlformats.org/drawingml/2006/main" xmlns:p="http://schemas.openxmlformats.org/presentationml/2006/main" xmlns:r="http://schemas.openxmlformats.org/officeDocument/2006/relationships">
-  <p:cSld>
-    <p:spTree>
-      <p:nvGrpSpPr>
-        <p:cNvPr id="1" name=""/>
-        <p:cNvGrpSpPr/>
-        <p:nvPr/>
-      </p:nvGrpSpPr>
-      <p:grpSpPr/>
-      <p:sp>
-        <p:nvSpPr>
-          <p:cNvPr id="2" name="Title 1"/>
-          <p:cNvSpPr>
-            <a:spLocks noGrp="1"/>
-          </p:cNvSpPr>
-          <p:nvPr>
-            <p:ph type="title"/>
-          </p:nvPr>
-        </p:nvSpPr>
-        <p:spPr/>
-        <p:txBody>
-          <a:bodyPr/>
-          <a:lstStyle/>
-          <a:p>
-            <a:r>
-              <a:t>Fluxo em Tabela – 3 Colunas (Ator Principal x Sistema x Ator Secundário) (parte 4)</a:t>
-            </a:r>
-          </a:p>
-        </p:txBody>
-      </p:sp>
-      <p:sp>
-        <p:nvSpPr>
-          <p:cNvPr id="3" name="Content Placeholder 2"/>
-          <p:cNvSpPr>
-            <a:spLocks noGrp="1"/>
-          </p:cNvSpPr>
-          <p:nvPr>
-            <p:ph idx="1"/>
-          </p:nvPr>
-        </p:nvSpPr>
-        <p:spPr/>
-        <p:txBody>
-          <a:bodyPr/>
-          <a:lstStyle/>
-          <a:p>
-            <a:r>
-              <a:t> pagamento          | —                                              |</a:t>
-            </a:r>
-          </a:p>
-          <a:p>
-            <a:r>
-              <a:t>| 6         | Escolhe pagamento (Pix/Cartão)      | Envia dados da transação              | Sistema de Pagamento processa a operação       |</a:t>
-            </a:r>
-          </a:p>
-          <a:p>
-            <a:r>
-              <a:t>| 7         | Confirma pagamento                  | Registra aprovação e gera nota fisca</a:t>
-            </a:r>
-          </a:p>
-        </p:txBody>
-      </p:sp>
-    </p:spTree>
-  </p:cSld>
-  <p:clrMapOvr>
-    <a:masterClrMapping/>
-  </p:clrMapOvr>
-</p:sld>
-</file>
-
-<file path=ppt/slides/slide29.xml><?xml version="1.0" encoding="utf-8"?>
-<p:sld xmlns:a="http://schemas.openxmlformats.org/drawingml/2006/main" xmlns:p="http://schemas.openxmlformats.org/presentationml/2006/main" xmlns:r="http://schemas.openxmlformats.org/officeDocument/2006/relationships">
-  <p:cSld>
-    <p:spTree>
-      <p:nvGrpSpPr>
-        <p:cNvPr id="1" name=""/>
-        <p:cNvGrpSpPr/>
-        <p:nvPr/>
-      </p:nvGrpSpPr>
-      <p:grpSpPr/>
-      <p:sp>
-        <p:nvSpPr>
-          <p:cNvPr id="2" name="Title 1"/>
-          <p:cNvSpPr>
-            <a:spLocks noGrp="1"/>
-          </p:cNvSpPr>
-          <p:nvPr>
-            <p:ph type="title"/>
-          </p:nvPr>
-        </p:nvSpPr>
-        <p:spPr/>
-        <p:txBody>
-          <a:bodyPr/>
-          <a:lstStyle/>
-          <a:p>
-            <a:r>
-              <a:t>Fluxo em Tabela – 3 Colunas (Ator Principal x Sistema x Ator Secundário) (parte 5)</a:t>
-            </a:r>
-          </a:p>
-        </p:txBody>
-      </p:sp>
-      <p:sp>
-        <p:nvSpPr>
-          <p:cNvPr id="3" name="Content Placeholder 2"/>
-          <p:cNvSpPr>
-            <a:spLocks noGrp="1"/>
-          </p:cNvSpPr>
-          <p:nvPr>
-            <p:ph idx="1"/>
-          </p:nvPr>
-        </p:nvSpPr>
-        <p:spPr/>
-        <p:txBody>
-          <a:bodyPr/>
-          <a:lstStyle/>
-          <a:p>
-            <a:r>
-              <a:t>l | Sistema de Pagamento confirma operação         |</a:t>
-            </a:r>
-          </a:p>
-          <a:p>
-            <a:r>
-              <a:t>| 8         | —                                   | Envia pedido                          | Cozinha recebe pedido para preparação          |</a:t>
-            </a:r>
+            <a:pPr lvl="1"/>
+            <a:r>
+              <a:rPr lang="pt-BR"/>
+              <a:t>«extend»: Extensão opcional que ocorre em certas condições.</a:t>
+            </a:r>
+            <a:endParaRPr lang="pt-BR" dirty="0"/>
           </a:p>
         </p:txBody>
       </p:sp>
@@ -4593,7 +4341,7 @@
 </file>
 
 <file path=ppt/slides/slide3.xml><?xml version="1.0" encoding="utf-8"?>
-<p:sld xmlns:a="http://schemas.openxmlformats.org/drawingml/2006/main" xmlns:p="http://schemas.openxmlformats.org/presentationml/2006/main" xmlns:r="http://schemas.openxmlformats.org/officeDocument/2006/relationships">
+<p:sld xmlns:a="http://schemas.openxmlformats.org/drawingml/2006/main" xmlns:r="http://schemas.openxmlformats.org/officeDocument/2006/relationships" xmlns:p="http://schemas.openxmlformats.org/presentationml/2006/main">
   <p:cSld>
     <p:spTree>
       <p:nvGrpSpPr>
@@ -4601,7 +4349,14 @@
         <p:cNvGrpSpPr/>
         <p:nvPr/>
       </p:nvGrpSpPr>
-      <p:grpSpPr/>
+      <p:grpSpPr>
+        <a:xfrm>
+          <a:off x="0" y="0"/>
+          <a:ext cx="0" cy="0"/>
+          <a:chOff x="0" y="0"/>
+          <a:chExt cx="0" cy="0"/>
+        </a:xfrm>
+      </p:grpSpPr>
       <p:sp>
         <p:nvSpPr>
           <p:cNvPr id="2" name="Title 1"/>
@@ -4618,349 +4373,436 @@
           <a:lstStyle/>
           <a:p>
             <a:r>
-              <a:t>6.1. Elementos Básicos de um Caso de Uso (parte 2)</a:t>
-            </a:r>
-          </a:p>
-        </p:txBody>
-      </p:sp>
-      <p:sp>
-        <p:nvSpPr>
-          <p:cNvPr id="3" name="Content Placeholder 2"/>
-          <p:cNvSpPr>
-            <a:spLocks noGrp="1"/>
-          </p:cNvSpPr>
+              <a:rPr lang="en-US" dirty="0"/>
+              <a:t>2. </a:t>
+            </a:r>
+            <a:r>
+              <a:rPr dirty="0" err="1"/>
+              <a:t>Estrutura</a:t>
+            </a:r>
+            <a:r>
+              <a:rPr dirty="0"/>
+              <a:t> Textual do Caso de Uso</a:t>
+            </a:r>
+          </a:p>
+        </p:txBody>
+      </p:sp>
+      <p:graphicFrame>
+        <p:nvGraphicFramePr>
+          <p:cNvPr id="6" name="Content Placeholder 5">
+            <a:extLst>
+              <a:ext uri="{FF2B5EF4-FFF2-40B4-BE49-F238E27FC236}">
+                <a16:creationId xmlns:a16="http://schemas.microsoft.com/office/drawing/2014/main" id="{510FA733-F34C-13A9-F81D-89981F7A8702}"/>
+              </a:ext>
+            </a:extLst>
+          </p:cNvPr>
+          <p:cNvGraphicFramePr>
+            <a:graphicFrameLocks noGrp="1"/>
+          </p:cNvGraphicFramePr>
           <p:nvPr>
             <p:ph idx="1"/>
-          </p:nvPr>
-        </p:nvSpPr>
-        <p:spPr/>
-        <p:txBody>
-          <a:bodyPr/>
-          <a:lstStyle/>
-          <a:p>
-            <a:r>
-              <a:t>o opcional que ocorre em certas condições.</a:t>
-            </a:r>
-          </a:p>
-        </p:txBody>
-      </p:sp>
-    </p:spTree>
-  </p:cSld>
-  <p:clrMapOvr>
-    <a:masterClrMapping/>
-  </p:clrMapOvr>
-</p:sld>
-</file>
-
-<file path=ppt/slides/slide30.xml><?xml version="1.0" encoding="utf-8"?>
-<p:sld xmlns:a="http://schemas.openxmlformats.org/drawingml/2006/main" xmlns:p="http://schemas.openxmlformats.org/presentationml/2006/main" xmlns:r="http://schemas.openxmlformats.org/officeDocument/2006/relationships">
-  <p:cSld>
-    <p:spTree>
-      <p:nvGrpSpPr>
-        <p:cNvPr id="1" name=""/>
-        <p:cNvGrpSpPr/>
-        <p:nvPr/>
-      </p:nvGrpSpPr>
-      <p:grpSpPr/>
-      <p:sp>
-        <p:nvSpPr>
-          <p:cNvPr id="2" name="Title 1"/>
-          <p:cNvSpPr>
-            <a:spLocks noGrp="1"/>
-          </p:cNvSpPr>
-          <p:nvPr>
-            <p:ph type="title"/>
-          </p:nvPr>
-        </p:nvSpPr>
-        <p:spPr/>
-        <p:txBody>
-          <a:bodyPr/>
-          <a:lstStyle/>
-          <a:p>
-            <a:r>
-              <a:t>6.6. Conexão com User Story no SCRUM</a:t>
-            </a:r>
-          </a:p>
-        </p:txBody>
-      </p:sp>
-      <p:sp>
-        <p:nvSpPr>
-          <p:cNvPr id="3" name="Content Placeholder 2"/>
-          <p:cNvSpPr>
-            <a:spLocks noGrp="1"/>
-          </p:cNvSpPr>
-          <p:nvPr>
-            <p:ph idx="1"/>
-          </p:nvPr>
-        </p:nvSpPr>
-        <p:spPr/>
-        <p:txBody>
-          <a:bodyPr/>
-          <a:lstStyle/>
-          <a:p>
-            <a:r>
-              <a:t>Dentro do framework SCRUM, cada Caso de Uso pode ser decomposto em User Stories que alimentarão o Product Backlog.</a:t>
-            </a:r>
-          </a:p>
-          <a:p>
-            <a:r>
-              <a:t>A hierarquia é:</a:t>
-            </a:r>
-          </a:p>
-          <a:p/>
-          <a:p>
-            <a:r>
-              <a:t>Épico → Feature → User Story → Tasks</a:t>
-            </a:r>
-          </a:p>
-        </p:txBody>
-      </p:sp>
-    </p:spTree>
-  </p:cSld>
-  <p:clrMapOvr>
-    <a:masterClrMapping/>
-  </p:clrMapOvr>
-</p:sld>
-</file>
-
-<file path=ppt/slides/slide31.xml><?xml version="1.0" encoding="utf-8"?>
-<p:sld xmlns:a="http://schemas.openxmlformats.org/drawingml/2006/main" xmlns:p="http://schemas.openxmlformats.org/presentationml/2006/main" xmlns:r="http://schemas.openxmlformats.org/officeDocument/2006/relationships">
-  <p:cSld>
-    <p:spTree>
-      <p:nvGrpSpPr>
-        <p:cNvPr id="1" name=""/>
-        <p:cNvGrpSpPr/>
-        <p:nvPr/>
-      </p:nvGrpSpPr>
-      <p:grpSpPr/>
-      <p:sp>
-        <p:nvSpPr>
-          <p:cNvPr id="2" name="Title 1"/>
-          <p:cNvSpPr>
-            <a:spLocks noGrp="1"/>
-          </p:cNvSpPr>
-          <p:nvPr>
-            <p:ph type="title"/>
-          </p:nvPr>
-        </p:nvSpPr>
-        <p:spPr/>
-        <p:txBody>
-          <a:bodyPr/>
-          <a:lstStyle/>
-          <a:p>
-            <a:r>
-              <a:t>Exemplo: (parte 1)</a:t>
-            </a:r>
-          </a:p>
-        </p:txBody>
-      </p:sp>
-      <p:sp>
-        <p:nvSpPr>
-          <p:cNvPr id="3" name="Content Placeholder 2"/>
-          <p:cNvSpPr>
-            <a:spLocks noGrp="1"/>
-          </p:cNvSpPr>
-          <p:nvPr>
-            <p:ph idx="1"/>
-          </p:nvPr>
-        </p:nvSpPr>
-        <p:spPr/>
-        <p:txBody>
-          <a:bodyPr/>
-          <a:lstStyle/>
-          <a:p>
-            <a:r>
-              <a:t>Épico: Gestão de Pedidos Digitais</a:t>
-            </a:r>
-          </a:p>
-          <a:p>
-            <a:r>
-              <a:t>Feature: Realizar Pedido no Totem</a:t>
-            </a:r>
-          </a:p>
-          <a:p>
-            <a:r>
-              <a:t>User Story:</a:t>
-            </a:r>
-          </a:p>
-          <a:p>
-            <a:r>
-              <a:t>Como cliente, quero registrar meu pedido no totem digital, para que eu possa comprar de forma rápida sem precisar de atendimento humano.</a:t>
-            </a:r>
-          </a:p>
-          <a:p>
-            <a:r>
-              <a:t>Tasks:</a:t>
-            </a:r>
-          </a:p>
-          <a:p/>
-          <a:p>
-            <a:r>
-              <a:t>Criar interface de seleção de itens.</a:t>
-            </a:r>
-          </a:p>
-          <a:p>
-            <a:r>
-              <a:t>Implementar personalização de produtos</a:t>
-            </a:r>
-          </a:p>
-        </p:txBody>
-      </p:sp>
-    </p:spTree>
-  </p:cSld>
-  <p:clrMapOvr>
-    <a:masterClrMapping/>
-  </p:clrMapOvr>
-</p:sld>
-</file>
-
-<file path=ppt/slides/slide32.xml><?xml version="1.0" encoding="utf-8"?>
-<p:sld xmlns:a="http://schemas.openxmlformats.org/drawingml/2006/main" xmlns:p="http://schemas.openxmlformats.org/presentationml/2006/main" xmlns:r="http://schemas.openxmlformats.org/officeDocument/2006/relationships">
-  <p:cSld>
-    <p:spTree>
-      <p:nvGrpSpPr>
-        <p:cNvPr id="1" name=""/>
-        <p:cNvGrpSpPr/>
-        <p:nvPr/>
-      </p:nvGrpSpPr>
-      <p:grpSpPr/>
-      <p:sp>
-        <p:nvSpPr>
-          <p:cNvPr id="2" name="Title 1"/>
-          <p:cNvSpPr>
-            <a:spLocks noGrp="1"/>
-          </p:cNvSpPr>
-          <p:nvPr>
-            <p:ph type="title"/>
-          </p:nvPr>
-        </p:nvSpPr>
-        <p:spPr/>
-        <p:txBody>
-          <a:bodyPr/>
-          <a:lstStyle/>
-          <a:p>
-            <a:r>
-              <a:t>Exemplo: (parte 2)</a:t>
-            </a:r>
-          </a:p>
-        </p:txBody>
-      </p:sp>
-      <p:sp>
-        <p:nvSpPr>
-          <p:cNvPr id="3" name="Content Placeholder 2"/>
-          <p:cNvSpPr>
-            <a:spLocks noGrp="1"/>
-          </p:cNvSpPr>
-          <p:nvPr>
-            <p:ph idx="1"/>
-          </p:nvPr>
-        </p:nvSpPr>
-        <p:spPr/>
-        <p:txBody>
-          <a:bodyPr/>
-          <a:lstStyle/>
-          <a:p>
-            <a:r>
-              <a:t>.</a:t>
-            </a:r>
-          </a:p>
-          <a:p>
-            <a:r>
-              <a:t>Desenvolver integração com sistema de pagamento.</a:t>
-            </a:r>
-          </a:p>
-          <a:p>
-            <a:r>
-              <a:t>Gerar nota fiscal eletrônica.</a:t>
-            </a:r>
-          </a:p>
-          <a:p>
-            <a:r>
-              <a:t>Enviar pedido para cozinha.</a:t>
-            </a:r>
-          </a:p>
-        </p:txBody>
-      </p:sp>
-    </p:spTree>
-  </p:cSld>
-  <p:clrMapOvr>
-    <a:masterClrMapping/>
-  </p:clrMapOvr>
-</p:sld>
-</file>
-
-<file path=ppt/slides/slide33.xml><?xml version="1.0" encoding="utf-8"?>
-<p:sld xmlns:a="http://schemas.openxmlformats.org/drawingml/2006/main" xmlns:p="http://schemas.openxmlformats.org/presentationml/2006/main" xmlns:r="http://schemas.openxmlformats.org/officeDocument/2006/relationships">
-  <p:cSld>
-    <p:spTree>
-      <p:nvGrpSpPr>
-        <p:cNvPr id="1" name=""/>
-        <p:cNvGrpSpPr/>
-        <p:nvPr/>
-      </p:nvGrpSpPr>
-      <p:grpSpPr/>
-      <p:sp>
-        <p:nvSpPr>
-          <p:cNvPr id="2" name="Title 1"/>
-          <p:cNvSpPr>
-            <a:spLocks noGrp="1"/>
-          </p:cNvSpPr>
-          <p:nvPr>
-            <p:ph type="title"/>
-          </p:nvPr>
-        </p:nvSpPr>
-        <p:spPr/>
-        <p:txBody>
-          <a:bodyPr/>
-          <a:lstStyle/>
-          <a:p>
-            <a:r>
-              <a:t>6.7. Aplicações Práticas</a:t>
-            </a:r>
-          </a:p>
-        </p:txBody>
-      </p:sp>
-      <p:sp>
-        <p:nvSpPr>
-          <p:cNvPr id="3" name="Content Placeholder 2"/>
-          <p:cNvSpPr>
-            <a:spLocks noGrp="1"/>
-          </p:cNvSpPr>
-          <p:nvPr>
-            <p:ph idx="1"/>
-          </p:nvPr>
-        </p:nvSpPr>
-        <p:spPr/>
-        <p:txBody>
-          <a:bodyPr/>
-          <a:lstStyle/>
-          <a:p>
-            <a:r>
-              <a:t>Facilita comunicação entre equipe e stakeholders.</a:t>
-            </a:r>
-          </a:p>
-          <a:p>
-            <a:r>
-              <a:t>Define funcionalidades claras para o backlog do projeto.</a:t>
-            </a:r>
-          </a:p>
-          <a:p>
-            <a:r>
-              <a:t>Serve como base para criação de User Stories em SCRUM.</a:t>
-            </a:r>
-          </a:p>
-          <a:p>
-            <a:r>
-              <a:t>Ajuda na validação dos requisitos junto ao cliente.</a:t>
-            </a:r>
-          </a:p>
-          <a:p>
-            <a:r>
-              <a:t>Permite rastrear do Caso de Uso → User Story → Tarefas, garantindo cobertura.</a:t>
-            </a:r>
-          </a:p>
-        </p:txBody>
-      </p:sp>
+            <p:extLst>
+              <p:ext uri="{D42A27DB-BD31-4B8C-83A1-F6EECF244321}">
+                <p14:modId xmlns:p14="http://schemas.microsoft.com/office/powerpoint/2010/main" val="43061104"/>
+              </p:ext>
+            </p:extLst>
+          </p:nvPr>
+        </p:nvGraphicFramePr>
+        <p:xfrm>
+          <a:off x="822325" y="1846263"/>
+          <a:ext cx="7543800" cy="3383280"/>
+        </p:xfrm>
+        <a:graphic>
+          <a:graphicData uri="http://schemas.openxmlformats.org/drawingml/2006/table">
+            <a:tbl>
+              <a:tblPr firstRow="1" bandRow="1">
+                <a:tableStyleId>{5C22544A-7EE6-4342-B048-85BDC9FD1C3A}</a:tableStyleId>
+              </a:tblPr>
+              <a:tblGrid>
+                <a:gridCol w="2844419">
+                  <a:extLst>
+                    <a:ext uri="{9D8B030D-6E8A-4147-A177-3AD203B41FA5}">
+                      <a16:colId xmlns:a16="http://schemas.microsoft.com/office/drawing/2014/main" val="3527695733"/>
+                    </a:ext>
+                  </a:extLst>
+                </a:gridCol>
+                <a:gridCol w="4699381">
+                  <a:extLst>
+                    <a:ext uri="{9D8B030D-6E8A-4147-A177-3AD203B41FA5}">
+                      <a16:colId xmlns:a16="http://schemas.microsoft.com/office/drawing/2014/main" val="2574402106"/>
+                    </a:ext>
+                  </a:extLst>
+                </a:gridCol>
+              </a:tblGrid>
+              <a:tr h="370840">
+                <a:tc>
+                  <a:txBody>
+                    <a:bodyPr/>
+                    <a:lstStyle/>
+                    <a:p>
+                      <a:pPr>
+                        <a:buNone/>
+                      </a:pPr>
+                      <a:r>
+                        <a:rPr lang="en-US" b="1">
+                          <a:effectLst/>
+                        </a:rPr>
+                        <a:t>Campo</a:t>
+                      </a:r>
+                    </a:p>
+                  </a:txBody>
+                  <a:tcPr marL="123825" marR="123825" marT="57150" marB="57150" anchor="ctr"/>
+                </a:tc>
+                <a:tc>
+                  <a:txBody>
+                    <a:bodyPr/>
+                    <a:lstStyle/>
+                    <a:p>
+                      <a:pPr>
+                        <a:buNone/>
+                      </a:pPr>
+                      <a:r>
+                        <a:rPr lang="en-US" b="1">
+                          <a:effectLst/>
+                        </a:rPr>
+                        <a:t>Descrição</a:t>
+                      </a:r>
+                    </a:p>
+                  </a:txBody>
+                  <a:tcPr marL="123825" marR="123825" marT="57150" marB="57150" anchor="ctr"/>
+                </a:tc>
+                <a:extLst>
+                  <a:ext uri="{0D108BD9-81ED-4DB2-BD59-A6C34878D82A}">
+                    <a16:rowId xmlns:a16="http://schemas.microsoft.com/office/drawing/2014/main" val="1657136235"/>
+                  </a:ext>
+                </a:extLst>
+              </a:tr>
+              <a:tr h="370840">
+                <a:tc>
+                  <a:txBody>
+                    <a:bodyPr/>
+                    <a:lstStyle/>
+                    <a:p>
+                      <a:pPr>
+                        <a:buNone/>
+                      </a:pPr>
+                      <a:r>
+                        <a:rPr lang="pt-BR" b="1">
+                          <a:effectLst/>
+                        </a:rPr>
+                        <a:t>Nome do Caso de Uso</a:t>
+                      </a:r>
+                      <a:endParaRPr lang="pt-BR">
+                        <a:effectLst/>
+                      </a:endParaRPr>
+                    </a:p>
+                  </a:txBody>
+                  <a:tcPr marL="123825" marR="123825" marT="57150" marB="57150" anchor="ctr"/>
+                </a:tc>
+                <a:tc>
+                  <a:txBody>
+                    <a:bodyPr/>
+                    <a:lstStyle/>
+                    <a:p>
+                      <a:pPr>
+                        <a:buNone/>
+                      </a:pPr>
+                      <a:r>
+                        <a:rPr lang="en-US">
+                          <a:effectLst/>
+                        </a:rPr>
+                        <a:t>Identificação da funcionalidade.</a:t>
+                      </a:r>
+                    </a:p>
+                  </a:txBody>
+                  <a:tcPr marL="123825" marR="123825" marT="57150" marB="57150" anchor="ctr"/>
+                </a:tc>
+                <a:extLst>
+                  <a:ext uri="{0D108BD9-81ED-4DB2-BD59-A6C34878D82A}">
+                    <a16:rowId xmlns:a16="http://schemas.microsoft.com/office/drawing/2014/main" val="3667006431"/>
+                  </a:ext>
+                </a:extLst>
+              </a:tr>
+              <a:tr h="370840">
+                <a:tc>
+                  <a:txBody>
+                    <a:bodyPr/>
+                    <a:lstStyle/>
+                    <a:p>
+                      <a:pPr>
+                        <a:buNone/>
+                      </a:pPr>
+                      <a:r>
+                        <a:rPr lang="en-US" b="1">
+                          <a:effectLst/>
+                        </a:rPr>
+                        <a:t>Atores Envolvidos</a:t>
+                      </a:r>
+                      <a:endParaRPr lang="en-US">
+                        <a:effectLst/>
+                      </a:endParaRPr>
+                    </a:p>
+                  </a:txBody>
+                  <a:tcPr marL="123825" marR="123825" marT="57150" marB="57150" anchor="ctr"/>
+                </a:tc>
+                <a:tc>
+                  <a:txBody>
+                    <a:bodyPr/>
+                    <a:lstStyle/>
+                    <a:p>
+                      <a:pPr>
+                        <a:buNone/>
+                      </a:pPr>
+                      <a:r>
+                        <a:rPr lang="pt-BR">
+                          <a:effectLst/>
+                        </a:rPr>
+                        <a:t>Primários e secundários que interagem com o sistema.</a:t>
+                      </a:r>
+                    </a:p>
+                  </a:txBody>
+                  <a:tcPr marL="123825" marR="123825" marT="57150" marB="57150" anchor="ctr"/>
+                </a:tc>
+                <a:extLst>
+                  <a:ext uri="{0D108BD9-81ED-4DB2-BD59-A6C34878D82A}">
+                    <a16:rowId xmlns:a16="http://schemas.microsoft.com/office/drawing/2014/main" val="4030183119"/>
+                  </a:ext>
+                </a:extLst>
+              </a:tr>
+              <a:tr h="370840">
+                <a:tc>
+                  <a:txBody>
+                    <a:bodyPr/>
+                    <a:lstStyle/>
+                    <a:p>
+                      <a:pPr>
+                        <a:buNone/>
+                      </a:pPr>
+                      <a:r>
+                        <a:rPr lang="en-US" b="1">
+                          <a:effectLst/>
+                        </a:rPr>
+                        <a:t>Objetivo</a:t>
+                      </a:r>
+                      <a:endParaRPr lang="en-US">
+                        <a:effectLst/>
+                      </a:endParaRPr>
+                    </a:p>
+                  </a:txBody>
+                  <a:tcPr marL="123825" marR="123825" marT="57150" marB="57150" anchor="ctr"/>
+                </a:tc>
+                <a:tc>
+                  <a:txBody>
+                    <a:bodyPr/>
+                    <a:lstStyle/>
+                    <a:p>
+                      <a:pPr>
+                        <a:buNone/>
+                      </a:pPr>
+                      <a:r>
+                        <a:rPr lang="en-US">
+                          <a:effectLst/>
+                        </a:rPr>
+                        <a:t>Resultado de valor esperado pelo ator principal.</a:t>
+                      </a:r>
+                    </a:p>
+                  </a:txBody>
+                  <a:tcPr marL="123825" marR="123825" marT="57150" marB="57150" anchor="ctr"/>
+                </a:tc>
+                <a:extLst>
+                  <a:ext uri="{0D108BD9-81ED-4DB2-BD59-A6C34878D82A}">
+                    <a16:rowId xmlns:a16="http://schemas.microsoft.com/office/drawing/2014/main" val="1105667208"/>
+                  </a:ext>
+                </a:extLst>
+              </a:tr>
+              <a:tr h="370840">
+                <a:tc>
+                  <a:txBody>
+                    <a:bodyPr/>
+                    <a:lstStyle/>
+                    <a:p>
+                      <a:pPr>
+                        <a:buNone/>
+                      </a:pPr>
+                      <a:r>
+                        <a:rPr lang="en-US" b="1">
+                          <a:effectLst/>
+                        </a:rPr>
+                        <a:t>Pré-condições</a:t>
+                      </a:r>
+                      <a:endParaRPr lang="en-US">
+                        <a:effectLst/>
+                      </a:endParaRPr>
+                    </a:p>
+                  </a:txBody>
+                  <a:tcPr marL="123825" marR="123825" marT="57150" marB="57150" anchor="ctr"/>
+                </a:tc>
+                <a:tc>
+                  <a:txBody>
+                    <a:bodyPr/>
+                    <a:lstStyle/>
+                    <a:p>
+                      <a:pPr>
+                        <a:buNone/>
+                      </a:pPr>
+                      <a:r>
+                        <a:rPr lang="pt-BR">
+                          <a:effectLst/>
+                        </a:rPr>
+                        <a:t>O que deve estar válido antes do início.</a:t>
+                      </a:r>
+                    </a:p>
+                  </a:txBody>
+                  <a:tcPr marL="123825" marR="123825" marT="57150" marB="57150" anchor="ctr"/>
+                </a:tc>
+                <a:extLst>
+                  <a:ext uri="{0D108BD9-81ED-4DB2-BD59-A6C34878D82A}">
+                    <a16:rowId xmlns:a16="http://schemas.microsoft.com/office/drawing/2014/main" val="3837917589"/>
+                  </a:ext>
+                </a:extLst>
+              </a:tr>
+              <a:tr h="370840">
+                <a:tc>
+                  <a:txBody>
+                    <a:bodyPr/>
+                    <a:lstStyle/>
+                    <a:p>
+                      <a:pPr>
+                        <a:buNone/>
+                      </a:pPr>
+                      <a:r>
+                        <a:rPr lang="en-US" b="1">
+                          <a:effectLst/>
+                        </a:rPr>
+                        <a:t>Fluxo Principal</a:t>
+                      </a:r>
+                      <a:endParaRPr lang="en-US">
+                        <a:effectLst/>
+                      </a:endParaRPr>
+                    </a:p>
+                  </a:txBody>
+                  <a:tcPr marL="123825" marR="123825" marT="57150" marB="57150" anchor="ctr"/>
+                </a:tc>
+                <a:tc>
+                  <a:txBody>
+                    <a:bodyPr/>
+                    <a:lstStyle/>
+                    <a:p>
+                      <a:pPr>
+                        <a:buNone/>
+                      </a:pPr>
+                      <a:r>
+                        <a:rPr lang="pt-BR">
+                          <a:effectLst/>
+                        </a:rPr>
+                        <a:t>Passos sequenciais do cenário ideal.</a:t>
+                      </a:r>
+                    </a:p>
+                  </a:txBody>
+                  <a:tcPr marL="123825" marR="123825" marT="57150" marB="57150" anchor="ctr"/>
+                </a:tc>
+                <a:extLst>
+                  <a:ext uri="{0D108BD9-81ED-4DB2-BD59-A6C34878D82A}">
+                    <a16:rowId xmlns:a16="http://schemas.microsoft.com/office/drawing/2014/main" val="925961264"/>
+                  </a:ext>
+                </a:extLst>
+              </a:tr>
+              <a:tr h="370840">
+                <a:tc>
+                  <a:txBody>
+                    <a:bodyPr/>
+                    <a:lstStyle/>
+                    <a:p>
+                      <a:pPr>
+                        <a:buNone/>
+                      </a:pPr>
+                      <a:r>
+                        <a:rPr lang="en-US" b="1">
+                          <a:effectLst/>
+                        </a:rPr>
+                        <a:t>Fluxos Alternativos</a:t>
+                      </a:r>
+                      <a:endParaRPr lang="en-US">
+                        <a:effectLst/>
+                      </a:endParaRPr>
+                    </a:p>
+                  </a:txBody>
+                  <a:tcPr marL="123825" marR="123825" marT="57150" marB="57150" anchor="ctr"/>
+                </a:tc>
+                <a:tc>
+                  <a:txBody>
+                    <a:bodyPr/>
+                    <a:lstStyle/>
+                    <a:p>
+                      <a:pPr>
+                        <a:buNone/>
+                      </a:pPr>
+                      <a:r>
+                        <a:rPr lang="en-US">
+                          <a:effectLst/>
+                        </a:rPr>
+                        <a:t>Exceções ou caminhos opcionais.</a:t>
+                      </a:r>
+                    </a:p>
+                  </a:txBody>
+                  <a:tcPr marL="123825" marR="123825" marT="57150" marB="57150" anchor="ctr"/>
+                </a:tc>
+                <a:extLst>
+                  <a:ext uri="{0D108BD9-81ED-4DB2-BD59-A6C34878D82A}">
+                    <a16:rowId xmlns:a16="http://schemas.microsoft.com/office/drawing/2014/main" val="4283439321"/>
+                  </a:ext>
+                </a:extLst>
+              </a:tr>
+              <a:tr h="370840">
+                <a:tc>
+                  <a:txBody>
+                    <a:bodyPr/>
+                    <a:lstStyle/>
+                    <a:p>
+                      <a:pPr>
+                        <a:buNone/>
+                      </a:pPr>
+                      <a:r>
+                        <a:rPr lang="en-US" b="1">
+                          <a:effectLst/>
+                        </a:rPr>
+                        <a:t>Pós-condições</a:t>
+                      </a:r>
+                      <a:endParaRPr lang="en-US">
+                        <a:effectLst/>
+                      </a:endParaRPr>
+                    </a:p>
+                  </a:txBody>
+                  <a:tcPr marL="123825" marR="123825" marT="57150" marB="57150" anchor="ctr"/>
+                </a:tc>
+                <a:tc>
+                  <a:txBody>
+                    <a:bodyPr/>
+                    <a:lstStyle/>
+                    <a:p>
+                      <a:pPr>
+                        <a:buNone/>
+                      </a:pPr>
+                      <a:r>
+                        <a:rPr lang="pt-BR" dirty="0">
+                          <a:effectLst/>
+                        </a:rPr>
+                        <a:t>Estado final do sistema após execução.</a:t>
+                      </a:r>
+                    </a:p>
+                  </a:txBody>
+                  <a:tcPr marL="123825" marR="123825" marT="57150" marB="57150" anchor="ctr"/>
+                </a:tc>
+                <a:extLst>
+                  <a:ext uri="{0D108BD9-81ED-4DB2-BD59-A6C34878D82A}">
+                    <a16:rowId xmlns:a16="http://schemas.microsoft.com/office/drawing/2014/main" val="1964493231"/>
+                  </a:ext>
+                </a:extLst>
+              </a:tr>
+            </a:tbl>
+          </a:graphicData>
+        </a:graphic>
+      </p:graphicFrame>
     </p:spTree>
   </p:cSld>
   <p:clrMapOvr>
@@ -4970,7 +4812,7 @@
 </file>
 
 <file path=ppt/slides/slide4.xml><?xml version="1.0" encoding="utf-8"?>
-<p:sld xmlns:a="http://schemas.openxmlformats.org/drawingml/2006/main" xmlns:p="http://schemas.openxmlformats.org/presentationml/2006/main" xmlns:r="http://schemas.openxmlformats.org/officeDocument/2006/relationships">
+<p:sld xmlns:a="http://schemas.openxmlformats.org/drawingml/2006/main" xmlns:r="http://schemas.openxmlformats.org/officeDocument/2006/relationships" xmlns:p="http://schemas.openxmlformats.org/presentationml/2006/main">
   <p:cSld>
     <p:spTree>
       <p:nvGrpSpPr>
@@ -4978,7 +4820,14 @@
         <p:cNvGrpSpPr/>
         <p:nvPr/>
       </p:nvGrpSpPr>
-      <p:grpSpPr/>
+      <p:grpSpPr>
+        <a:xfrm>
+          <a:off x="0" y="0"/>
+          <a:ext cx="0" cy="0"/>
+          <a:chOff x="0" y="0"/>
+          <a:chExt cx="0" cy="0"/>
+        </a:xfrm>
+      </p:grpSpPr>
       <p:sp>
         <p:nvSpPr>
           <p:cNvPr id="2" name="Title 1"/>
@@ -4995,8 +4844,30 @@
           <a:lstStyle/>
           <a:p>
             <a:r>
-              <a:t>6.2. Estrutura Textual do Caso de Uso (parte 1)</a:t>
-            </a:r>
+              <a:rPr dirty="0"/>
+              <a:t>3. </a:t>
+            </a:r>
+            <a:r>
+              <a:rPr dirty="0" err="1"/>
+              <a:t>Exemplo</a:t>
+            </a:r>
+            <a:r>
+              <a:rPr dirty="0"/>
+              <a:t> de Caso de Uso – </a:t>
+            </a:r>
+            <a:r>
+              <a:rPr dirty="0" err="1"/>
+              <a:t>Realizar</a:t>
+            </a:r>
+            <a:r>
+              <a:rPr dirty="0"/>
+              <a:t> </a:t>
+            </a:r>
+            <a:r>
+              <a:rPr dirty="0" err="1"/>
+              <a:t>Pedido</a:t>
+            </a:r>
+            <a:endParaRPr dirty="0"/>
           </a:p>
         </p:txBody>
       </p:sp>
@@ -5016,22 +4887,52 @@
           <a:lstStyle/>
           <a:p>
             <a:r>
-              <a:t>| Campo               | Descrição                                        |</a:t>
-            </a:r>
-          </a:p>
-          <a:p>
-            <a:r>
-              <a:t>| ----------------------- | ---------------------------------------------------- |</a:t>
-            </a:r>
-          </a:p>
-          <a:p>
-            <a:r>
-              <a:t>| Nome do Caso de Uso | Identificação da funcionalidade.                     |</a:t>
-            </a:r>
-          </a:p>
-          <a:p>
-            <a:r>
-              <a:t>| Atores Envolvidos   | Primários e secundários que interagem c</a:t>
+              <a:rPr lang="pt-BR" b="1" dirty="0"/>
+              <a:t>Nome:</a:t>
+            </a:r>
+            <a:r>
+              <a:rPr lang="pt-BR" dirty="0"/>
+              <a:t> Realizar Pedido</a:t>
+            </a:r>
+          </a:p>
+          <a:p>
+            <a:r>
+              <a:rPr lang="pt-BR" b="1" dirty="0"/>
+              <a:t>Ator Principal:</a:t>
+            </a:r>
+            <a:r>
+              <a:rPr lang="pt-BR" dirty="0"/>
+              <a:t> Cliente</a:t>
+            </a:r>
+          </a:p>
+          <a:p>
+            <a:r>
+              <a:rPr lang="pt-BR" b="1" dirty="0"/>
+              <a:t>Objetivo:</a:t>
+            </a:r>
+            <a:r>
+              <a:rPr lang="pt-BR" dirty="0"/>
+              <a:t> Permitir ao cliente realizar um pedido utilizando o totem digital.</a:t>
+            </a:r>
+          </a:p>
+          <a:p>
+            <a:r>
+              <a:rPr lang="pt-BR" b="1" dirty="0"/>
+              <a:t>Pré-condições:</a:t>
+            </a:r>
+            <a:r>
+              <a:rPr lang="pt-BR" dirty="0"/>
+              <a:t> Cliente deve estar na interface inicial do totem.</a:t>
+            </a:r>
+          </a:p>
+          <a:p>
+            <a:r>
+              <a:rPr lang="pt-BR" b="1" dirty="0"/>
+              <a:t>Pós-condições:</a:t>
+            </a:r>
+            <a:r>
+              <a:rPr lang="pt-BR" dirty="0"/>
+              <a:t> Pedido registrado, enviado para a cozinha e pagamento confirmado.</a:t>
             </a:r>
           </a:p>
         </p:txBody>
@@ -5045,18 +4946,37 @@
 </file>
 
 <file path=ppt/slides/slide5.xml><?xml version="1.0" encoding="utf-8"?>
-<p:sld xmlns:a="http://schemas.openxmlformats.org/drawingml/2006/main" xmlns:p="http://schemas.openxmlformats.org/presentationml/2006/main" xmlns:r="http://schemas.openxmlformats.org/officeDocument/2006/relationships">
+<p:sld xmlns:a="http://schemas.openxmlformats.org/drawingml/2006/main" xmlns:r="http://schemas.openxmlformats.org/officeDocument/2006/relationships" xmlns:p="http://schemas.openxmlformats.org/presentationml/2006/main">
   <p:cSld>
     <p:spTree>
       <p:nvGrpSpPr>
-        <p:cNvPr id="1" name=""/>
+        <p:cNvPr id="1" name="">
+          <a:extLst>
+            <a:ext uri="{FF2B5EF4-FFF2-40B4-BE49-F238E27FC236}">
+              <a16:creationId xmlns:a16="http://schemas.microsoft.com/office/drawing/2014/main" id="{32A411EC-B6E5-08CE-81EA-0911E3174905}"/>
+            </a:ext>
+          </a:extLst>
+        </p:cNvPr>
         <p:cNvGrpSpPr/>
         <p:nvPr/>
       </p:nvGrpSpPr>
-      <p:grpSpPr/>
-      <p:sp>
-        <p:nvSpPr>
-          <p:cNvPr id="2" name="Title 1"/>
+      <p:grpSpPr>
+        <a:xfrm>
+          <a:off x="0" y="0"/>
+          <a:ext cx="0" cy="0"/>
+          <a:chOff x="0" y="0"/>
+          <a:chExt cx="0" cy="0"/>
+        </a:xfrm>
+      </p:grpSpPr>
+      <p:sp>
+        <p:nvSpPr>
+          <p:cNvPr id="2" name="Title 1">
+            <a:extLst>
+              <a:ext uri="{FF2B5EF4-FFF2-40B4-BE49-F238E27FC236}">
+                <a16:creationId xmlns:a16="http://schemas.microsoft.com/office/drawing/2014/main" id="{D8D0CAA9-B3A8-9DDC-8A88-5F03DEC04A30}"/>
+              </a:ext>
+            </a:extLst>
+          </p:cNvPr>
           <p:cNvSpPr>
             <a:spLocks noGrp="1"/>
           </p:cNvSpPr>
@@ -5070,53 +4990,700 @@
           <a:lstStyle/>
           <a:p>
             <a:r>
-              <a:t>6.2. Estrutura Textual do Caso de Uso (parte 2)</a:t>
-            </a:r>
-          </a:p>
-        </p:txBody>
-      </p:sp>
-      <p:sp>
-        <p:nvSpPr>
-          <p:cNvPr id="3" name="Content Placeholder 2"/>
-          <p:cNvSpPr>
-            <a:spLocks noGrp="1"/>
-          </p:cNvSpPr>
+              <a:t>Fluxo Principal</a:t>
+            </a:r>
+          </a:p>
+        </p:txBody>
+      </p:sp>
+      <p:graphicFrame>
+        <p:nvGraphicFramePr>
+          <p:cNvPr id="6" name="Content Placeholder 5">
+            <a:extLst>
+              <a:ext uri="{FF2B5EF4-FFF2-40B4-BE49-F238E27FC236}">
+                <a16:creationId xmlns:a16="http://schemas.microsoft.com/office/drawing/2014/main" id="{35771B03-F02D-E67E-A59A-EFD88B5D2DEA}"/>
+              </a:ext>
+            </a:extLst>
+          </p:cNvPr>
+          <p:cNvGraphicFramePr>
+            <a:graphicFrameLocks noGrp="1"/>
+          </p:cNvGraphicFramePr>
           <p:nvPr>
             <p:ph idx="1"/>
           </p:nvPr>
-        </p:nvSpPr>
-        <p:spPr/>
-        <p:txBody>
-          <a:bodyPr/>
-          <a:lstStyle/>
-          <a:p>
-            <a:r>
-              <a:t>om o sistema. |</a:t>
-            </a:r>
-          </a:p>
-          <a:p>
-            <a:r>
-              <a:t>| Objetivo            | Resultado de valor esperado pelo ator principal.     |</a:t>
-            </a:r>
-          </a:p>
-          <a:p>
-            <a:r>
-              <a:t>| Pré-condições       | O que deve estar válido antes do início.             |</a:t>
-            </a:r>
-          </a:p>
-          <a:p>
-            <a:r>
-              <a:t>| Fluxo Principal     | Passos sequenciais do cenário ideal.                 |</a:t>
-            </a:r>
-          </a:p>
-          <a:p>
-            <a:r>
-              <a:t>| Fluxos Alternativos | Exceções ou caminhos op</a:t>
-            </a:r>
-          </a:p>
-        </p:txBody>
-      </p:sp>
+        </p:nvGraphicFramePr>
+        <p:xfrm>
+          <a:off x="822325" y="1846263"/>
+          <a:ext cx="7543800" cy="4320540"/>
+        </p:xfrm>
+        <a:graphic>
+          <a:graphicData uri="http://schemas.openxmlformats.org/drawingml/2006/table">
+            <a:tbl>
+              <a:tblPr firstRow="1" bandRow="1">
+                <a:tableStyleId>{5C22544A-7EE6-4342-B048-85BDC9FD1C3A}</a:tableStyleId>
+              </a:tblPr>
+              <a:tblGrid>
+                <a:gridCol w="841883">
+                  <a:extLst>
+                    <a:ext uri="{9D8B030D-6E8A-4147-A177-3AD203B41FA5}">
+                      <a16:colId xmlns:a16="http://schemas.microsoft.com/office/drawing/2014/main" val="4014288523"/>
+                    </a:ext>
+                  </a:extLst>
+                </a:gridCol>
+                <a:gridCol w="3163824">
+                  <a:extLst>
+                    <a:ext uri="{9D8B030D-6E8A-4147-A177-3AD203B41FA5}">
+                      <a16:colId xmlns:a16="http://schemas.microsoft.com/office/drawing/2014/main" val="2543457297"/>
+                    </a:ext>
+                  </a:extLst>
+                </a:gridCol>
+                <a:gridCol w="3538093">
+                  <a:extLst>
+                    <a:ext uri="{9D8B030D-6E8A-4147-A177-3AD203B41FA5}">
+                      <a16:colId xmlns:a16="http://schemas.microsoft.com/office/drawing/2014/main" val="800163442"/>
+                    </a:ext>
+                  </a:extLst>
+                </a:gridCol>
+              </a:tblGrid>
+              <a:tr h="370840">
+                <a:tc>
+                  <a:txBody>
+                    <a:bodyPr/>
+                    <a:lstStyle/>
+                    <a:p>
+                      <a:pPr>
+                        <a:buNone/>
+                      </a:pPr>
+                      <a:r>
+                        <a:rPr lang="en-US" b="1">
+                          <a:effectLst/>
+                        </a:rPr>
+                        <a:t>Passo</a:t>
+                      </a:r>
+                    </a:p>
+                  </a:txBody>
+                  <a:tcPr marL="123825" marR="123825" marT="57150" marB="57150" anchor="ctr"/>
+                </a:tc>
+                <a:tc>
+                  <a:txBody>
+                    <a:bodyPr/>
+                    <a:lstStyle/>
+                    <a:p>
+                      <a:pPr>
+                        <a:buNone/>
+                      </a:pPr>
+                      <a:r>
+                        <a:rPr lang="en-US" b="1">
+                          <a:effectLst/>
+                        </a:rPr>
+                        <a:t>Ator Principal (Cliente)</a:t>
+                      </a:r>
+                    </a:p>
+                  </a:txBody>
+                  <a:tcPr marL="123825" marR="123825" marT="57150" marB="57150" anchor="ctr"/>
+                </a:tc>
+                <a:tc>
+                  <a:txBody>
+                    <a:bodyPr/>
+                    <a:lstStyle/>
+                    <a:p>
+                      <a:pPr>
+                        <a:buNone/>
+                      </a:pPr>
+                      <a:r>
+                        <a:rPr lang="en-US" b="1">
+                          <a:effectLst/>
+                        </a:rPr>
+                        <a:t>Sistema</a:t>
+                      </a:r>
+                    </a:p>
+                  </a:txBody>
+                  <a:tcPr marL="123825" marR="123825" marT="57150" marB="57150" anchor="ctr"/>
+                </a:tc>
+                <a:extLst>
+                  <a:ext uri="{0D108BD9-81ED-4DB2-BD59-A6C34878D82A}">
+                    <a16:rowId xmlns:a16="http://schemas.microsoft.com/office/drawing/2014/main" val="4014732786"/>
+                  </a:ext>
+                </a:extLst>
+              </a:tr>
+              <a:tr h="370840">
+                <a:tc>
+                  <a:txBody>
+                    <a:bodyPr/>
+                    <a:lstStyle/>
+                    <a:p>
+                      <a:pPr>
+                        <a:buNone/>
+                      </a:pPr>
+                      <a:r>
+                        <a:rPr lang="en-US">
+                          <a:effectLst/>
+                        </a:rPr>
+                        <a:t>1</a:t>
+                      </a:r>
+                    </a:p>
+                  </a:txBody>
+                  <a:tcPr marL="123825" marR="123825" marT="57150" marB="57150" anchor="ctr"/>
+                </a:tc>
+                <a:tc>
+                  <a:txBody>
+                    <a:bodyPr/>
+                    <a:lstStyle/>
+                    <a:p>
+                      <a:pPr>
+                        <a:buNone/>
+                      </a:pPr>
+                      <a:r>
+                        <a:rPr lang="en-US">
+                          <a:effectLst/>
+                        </a:rPr>
+                        <a:t>Visualiza o cardápio</a:t>
+                      </a:r>
+                    </a:p>
+                  </a:txBody>
+                  <a:tcPr marL="123825" marR="123825" marT="57150" marB="57150" anchor="ctr"/>
+                </a:tc>
+                <a:tc>
+                  <a:txBody>
+                    <a:bodyPr/>
+                    <a:lstStyle/>
+                    <a:p>
+                      <a:pPr>
+                        <a:buNone/>
+                      </a:pPr>
+                      <a:r>
+                        <a:rPr lang="en-US" dirty="0" err="1">
+                          <a:effectLst/>
+                        </a:rPr>
+                        <a:t>Exibe</a:t>
+                      </a:r>
+                      <a:r>
+                        <a:rPr lang="en-US" dirty="0">
+                          <a:effectLst/>
+                        </a:rPr>
+                        <a:t> o </a:t>
+                      </a:r>
+                      <a:r>
+                        <a:rPr lang="en-US" dirty="0" err="1">
+                          <a:effectLst/>
+                        </a:rPr>
+                        <a:t>cardápio</a:t>
+                      </a:r>
+                      <a:r>
+                        <a:rPr lang="en-US" dirty="0">
+                          <a:effectLst/>
+                        </a:rPr>
+                        <a:t> </a:t>
+                      </a:r>
+                      <a:r>
+                        <a:rPr lang="en-US" dirty="0" err="1">
+                          <a:effectLst/>
+                        </a:rPr>
+                        <a:t>disponível</a:t>
+                      </a:r>
+                      <a:endParaRPr lang="en-US" dirty="0">
+                        <a:effectLst/>
+                      </a:endParaRPr>
+                    </a:p>
+                  </a:txBody>
+                  <a:tcPr marL="123825" marR="123825" marT="57150" marB="57150" anchor="ctr"/>
+                </a:tc>
+                <a:extLst>
+                  <a:ext uri="{0D108BD9-81ED-4DB2-BD59-A6C34878D82A}">
+                    <a16:rowId xmlns:a16="http://schemas.microsoft.com/office/drawing/2014/main" val="1354796587"/>
+                  </a:ext>
+                </a:extLst>
+              </a:tr>
+              <a:tr h="370840">
+                <a:tc>
+                  <a:txBody>
+                    <a:bodyPr/>
+                    <a:lstStyle/>
+                    <a:p>
+                      <a:pPr>
+                        <a:buNone/>
+                      </a:pPr>
+                      <a:r>
+                        <a:rPr lang="en-US">
+                          <a:effectLst/>
+                        </a:rPr>
+                        <a:t>2</a:t>
+                      </a:r>
+                    </a:p>
+                  </a:txBody>
+                  <a:tcPr marL="123825" marR="123825" marT="57150" marB="57150" anchor="ctr"/>
+                </a:tc>
+                <a:tc>
+                  <a:txBody>
+                    <a:bodyPr/>
+                    <a:lstStyle/>
+                    <a:p>
+                      <a:pPr>
+                        <a:buNone/>
+                      </a:pPr>
+                      <a:r>
+                        <a:rPr lang="en-US" dirty="0" err="1">
+                          <a:effectLst/>
+                        </a:rPr>
+                        <a:t>Seleciona</a:t>
+                      </a:r>
+                      <a:r>
+                        <a:rPr lang="en-US" dirty="0">
+                          <a:effectLst/>
+                        </a:rPr>
+                        <a:t> </a:t>
+                      </a:r>
+                      <a:r>
+                        <a:rPr lang="en-US" dirty="0" err="1">
+                          <a:effectLst/>
+                        </a:rPr>
+                        <a:t>itens</a:t>
+                      </a:r>
+                      <a:r>
+                        <a:rPr lang="en-US" dirty="0">
+                          <a:effectLst/>
+                        </a:rPr>
+                        <a:t> </a:t>
+                      </a:r>
+                      <a:r>
+                        <a:rPr lang="en-US" dirty="0" err="1">
+                          <a:effectLst/>
+                        </a:rPr>
+                        <a:t>desejados</a:t>
+                      </a:r>
+                      <a:endParaRPr lang="en-US" dirty="0">
+                        <a:effectLst/>
+                      </a:endParaRPr>
+                    </a:p>
+                  </a:txBody>
+                  <a:tcPr marL="123825" marR="123825" marT="57150" marB="57150" anchor="ctr"/>
+                </a:tc>
+                <a:tc>
+                  <a:txBody>
+                    <a:bodyPr/>
+                    <a:lstStyle/>
+                    <a:p>
+                      <a:pPr>
+                        <a:buNone/>
+                      </a:pPr>
+                      <a:r>
+                        <a:rPr lang="en-US" dirty="0" err="1">
+                          <a:effectLst/>
+                        </a:rPr>
+                        <a:t>Registra</a:t>
+                      </a:r>
+                      <a:r>
+                        <a:rPr lang="en-US" dirty="0">
+                          <a:effectLst/>
+                        </a:rPr>
+                        <a:t> </a:t>
+                      </a:r>
+                      <a:r>
+                        <a:rPr lang="en-US" dirty="0" err="1">
+                          <a:effectLst/>
+                        </a:rPr>
+                        <a:t>itens</a:t>
+                      </a:r>
+                      <a:r>
+                        <a:rPr lang="en-US" dirty="0">
+                          <a:effectLst/>
+                        </a:rPr>
+                        <a:t> </a:t>
+                      </a:r>
+                      <a:r>
+                        <a:rPr lang="en-US" dirty="0" err="1">
+                          <a:effectLst/>
+                        </a:rPr>
+                        <a:t>escolhidos</a:t>
+                      </a:r>
+                      <a:endParaRPr lang="en-US" dirty="0">
+                        <a:effectLst/>
+                      </a:endParaRPr>
+                    </a:p>
+                  </a:txBody>
+                  <a:tcPr marL="123825" marR="123825" marT="57150" marB="57150" anchor="ctr"/>
+                </a:tc>
+                <a:extLst>
+                  <a:ext uri="{0D108BD9-81ED-4DB2-BD59-A6C34878D82A}">
+                    <a16:rowId xmlns:a16="http://schemas.microsoft.com/office/drawing/2014/main" val="3616343374"/>
+                  </a:ext>
+                </a:extLst>
+              </a:tr>
+              <a:tr h="370840">
+                <a:tc>
+                  <a:txBody>
+                    <a:bodyPr/>
+                    <a:lstStyle/>
+                    <a:p>
+                      <a:pPr>
+                        <a:buNone/>
+                      </a:pPr>
+                      <a:r>
+                        <a:rPr lang="en-US">
+                          <a:effectLst/>
+                        </a:rPr>
+                        <a:t>3</a:t>
+                      </a:r>
+                    </a:p>
+                  </a:txBody>
+                  <a:tcPr marL="123825" marR="123825" marT="57150" marB="57150" anchor="ctr"/>
+                </a:tc>
+                <a:tc>
+                  <a:txBody>
+                    <a:bodyPr/>
+                    <a:lstStyle/>
+                    <a:p>
+                      <a:pPr>
+                        <a:buNone/>
+                      </a:pPr>
+                      <a:r>
+                        <a:rPr lang="en-US">
+                          <a:effectLst/>
+                        </a:rPr>
+                        <a:t>Personaliza o pedido (opcional)</a:t>
+                      </a:r>
+                    </a:p>
+                  </a:txBody>
+                  <a:tcPr marL="123825" marR="123825" marT="57150" marB="57150" anchor="ctr"/>
+                </a:tc>
+                <a:tc>
+                  <a:txBody>
+                    <a:bodyPr/>
+                    <a:lstStyle/>
+                    <a:p>
+                      <a:pPr>
+                        <a:buNone/>
+                      </a:pPr>
+                      <a:r>
+                        <a:rPr lang="pt-BR">
+                          <a:effectLst/>
+                        </a:rPr>
+                        <a:t>Ajusta o pedido conforme escolha</a:t>
+                      </a:r>
+                    </a:p>
+                  </a:txBody>
+                  <a:tcPr marL="123825" marR="123825" marT="57150" marB="57150" anchor="ctr"/>
+                </a:tc>
+                <a:extLst>
+                  <a:ext uri="{0D108BD9-81ED-4DB2-BD59-A6C34878D82A}">
+                    <a16:rowId xmlns:a16="http://schemas.microsoft.com/office/drawing/2014/main" val="457260591"/>
+                  </a:ext>
+                </a:extLst>
+              </a:tr>
+              <a:tr h="370840">
+                <a:tc>
+                  <a:txBody>
+                    <a:bodyPr/>
+                    <a:lstStyle/>
+                    <a:p>
+                      <a:pPr>
+                        <a:buNone/>
+                      </a:pPr>
+                      <a:r>
+                        <a:rPr lang="en-US">
+                          <a:effectLst/>
+                        </a:rPr>
+                        <a:t>4</a:t>
+                      </a:r>
+                    </a:p>
+                  </a:txBody>
+                  <a:tcPr marL="123825" marR="123825" marT="57150" marB="57150" anchor="ctr"/>
+                </a:tc>
+                <a:tc>
+                  <a:txBody>
+                    <a:bodyPr/>
+                    <a:lstStyle/>
+                    <a:p>
+                      <a:pPr>
+                        <a:buNone/>
+                      </a:pPr>
+                      <a:r>
+                        <a:rPr lang="en-US">
+                          <a:effectLst/>
+                        </a:rPr>
+                        <a:t>Solicita visualizar valor total</a:t>
+                      </a:r>
+                    </a:p>
+                  </a:txBody>
+                  <a:tcPr marL="123825" marR="123825" marT="57150" marB="57150" anchor="ctr"/>
+                </a:tc>
+                <a:tc>
+                  <a:txBody>
+                    <a:bodyPr/>
+                    <a:lstStyle/>
+                    <a:p>
+                      <a:pPr>
+                        <a:buNone/>
+                      </a:pPr>
+                      <a:r>
+                        <a:rPr lang="pt-BR" dirty="0">
+                          <a:effectLst/>
+                        </a:rPr>
+                        <a:t>Calcula e apresenta o valor total</a:t>
+                      </a:r>
+                    </a:p>
+                  </a:txBody>
+                  <a:tcPr marL="123825" marR="123825" marT="57150" marB="57150" anchor="ctr"/>
+                </a:tc>
+                <a:extLst>
+                  <a:ext uri="{0D108BD9-81ED-4DB2-BD59-A6C34878D82A}">
+                    <a16:rowId xmlns:a16="http://schemas.microsoft.com/office/drawing/2014/main" val="3179344341"/>
+                  </a:ext>
+                </a:extLst>
+              </a:tr>
+              <a:tr h="370840">
+                <a:tc>
+                  <a:txBody>
+                    <a:bodyPr/>
+                    <a:lstStyle/>
+                    <a:p>
+                      <a:pPr>
+                        <a:buNone/>
+                      </a:pPr>
+                      <a:r>
+                        <a:rPr lang="en-US">
+                          <a:effectLst/>
+                        </a:rPr>
+                        <a:t>5</a:t>
+                      </a:r>
+                    </a:p>
+                  </a:txBody>
+                  <a:tcPr marL="123825" marR="123825" marT="57150" marB="57150" anchor="ctr"/>
+                </a:tc>
+                <a:tc>
+                  <a:txBody>
+                    <a:bodyPr/>
+                    <a:lstStyle/>
+                    <a:p>
+                      <a:pPr>
+                        <a:buNone/>
+                      </a:pPr>
+                      <a:r>
+                        <a:rPr lang="en-US">
+                          <a:effectLst/>
+                        </a:rPr>
+                        <a:t>Confirma o pedido</a:t>
+                      </a:r>
+                    </a:p>
+                  </a:txBody>
+                  <a:tcPr marL="123825" marR="123825" marT="57150" marB="57150" anchor="ctr"/>
+                </a:tc>
+                <a:tc>
+                  <a:txBody>
+                    <a:bodyPr/>
+                    <a:lstStyle/>
+                    <a:p>
+                      <a:pPr>
+                        <a:buNone/>
+                      </a:pPr>
+                      <a:r>
+                        <a:rPr lang="en-US">
+                          <a:effectLst/>
+                        </a:rPr>
+                        <a:t>Solicita método de pagamento</a:t>
+                      </a:r>
+                    </a:p>
+                  </a:txBody>
+                  <a:tcPr marL="123825" marR="123825" marT="57150" marB="57150" anchor="ctr"/>
+                </a:tc>
+                <a:extLst>
+                  <a:ext uri="{0D108BD9-81ED-4DB2-BD59-A6C34878D82A}">
+                    <a16:rowId xmlns:a16="http://schemas.microsoft.com/office/drawing/2014/main" val="952401566"/>
+                  </a:ext>
+                </a:extLst>
+              </a:tr>
+              <a:tr h="370840">
+                <a:tc>
+                  <a:txBody>
+                    <a:bodyPr/>
+                    <a:lstStyle/>
+                    <a:p>
+                      <a:pPr>
+                        <a:buNone/>
+                      </a:pPr>
+                      <a:r>
+                        <a:rPr lang="en-US">
+                          <a:effectLst/>
+                        </a:rPr>
+                        <a:t>6</a:t>
+                      </a:r>
+                    </a:p>
+                  </a:txBody>
+                  <a:tcPr marL="123825" marR="123825" marT="57150" marB="57150" anchor="ctr"/>
+                </a:tc>
+                <a:tc>
+                  <a:txBody>
+                    <a:bodyPr/>
+                    <a:lstStyle/>
+                    <a:p>
+                      <a:pPr>
+                        <a:buNone/>
+                      </a:pPr>
+                      <a:r>
+                        <a:rPr lang="pt-BR">
+                          <a:effectLst/>
+                        </a:rPr>
+                        <a:t>Escolhe método de pagamento (Pix ou Cartão)</a:t>
+                      </a:r>
+                    </a:p>
+                  </a:txBody>
+                  <a:tcPr marL="123825" marR="123825" marT="57150" marB="57150" anchor="ctr"/>
+                </a:tc>
+                <a:tc>
+                  <a:txBody>
+                    <a:bodyPr/>
+                    <a:lstStyle/>
+                    <a:p>
+                      <a:pPr>
+                        <a:buNone/>
+                      </a:pPr>
+                      <a:r>
+                        <a:rPr lang="en-US">
+                          <a:effectLst/>
+                        </a:rPr>
+                        <a:t>Processa o pagamento</a:t>
+                      </a:r>
+                    </a:p>
+                  </a:txBody>
+                  <a:tcPr marL="123825" marR="123825" marT="57150" marB="57150" anchor="ctr"/>
+                </a:tc>
+                <a:extLst>
+                  <a:ext uri="{0D108BD9-81ED-4DB2-BD59-A6C34878D82A}">
+                    <a16:rowId xmlns:a16="http://schemas.microsoft.com/office/drawing/2014/main" val="3221749078"/>
+                  </a:ext>
+                </a:extLst>
+              </a:tr>
+              <a:tr h="370840">
+                <a:tc>
+                  <a:txBody>
+                    <a:bodyPr/>
+                    <a:lstStyle/>
+                    <a:p>
+                      <a:pPr>
+                        <a:buNone/>
+                      </a:pPr>
+                      <a:r>
+                        <a:rPr lang="en-US">
+                          <a:effectLst/>
+                        </a:rPr>
+                        <a:t>7</a:t>
+                      </a:r>
+                    </a:p>
+                  </a:txBody>
+                  <a:tcPr marL="123825" marR="123825" marT="57150" marB="57150" anchor="ctr"/>
+                </a:tc>
+                <a:tc>
+                  <a:txBody>
+                    <a:bodyPr/>
+                    <a:lstStyle/>
+                    <a:p>
+                      <a:pPr>
+                        <a:buNone/>
+                      </a:pPr>
+                      <a:r>
+                        <a:rPr lang="en-US">
+                          <a:effectLst/>
+                        </a:rPr>
+                        <a:t>Confirma pagamento</a:t>
+                      </a:r>
+                    </a:p>
+                  </a:txBody>
+                  <a:tcPr marL="123825" marR="123825" marT="57150" marB="57150" anchor="ctr"/>
+                </a:tc>
+                <a:tc>
+                  <a:txBody>
+                    <a:bodyPr/>
+                    <a:lstStyle/>
+                    <a:p>
+                      <a:pPr>
+                        <a:buNone/>
+                      </a:pPr>
+                      <a:r>
+                        <a:rPr lang="pt-BR">
+                          <a:effectLst/>
+                        </a:rPr>
+                        <a:t>Emite nota fiscal (quando aplicável)</a:t>
+                      </a:r>
+                    </a:p>
+                  </a:txBody>
+                  <a:tcPr marL="123825" marR="123825" marT="57150" marB="57150" anchor="ctr"/>
+                </a:tc>
+                <a:extLst>
+                  <a:ext uri="{0D108BD9-81ED-4DB2-BD59-A6C34878D82A}">
+                    <a16:rowId xmlns:a16="http://schemas.microsoft.com/office/drawing/2014/main" val="3357277568"/>
+                  </a:ext>
+                </a:extLst>
+              </a:tr>
+              <a:tr h="370840">
+                <a:tc>
+                  <a:txBody>
+                    <a:bodyPr/>
+                    <a:lstStyle/>
+                    <a:p>
+                      <a:pPr>
+                        <a:buNone/>
+                      </a:pPr>
+                      <a:r>
+                        <a:rPr lang="en-US">
+                          <a:effectLst/>
+                        </a:rPr>
+                        <a:t>8</a:t>
+                      </a:r>
+                    </a:p>
+                  </a:txBody>
+                  <a:tcPr marL="123825" marR="123825" marT="57150" marB="57150" anchor="ctr"/>
+                </a:tc>
+                <a:tc>
+                  <a:txBody>
+                    <a:bodyPr/>
+                    <a:lstStyle/>
+                    <a:p>
+                      <a:pPr>
+                        <a:buNone/>
+                      </a:pPr>
+                      <a:r>
+                        <a:rPr lang="en-US">
+                          <a:effectLst/>
+                        </a:rPr>
+                        <a:t>—</a:t>
+                      </a:r>
+                    </a:p>
+                  </a:txBody>
+                  <a:tcPr marL="123825" marR="123825" marT="57150" marB="57150" anchor="ctr"/>
+                </a:tc>
+                <a:tc>
+                  <a:txBody>
+                    <a:bodyPr/>
+                    <a:lstStyle/>
+                    <a:p>
+                      <a:pPr>
+                        <a:buNone/>
+                      </a:pPr>
+                      <a:r>
+                        <a:rPr lang="pt-BR" dirty="0">
+                          <a:effectLst/>
+                        </a:rPr>
+                        <a:t>Confirma pedido e envia para a cozinha</a:t>
+                      </a:r>
+                    </a:p>
+                  </a:txBody>
+                  <a:tcPr marL="123825" marR="123825" marT="57150" marB="57150" anchor="ctr"/>
+                </a:tc>
+                <a:extLst>
+                  <a:ext uri="{0D108BD9-81ED-4DB2-BD59-A6C34878D82A}">
+                    <a16:rowId xmlns:a16="http://schemas.microsoft.com/office/drawing/2014/main" val="3384518816"/>
+                  </a:ext>
+                </a:extLst>
+              </a:tr>
+            </a:tbl>
+          </a:graphicData>
+        </a:graphic>
+      </p:graphicFrame>
     </p:spTree>
+    <p:extLst>
+      <p:ext uri="{BB962C8B-B14F-4D97-AF65-F5344CB8AC3E}">
+        <p14:creationId xmlns:p14="http://schemas.microsoft.com/office/powerpoint/2010/main" val="2758391978"/>
+      </p:ext>
+    </p:extLst>
   </p:cSld>
   <p:clrMapOvr>
     <a:masterClrMapping/>
@@ -5125,7 +5692,7 @@
 </file>
 
 <file path=ppt/slides/slide6.xml><?xml version="1.0" encoding="utf-8"?>
-<p:sld xmlns:a="http://schemas.openxmlformats.org/drawingml/2006/main" xmlns:p="http://schemas.openxmlformats.org/presentationml/2006/main" xmlns:r="http://schemas.openxmlformats.org/officeDocument/2006/relationships">
+<p:sld xmlns:a="http://schemas.openxmlformats.org/drawingml/2006/main" xmlns:r="http://schemas.openxmlformats.org/officeDocument/2006/relationships" xmlns:p="http://schemas.openxmlformats.org/presentationml/2006/main">
   <p:cSld>
     <p:spTree>
       <p:nvGrpSpPr>
@@ -5133,7 +5700,14 @@
         <p:cNvGrpSpPr/>
         <p:nvPr/>
       </p:nvGrpSpPr>
-      <p:grpSpPr/>
+      <p:grpSpPr>
+        <a:xfrm>
+          <a:off x="0" y="0"/>
+          <a:ext cx="0" cy="0"/>
+          <a:chOff x="0" y="0"/>
+          <a:chExt cx="0" cy="0"/>
+        </a:xfrm>
+      </p:grpSpPr>
       <p:sp>
         <p:nvSpPr>
           <p:cNvPr id="2" name="Title 1"/>
@@ -5146,38 +5720,705 @@
         </p:nvSpPr>
         <p:spPr/>
         <p:txBody>
-          <a:bodyPr/>
+          <a:bodyPr>
+            <a:normAutofit/>
+          </a:bodyPr>
           <a:lstStyle/>
           <a:p>
             <a:r>
-              <a:t>6.2. Estrutura Textual do Caso de Uso (parte 3)</a:t>
-            </a:r>
-          </a:p>
-        </p:txBody>
-      </p:sp>
-      <p:sp>
-        <p:nvSpPr>
-          <p:cNvPr id="3" name="Content Placeholder 2"/>
-          <p:cNvSpPr>
-            <a:spLocks noGrp="1"/>
-          </p:cNvSpPr>
+              <a:rPr dirty="0" err="1"/>
+              <a:t>Flux</a:t>
+            </a:r>
+            <a:r>
+              <a:rPr lang="en-US" dirty="0" err="1"/>
+              <a:t>os</a:t>
+            </a:r>
+            <a:r>
+              <a:rPr lang="en-US" dirty="0"/>
+              <a:t> Alternativos</a:t>
+            </a:r>
+            <a:endParaRPr dirty="0"/>
+          </a:p>
+        </p:txBody>
+      </p:sp>
+      <p:graphicFrame>
+        <p:nvGraphicFramePr>
+          <p:cNvPr id="6" name="Content Placeholder 5">
+            <a:extLst>
+              <a:ext uri="{FF2B5EF4-FFF2-40B4-BE49-F238E27FC236}">
+                <a16:creationId xmlns:a16="http://schemas.microsoft.com/office/drawing/2014/main" id="{E28061E8-1DAD-B176-8C4B-796C4AF6CBBA}"/>
+              </a:ext>
+            </a:extLst>
+          </p:cNvPr>
+          <p:cNvGraphicFramePr>
+            <a:graphicFrameLocks noGrp="1"/>
+          </p:cNvGraphicFramePr>
           <p:nvPr>
             <p:ph idx="1"/>
-          </p:nvPr>
-        </p:nvSpPr>
-        <p:spPr/>
-        <p:txBody>
-          <a:bodyPr/>
+            <p:extLst>
+              <p:ext uri="{D42A27DB-BD31-4B8C-83A1-F6EECF244321}">
+                <p14:modId xmlns:p14="http://schemas.microsoft.com/office/powerpoint/2010/main" val="3262401695"/>
+              </p:ext>
+            </p:extLst>
+          </p:nvPr>
+        </p:nvGraphicFramePr>
+        <p:xfrm>
+          <a:off x="822960" y="2201378"/>
+          <a:ext cx="7543800" cy="1828800"/>
+        </p:xfrm>
+        <a:graphic>
+          <a:graphicData uri="http://schemas.openxmlformats.org/drawingml/2006/table">
+            <a:tbl>
+              <a:tblPr firstRow="1" bandRow="1">
+                <a:tableStyleId>{5C22544A-7EE6-4342-B048-85BDC9FD1C3A}</a:tableStyleId>
+              </a:tblPr>
+              <a:tblGrid>
+                <a:gridCol w="841883">
+                  <a:extLst>
+                    <a:ext uri="{9D8B030D-6E8A-4147-A177-3AD203B41FA5}">
+                      <a16:colId xmlns:a16="http://schemas.microsoft.com/office/drawing/2014/main" val="4014288523"/>
+                    </a:ext>
+                  </a:extLst>
+                </a:gridCol>
+                <a:gridCol w="3163824">
+                  <a:extLst>
+                    <a:ext uri="{9D8B030D-6E8A-4147-A177-3AD203B41FA5}">
+                      <a16:colId xmlns:a16="http://schemas.microsoft.com/office/drawing/2014/main" val="2543457297"/>
+                    </a:ext>
+                  </a:extLst>
+                </a:gridCol>
+                <a:gridCol w="3538093">
+                  <a:extLst>
+                    <a:ext uri="{9D8B030D-6E8A-4147-A177-3AD203B41FA5}">
+                      <a16:colId xmlns:a16="http://schemas.microsoft.com/office/drawing/2014/main" val="800163442"/>
+                    </a:ext>
+                  </a:extLst>
+                </a:gridCol>
+              </a:tblGrid>
+              <a:tr h="370840">
+                <a:tc>
+                  <a:txBody>
+                    <a:bodyPr/>
+                    <a:lstStyle/>
+                    <a:p>
+                      <a:pPr>
+                        <a:buNone/>
+                      </a:pPr>
+                      <a:r>
+                        <a:rPr lang="en-US" b="1">
+                          <a:effectLst/>
+                        </a:rPr>
+                        <a:t>Passo</a:t>
+                      </a:r>
+                    </a:p>
+                  </a:txBody>
+                  <a:tcPr marL="123825" marR="123825" marT="57150" marB="57150" anchor="ctr"/>
+                </a:tc>
+                <a:tc>
+                  <a:txBody>
+                    <a:bodyPr/>
+                    <a:lstStyle/>
+                    <a:p>
+                      <a:pPr>
+                        <a:buNone/>
+                      </a:pPr>
+                      <a:r>
+                        <a:rPr lang="en-US" b="1">
+                          <a:effectLst/>
+                        </a:rPr>
+                        <a:t>Ator Principal (Cliente)</a:t>
+                      </a:r>
+                    </a:p>
+                  </a:txBody>
+                  <a:tcPr marL="123825" marR="123825" marT="57150" marB="57150" anchor="ctr"/>
+                </a:tc>
+                <a:tc>
+                  <a:txBody>
+                    <a:bodyPr/>
+                    <a:lstStyle/>
+                    <a:p>
+                      <a:pPr>
+                        <a:buNone/>
+                      </a:pPr>
+                      <a:r>
+                        <a:rPr lang="en-US" b="1">
+                          <a:effectLst/>
+                        </a:rPr>
+                        <a:t>Sistema</a:t>
+                      </a:r>
+                    </a:p>
+                  </a:txBody>
+                  <a:tcPr marL="123825" marR="123825" marT="57150" marB="57150" anchor="ctr"/>
+                </a:tc>
+                <a:extLst>
+                  <a:ext uri="{0D108BD9-81ED-4DB2-BD59-A6C34878D82A}">
+                    <a16:rowId xmlns:a16="http://schemas.microsoft.com/office/drawing/2014/main" val="4014732786"/>
+                  </a:ext>
+                </a:extLst>
+              </a:tr>
+              <a:tr h="370840">
+                <a:tc>
+                  <a:txBody>
+                    <a:bodyPr/>
+                    <a:lstStyle/>
+                    <a:p>
+                      <a:pPr>
+                        <a:buNone/>
+                      </a:pPr>
+                      <a:r>
+                        <a:rPr lang="en-US">
+                          <a:effectLst/>
+                        </a:rPr>
+                        <a:t>6a</a:t>
+                      </a:r>
+                    </a:p>
+                  </a:txBody>
+                  <a:tcPr marL="123825" marR="123825" marT="57150" marB="57150" anchor="ctr"/>
+                </a:tc>
+                <a:tc>
+                  <a:txBody>
+                    <a:bodyPr/>
+                    <a:lstStyle/>
+                    <a:p>
+                      <a:pPr>
+                        <a:buNone/>
+                      </a:pPr>
+                      <a:r>
+                        <a:rPr lang="en-US">
+                          <a:effectLst/>
+                        </a:rPr>
+                        <a:t>Escolhe método de pagamento</a:t>
+                      </a:r>
+                    </a:p>
+                  </a:txBody>
+                  <a:tcPr marL="123825" marR="123825" marT="57150" marB="57150" anchor="ctr"/>
+                </a:tc>
+                <a:tc>
+                  <a:txBody>
+                    <a:bodyPr/>
+                    <a:lstStyle/>
+                    <a:p>
+                      <a:pPr>
+                        <a:buNone/>
+                      </a:pPr>
+                      <a:r>
+                        <a:rPr lang="en-US">
+                          <a:effectLst/>
+                        </a:rPr>
+                        <a:t>Processa pagamento</a:t>
+                      </a:r>
+                    </a:p>
+                  </a:txBody>
+                  <a:tcPr marL="123825" marR="123825" marT="57150" marB="57150" anchor="ctr"/>
+                </a:tc>
+                <a:extLst>
+                  <a:ext uri="{0D108BD9-81ED-4DB2-BD59-A6C34878D82A}">
+                    <a16:rowId xmlns:a16="http://schemas.microsoft.com/office/drawing/2014/main" val="1354796587"/>
+                  </a:ext>
+                </a:extLst>
+              </a:tr>
+              <a:tr h="370840">
+                <a:tc>
+                  <a:txBody>
+                    <a:bodyPr/>
+                    <a:lstStyle/>
+                    <a:p>
+                      <a:pPr>
+                        <a:buNone/>
+                      </a:pPr>
+                      <a:r>
+                        <a:rPr lang="en-US">
+                          <a:effectLst/>
+                        </a:rPr>
+                        <a:t>7a</a:t>
+                      </a:r>
+                    </a:p>
+                  </a:txBody>
+                  <a:tcPr marL="123825" marR="123825" marT="57150" marB="57150" anchor="ctr"/>
+                </a:tc>
+                <a:tc>
+                  <a:txBody>
+                    <a:bodyPr/>
+                    <a:lstStyle/>
+                    <a:p>
+                      <a:pPr>
+                        <a:buNone/>
+                      </a:pPr>
+                      <a:r>
+                        <a:rPr lang="en-US">
+                          <a:effectLst/>
+                        </a:rPr>
+                        <a:t>—</a:t>
+                      </a:r>
+                    </a:p>
+                  </a:txBody>
+                  <a:tcPr marL="123825" marR="123825" marT="57150" marB="57150" anchor="ctr"/>
+                </a:tc>
+                <a:tc>
+                  <a:txBody>
+                    <a:bodyPr/>
+                    <a:lstStyle/>
+                    <a:p>
+                      <a:pPr>
+                        <a:buNone/>
+                      </a:pPr>
+                      <a:r>
+                        <a:rPr lang="en-US">
+                          <a:effectLst/>
+                        </a:rPr>
+                        <a:t>Exibe mensagem de erro</a:t>
+                      </a:r>
+                    </a:p>
+                  </a:txBody>
+                  <a:tcPr marL="123825" marR="123825" marT="57150" marB="57150" anchor="ctr"/>
+                </a:tc>
+                <a:extLst>
+                  <a:ext uri="{0D108BD9-81ED-4DB2-BD59-A6C34878D82A}">
+                    <a16:rowId xmlns:a16="http://schemas.microsoft.com/office/drawing/2014/main" val="3616343374"/>
+                  </a:ext>
+                </a:extLst>
+              </a:tr>
+              <a:tr h="370840">
+                <a:tc>
+                  <a:txBody>
+                    <a:bodyPr/>
+                    <a:lstStyle/>
+                    <a:p>
+                      <a:pPr>
+                        <a:buNone/>
+                      </a:pPr>
+                      <a:r>
+                        <a:rPr lang="en-US">
+                          <a:effectLst/>
+                        </a:rPr>
+                        <a:t>8a</a:t>
+                      </a:r>
+                    </a:p>
+                  </a:txBody>
+                  <a:tcPr marL="123825" marR="123825" marT="57150" marB="57150" anchor="ctr"/>
+                </a:tc>
+                <a:tc>
+                  <a:txBody>
+                    <a:bodyPr/>
+                    <a:lstStyle/>
+                    <a:p>
+                      <a:pPr>
+                        <a:buNone/>
+                      </a:pPr>
+                      <a:r>
+                        <a:rPr lang="pt-BR" dirty="0">
+                          <a:effectLst/>
+                        </a:rPr>
+                        <a:t>Seleciona outro método de pagamento</a:t>
+                      </a:r>
+                    </a:p>
+                  </a:txBody>
+                  <a:tcPr marL="123825" marR="123825" marT="57150" marB="57150" anchor="ctr"/>
+                </a:tc>
+                <a:tc>
+                  <a:txBody>
+                    <a:bodyPr/>
+                    <a:lstStyle/>
+                    <a:p>
+                      <a:pPr>
+                        <a:buNone/>
+                      </a:pPr>
+                      <a:r>
+                        <a:rPr lang="pt-BR" dirty="0">
+                          <a:effectLst/>
+                        </a:rPr>
+                        <a:t>Reinicia processamento a partir do passo 6</a:t>
+                      </a:r>
+                    </a:p>
+                  </a:txBody>
+                  <a:tcPr marL="123825" marR="123825" marT="57150" marB="57150" anchor="ctr"/>
+                </a:tc>
+                <a:extLst>
+                  <a:ext uri="{0D108BD9-81ED-4DB2-BD59-A6C34878D82A}">
+                    <a16:rowId xmlns:a16="http://schemas.microsoft.com/office/drawing/2014/main" val="457260591"/>
+                  </a:ext>
+                </a:extLst>
+              </a:tr>
+            </a:tbl>
+          </a:graphicData>
+        </a:graphic>
+      </p:graphicFrame>
+      <p:graphicFrame>
+        <p:nvGraphicFramePr>
+          <p:cNvPr id="7" name="Content Placeholder 5">
+            <a:extLst>
+              <a:ext uri="{FF2B5EF4-FFF2-40B4-BE49-F238E27FC236}">
+                <a16:creationId xmlns:a16="http://schemas.microsoft.com/office/drawing/2014/main" id="{0DE7F8B8-87E0-2F9D-F3C8-36F2E548B3FD}"/>
+              </a:ext>
+            </a:extLst>
+          </p:cNvPr>
+          <p:cNvGraphicFramePr>
+            <a:graphicFrameLocks/>
+          </p:cNvGraphicFramePr>
+          <p:nvPr>
+            <p:extLst>
+              <p:ext uri="{D42A27DB-BD31-4B8C-83A1-F6EECF244321}">
+                <p14:modId xmlns:p14="http://schemas.microsoft.com/office/powerpoint/2010/main" val="2813808159"/>
+              </p:ext>
+            </p:extLst>
+          </p:nvPr>
+        </p:nvGraphicFramePr>
+        <p:xfrm>
+          <a:off x="800100" y="4656907"/>
+          <a:ext cx="7543800" cy="1440180"/>
+        </p:xfrm>
+        <a:graphic>
+          <a:graphicData uri="http://schemas.openxmlformats.org/drawingml/2006/table">
+            <a:tbl>
+              <a:tblPr firstRow="1" bandRow="1">
+                <a:tableStyleId>{5C22544A-7EE6-4342-B048-85BDC9FD1C3A}</a:tableStyleId>
+              </a:tblPr>
+              <a:tblGrid>
+                <a:gridCol w="841883">
+                  <a:extLst>
+                    <a:ext uri="{9D8B030D-6E8A-4147-A177-3AD203B41FA5}">
+                      <a16:colId xmlns:a16="http://schemas.microsoft.com/office/drawing/2014/main" val="4014288523"/>
+                    </a:ext>
+                  </a:extLst>
+                </a:gridCol>
+                <a:gridCol w="3163824">
+                  <a:extLst>
+                    <a:ext uri="{9D8B030D-6E8A-4147-A177-3AD203B41FA5}">
+                      <a16:colId xmlns:a16="http://schemas.microsoft.com/office/drawing/2014/main" val="2543457297"/>
+                    </a:ext>
+                  </a:extLst>
+                </a:gridCol>
+                <a:gridCol w="3538093">
+                  <a:extLst>
+                    <a:ext uri="{9D8B030D-6E8A-4147-A177-3AD203B41FA5}">
+                      <a16:colId xmlns:a16="http://schemas.microsoft.com/office/drawing/2014/main" val="800163442"/>
+                    </a:ext>
+                  </a:extLst>
+                </a:gridCol>
+              </a:tblGrid>
+              <a:tr h="370840">
+                <a:tc>
+                  <a:txBody>
+                    <a:bodyPr/>
+                    <a:lstStyle/>
+                    <a:p>
+                      <a:pPr>
+                        <a:buNone/>
+                      </a:pPr>
+                      <a:r>
+                        <a:rPr lang="en-US" b="1">
+                          <a:effectLst/>
+                        </a:rPr>
+                        <a:t>Passo</a:t>
+                      </a:r>
+                    </a:p>
+                  </a:txBody>
+                  <a:tcPr marL="123825" marR="123825" marT="57150" marB="57150" anchor="ctr"/>
+                </a:tc>
+                <a:tc>
+                  <a:txBody>
+                    <a:bodyPr/>
+                    <a:lstStyle/>
+                    <a:p>
+                      <a:pPr>
+                        <a:buNone/>
+                      </a:pPr>
+                      <a:r>
+                        <a:rPr lang="en-US" b="1" dirty="0">
+                          <a:effectLst/>
+                        </a:rPr>
+                        <a:t>Ator Principal (</a:t>
+                      </a:r>
+                      <a:r>
+                        <a:rPr lang="en-US" b="1" dirty="0" err="1">
+                          <a:effectLst/>
+                        </a:rPr>
+                        <a:t>Cliente</a:t>
+                      </a:r>
+                      <a:r>
+                        <a:rPr lang="en-US" b="1" dirty="0">
+                          <a:effectLst/>
+                        </a:rPr>
+                        <a:t>)</a:t>
+                      </a:r>
+                    </a:p>
+                  </a:txBody>
+                  <a:tcPr marL="123825" marR="123825" marT="57150" marB="57150" anchor="ctr"/>
+                </a:tc>
+                <a:tc>
+                  <a:txBody>
+                    <a:bodyPr/>
+                    <a:lstStyle/>
+                    <a:p>
+                      <a:pPr>
+                        <a:buNone/>
+                      </a:pPr>
+                      <a:r>
+                        <a:rPr lang="en-US" b="1">
+                          <a:effectLst/>
+                        </a:rPr>
+                        <a:t>Sistema</a:t>
+                      </a:r>
+                    </a:p>
+                  </a:txBody>
+                  <a:tcPr marL="123825" marR="123825" marT="57150" marB="57150" anchor="ctr"/>
+                </a:tc>
+                <a:extLst>
+                  <a:ext uri="{0D108BD9-81ED-4DB2-BD59-A6C34878D82A}">
+                    <a16:rowId xmlns:a16="http://schemas.microsoft.com/office/drawing/2014/main" val="4014732786"/>
+                  </a:ext>
+                </a:extLst>
+              </a:tr>
+              <a:tr h="370840">
+                <a:tc>
+                  <a:txBody>
+                    <a:bodyPr/>
+                    <a:lstStyle/>
+                    <a:p>
+                      <a:pPr>
+                        <a:buNone/>
+                      </a:pPr>
+                      <a:r>
+                        <a:rPr lang="en-US">
+                          <a:effectLst/>
+                        </a:rPr>
+                        <a:t>2a</a:t>
+                      </a:r>
+                    </a:p>
+                  </a:txBody>
+                  <a:tcPr marL="123825" marR="123825" marT="57150" marB="57150" anchor="ctr"/>
+                </a:tc>
+                <a:tc>
+                  <a:txBody>
+                    <a:bodyPr/>
+                    <a:lstStyle/>
+                    <a:p>
+                      <a:pPr>
+                        <a:buNone/>
+                      </a:pPr>
+                      <a:r>
+                        <a:rPr lang="pt-BR">
+                          <a:effectLst/>
+                        </a:rPr>
+                        <a:t>Seleciona item fora de estoque</a:t>
+                      </a:r>
+                    </a:p>
+                  </a:txBody>
+                  <a:tcPr marL="123825" marR="123825" marT="57150" marB="57150" anchor="ctr"/>
+                </a:tc>
+                <a:tc>
+                  <a:txBody>
+                    <a:bodyPr/>
+                    <a:lstStyle/>
+                    <a:p>
+                      <a:pPr>
+                        <a:buNone/>
+                      </a:pPr>
+                      <a:r>
+                        <a:rPr lang="en-US">
+                          <a:effectLst/>
+                        </a:rPr>
+                        <a:t>Identifica indisponibilidade</a:t>
+                      </a:r>
+                    </a:p>
+                  </a:txBody>
+                  <a:tcPr marL="123825" marR="123825" marT="57150" marB="57150" anchor="ctr"/>
+                </a:tc>
+                <a:extLst>
+                  <a:ext uri="{0D108BD9-81ED-4DB2-BD59-A6C34878D82A}">
+                    <a16:rowId xmlns:a16="http://schemas.microsoft.com/office/drawing/2014/main" val="1354796587"/>
+                  </a:ext>
+                </a:extLst>
+              </a:tr>
+              <a:tr h="370840">
+                <a:tc>
+                  <a:txBody>
+                    <a:bodyPr/>
+                    <a:lstStyle/>
+                    <a:p>
+                      <a:pPr>
+                        <a:buNone/>
+                      </a:pPr>
+                      <a:r>
+                        <a:rPr lang="en-US">
+                          <a:effectLst/>
+                        </a:rPr>
+                        <a:t>3a</a:t>
+                      </a:r>
+                    </a:p>
+                  </a:txBody>
+                  <a:tcPr marL="123825" marR="123825" marT="57150" marB="57150" anchor="ctr"/>
+                </a:tc>
+                <a:tc>
+                  <a:txBody>
+                    <a:bodyPr/>
+                    <a:lstStyle/>
+                    <a:p>
+                      <a:pPr>
+                        <a:buNone/>
+                      </a:pPr>
+                      <a:r>
+                        <a:rPr lang="pt-BR" dirty="0">
+                          <a:effectLst/>
+                        </a:rPr>
+                        <a:t>Remove ou substitui o item</a:t>
+                      </a:r>
+                    </a:p>
+                  </a:txBody>
+                  <a:tcPr marL="123825" marR="123825" marT="57150" marB="57150" anchor="ctr"/>
+                </a:tc>
+                <a:tc>
+                  <a:txBody>
+                    <a:bodyPr/>
+                    <a:lstStyle/>
+                    <a:p>
+                      <a:pPr>
+                        <a:buNone/>
+                      </a:pPr>
+                      <a:r>
+                        <a:rPr lang="en-US" dirty="0" err="1">
+                          <a:effectLst/>
+                        </a:rPr>
+                        <a:t>Atualiza</a:t>
+                      </a:r>
+                      <a:r>
+                        <a:rPr lang="en-US" dirty="0">
+                          <a:effectLst/>
+                        </a:rPr>
+                        <a:t> </a:t>
+                      </a:r>
+                      <a:r>
+                        <a:rPr lang="en-US" dirty="0" err="1">
+                          <a:effectLst/>
+                        </a:rPr>
+                        <a:t>pedido</a:t>
+                      </a:r>
+                      <a:r>
+                        <a:rPr lang="en-US" dirty="0">
+                          <a:effectLst/>
+                        </a:rPr>
+                        <a:t> </a:t>
+                      </a:r>
+                      <a:r>
+                        <a:rPr lang="en-US" dirty="0" err="1">
+                          <a:effectLst/>
+                        </a:rPr>
+                        <a:t>conforme</a:t>
+                      </a:r>
+                      <a:r>
+                        <a:rPr lang="en-US" dirty="0">
+                          <a:effectLst/>
+                        </a:rPr>
+                        <a:t> </a:t>
+                      </a:r>
+                      <a:r>
+                        <a:rPr lang="en-US" dirty="0" err="1">
+                          <a:effectLst/>
+                        </a:rPr>
+                        <a:t>alteração</a:t>
+                      </a:r>
+                      <a:endParaRPr lang="en-US" dirty="0">
+                        <a:effectLst/>
+                      </a:endParaRPr>
+                    </a:p>
+                  </a:txBody>
+                  <a:tcPr marL="123825" marR="123825" marT="57150" marB="57150" anchor="ctr"/>
+                </a:tc>
+                <a:extLst>
+                  <a:ext uri="{0D108BD9-81ED-4DB2-BD59-A6C34878D82A}">
+                    <a16:rowId xmlns:a16="http://schemas.microsoft.com/office/drawing/2014/main" val="3616343374"/>
+                  </a:ext>
+                </a:extLst>
+              </a:tr>
+            </a:tbl>
+          </a:graphicData>
+        </a:graphic>
+      </p:graphicFrame>
+      <p:sp>
+        <p:nvSpPr>
+          <p:cNvPr id="9" name="TextBox 8">
+            <a:extLst>
+              <a:ext uri="{FF2B5EF4-FFF2-40B4-BE49-F238E27FC236}">
+                <a16:creationId xmlns:a16="http://schemas.microsoft.com/office/drawing/2014/main" id="{E3F151C5-6717-947F-8536-A5EE246D0B51}"/>
+              </a:ext>
+            </a:extLst>
+          </p:cNvPr>
+          <p:cNvSpPr txBox="1"/>
+          <p:nvPr/>
+        </p:nvSpPr>
+        <p:spPr>
+          <a:xfrm>
+            <a:off x="822960" y="4256797"/>
+            <a:ext cx="4572000" cy="400110"/>
+          </a:xfrm>
+          <a:prstGeom prst="rect">
+            <a:avLst/>
+          </a:prstGeom>
+          <a:noFill/>
+        </p:spPr>
+        <p:txBody>
+          <a:bodyPr wrap="square">
+            <a:spAutoFit/>
+          </a:bodyPr>
           <a:lstStyle/>
           <a:p>
             <a:r>
-              <a:t>cionais.                      |</a:t>
-            </a:r>
-          </a:p>
-          <a:p>
-            <a:r>
-              <a:t>| Pós-condições       | Estado final do sistema após execução.               |</a:t>
-            </a:r>
+              <a:rPr lang="en-US" sz="2000" b="1" dirty="0"/>
+              <a:t>A2 – Item </a:t>
+            </a:r>
+            <a:r>
+              <a:rPr lang="en-US" sz="2000" b="1" dirty="0" err="1"/>
+              <a:t>Indisponível</a:t>
+            </a:r>
+            <a:endParaRPr lang="en-US" sz="2000" dirty="0"/>
+          </a:p>
+        </p:txBody>
+      </p:sp>
+      <p:sp>
+        <p:nvSpPr>
+          <p:cNvPr id="11" name="TextBox 10">
+            <a:extLst>
+              <a:ext uri="{FF2B5EF4-FFF2-40B4-BE49-F238E27FC236}">
+                <a16:creationId xmlns:a16="http://schemas.microsoft.com/office/drawing/2014/main" id="{B3377B3E-318C-5D60-59D1-7B188BCFA8BD}"/>
+              </a:ext>
+            </a:extLst>
+          </p:cNvPr>
+          <p:cNvSpPr txBox="1"/>
+          <p:nvPr/>
+        </p:nvSpPr>
+        <p:spPr>
+          <a:xfrm>
+            <a:off x="822960" y="1807077"/>
+            <a:ext cx="4572000" cy="400110"/>
+          </a:xfrm>
+          <a:prstGeom prst="rect">
+            <a:avLst/>
+          </a:prstGeom>
+          <a:noFill/>
+        </p:spPr>
+        <p:txBody>
+          <a:bodyPr wrap="square">
+            <a:spAutoFit/>
+          </a:bodyPr>
+          <a:lstStyle/>
+          <a:p>
+            <a:r>
+              <a:rPr lang="en-US" sz="2000" b="1" dirty="0"/>
+              <a:t>A1 – </a:t>
+            </a:r>
+            <a:r>
+              <a:rPr lang="en-US" sz="2000" b="1" dirty="0" err="1"/>
+              <a:t>Pagamento</a:t>
+            </a:r>
+            <a:r>
+              <a:rPr lang="en-US" sz="2000" b="1" dirty="0"/>
+              <a:t> </a:t>
+            </a:r>
+            <a:r>
+              <a:rPr lang="en-US" sz="2000" b="1" dirty="0" err="1"/>
+              <a:t>Falhou</a:t>
+            </a:r>
+            <a:endParaRPr lang="en-US" sz="2000" dirty="0"/>
           </a:p>
         </p:txBody>
       </p:sp>
@@ -5190,7 +6431,7 @@
 </file>
 
 <file path=ppt/slides/slide7.xml><?xml version="1.0" encoding="utf-8"?>
-<p:sld xmlns:a="http://schemas.openxmlformats.org/drawingml/2006/main" xmlns:p="http://schemas.openxmlformats.org/presentationml/2006/main" xmlns:r="http://schemas.openxmlformats.org/officeDocument/2006/relationships">
+<p:sld xmlns:a="http://schemas.openxmlformats.org/drawingml/2006/main" xmlns:r="http://schemas.openxmlformats.org/officeDocument/2006/relationships" xmlns:p="http://schemas.openxmlformats.org/presentationml/2006/main">
   <p:cSld>
     <p:spTree>
       <p:nvGrpSpPr>
@@ -5198,7 +6439,14 @@
         <p:cNvGrpSpPr/>
         <p:nvPr/>
       </p:nvGrpSpPr>
-      <p:grpSpPr/>
+      <p:grpSpPr>
+        <a:xfrm>
+          <a:off x="0" y="0"/>
+          <a:ext cx="0" cy="0"/>
+          <a:chOff x="0" y="0"/>
+          <a:chExt cx="0" cy="0"/>
+        </a:xfrm>
+      </p:grpSpPr>
       <p:sp>
         <p:nvSpPr>
           <p:cNvPr id="2" name="Title 1"/>
@@ -5215,52 +6463,49 @@
           <a:lstStyle/>
           <a:p>
             <a:r>
-              <a:t>6.3. Exemplo de Caso de Uso – Realizar Pedido</a:t>
-            </a:r>
-          </a:p>
-        </p:txBody>
-      </p:sp>
-      <p:sp>
-        <p:nvSpPr>
-          <p:cNvPr id="3" name="Content Placeholder 2"/>
-          <p:cNvSpPr>
-            <a:spLocks noGrp="1"/>
-          </p:cNvSpPr>
+              <a:rPr dirty="0"/>
+              <a:t>4. </a:t>
+            </a:r>
+            <a:r>
+              <a:rPr dirty="0" err="1"/>
+              <a:t>Diagrama</a:t>
+            </a:r>
+            <a:r>
+              <a:rPr dirty="0"/>
+              <a:t> de Casos de Uso (UML)</a:t>
+            </a:r>
+          </a:p>
+        </p:txBody>
+      </p:sp>
+      <p:pic>
+        <p:nvPicPr>
+          <p:cNvPr id="7" name="Content Placeholder 6" descr="A diagram of a system">
+            <a:extLst>
+              <a:ext uri="{FF2B5EF4-FFF2-40B4-BE49-F238E27FC236}">
+                <a16:creationId xmlns:a16="http://schemas.microsoft.com/office/drawing/2014/main" id="{3F5FF885-616D-1641-7238-187398CD5461}"/>
+              </a:ext>
+            </a:extLst>
+          </p:cNvPr>
+          <p:cNvPicPr>
+            <a:picLocks noGrp="1" noChangeAspect="1"/>
+          </p:cNvPicPr>
           <p:nvPr>
             <p:ph idx="1"/>
           </p:nvPr>
-        </p:nvSpPr>
-        <p:spPr/>
-        <p:txBody>
-          <a:bodyPr/>
-          <a:lstStyle/>
-          <a:p>
-            <a:r>
-              <a:t>Nome: Realizar Pedido</a:t>
-            </a:r>
-          </a:p>
-          <a:p>
-            <a:r>
-              <a:t>Ator Principal: Cliente</a:t>
-            </a:r>
-          </a:p>
-          <a:p>
-            <a:r>
-              <a:t>Objetivo: Permitir ao cliente realizar um pedido utilizando o totem digital.</a:t>
-            </a:r>
-          </a:p>
-          <a:p>
-            <a:r>
-              <a:t>Pré-condições: Cliente deve estar na interface inicial do totem.</a:t>
-            </a:r>
-          </a:p>
-          <a:p>
-            <a:r>
-              <a:t>Pós-condições: Pedido registrado, enviado para a cozinha e pagamento confirmado.</a:t>
-            </a:r>
-          </a:p>
-        </p:txBody>
-      </p:sp>
+        </p:nvPicPr>
+        <p:blipFill>
+          <a:blip r:embed="rId2"/>
+          <a:stretch>
+            <a:fillRect/>
+          </a:stretch>
+        </p:blipFill>
+        <p:spPr>
+          <a:xfrm>
+            <a:off x="1270791" y="1622895"/>
+            <a:ext cx="6602418" cy="4796193"/>
+          </a:xfrm>
+        </p:spPr>
+      </p:pic>
     </p:spTree>
   </p:cSld>
   <p:clrMapOvr>
@@ -5270,7 +6515,7 @@
 </file>
 
 <file path=ppt/slides/slide8.xml><?xml version="1.0" encoding="utf-8"?>
-<p:sld xmlns:a="http://schemas.openxmlformats.org/drawingml/2006/main" xmlns:p="http://schemas.openxmlformats.org/presentationml/2006/main" xmlns:r="http://schemas.openxmlformats.org/officeDocument/2006/relationships">
+<p:sld xmlns:a="http://schemas.openxmlformats.org/drawingml/2006/main" xmlns:r="http://schemas.openxmlformats.org/officeDocument/2006/relationships" xmlns:p="http://schemas.openxmlformats.org/presentationml/2006/main">
   <p:cSld>
     <p:spTree>
       <p:nvGrpSpPr>
@@ -5278,7 +6523,14 @@
         <p:cNvGrpSpPr/>
         <p:nvPr/>
       </p:nvGrpSpPr>
-      <p:grpSpPr/>
+      <p:grpSpPr>
+        <a:xfrm>
+          <a:off x="0" y="0"/>
+          <a:ext cx="0" cy="0"/>
+          <a:chOff x="0" y="0"/>
+          <a:chExt cx="0" cy="0"/>
+        </a:xfrm>
+      </p:grpSpPr>
       <p:sp>
         <p:nvSpPr>
           <p:cNvPr id="2" name="Title 1"/>
@@ -5291,71 +6543,868 @@
         </p:nvSpPr>
         <p:spPr/>
         <p:txBody>
-          <a:bodyPr/>
+          <a:bodyPr>
+            <a:normAutofit fontScale="90000"/>
+          </a:bodyPr>
           <a:lstStyle/>
           <a:p>
             <a:r>
-              <a:t>Fluxo Principal</a:t>
-            </a:r>
-          </a:p>
-        </p:txBody>
-      </p:sp>
-      <p:sp>
-        <p:nvSpPr>
-          <p:cNvPr id="3" name="Content Placeholder 2"/>
-          <p:cNvSpPr>
-            <a:spLocks noGrp="1"/>
-          </p:cNvSpPr>
+              <a:rPr lang="en-US" dirty="0"/>
+              <a:t>5. </a:t>
+            </a:r>
+            <a:r>
+              <a:rPr dirty="0" err="1"/>
+              <a:t>Fluxo</a:t>
+            </a:r>
+            <a:r>
+              <a:rPr dirty="0"/>
+              <a:t> </a:t>
+            </a:r>
+            <a:r>
+              <a:rPr dirty="0" err="1"/>
+              <a:t>em</a:t>
+            </a:r>
+            <a:r>
+              <a:rPr dirty="0"/>
+              <a:t> </a:t>
+            </a:r>
+            <a:r>
+              <a:rPr dirty="0" err="1"/>
+              <a:t>Tabela</a:t>
+            </a:r>
+            <a:r>
+              <a:rPr dirty="0"/>
+              <a:t> </a:t>
+            </a:r>
+            <a:r>
+              <a:rPr lang="en-US" dirty="0"/>
+              <a:t>(A</a:t>
+            </a:r>
+            <a:r>
+              <a:rPr dirty="0"/>
+              <a:t>tor Principal x Sistema x Ator </a:t>
+            </a:r>
+            <a:r>
+              <a:rPr dirty="0" err="1"/>
+              <a:t>Secundário</a:t>
+            </a:r>
+            <a:r>
+              <a:rPr lang="en-US" dirty="0"/>
+              <a:t>)</a:t>
+            </a:r>
+            <a:endParaRPr dirty="0"/>
+          </a:p>
+        </p:txBody>
+      </p:sp>
+      <p:graphicFrame>
+        <p:nvGraphicFramePr>
+          <p:cNvPr id="6" name="Content Placeholder 5">
+            <a:extLst>
+              <a:ext uri="{FF2B5EF4-FFF2-40B4-BE49-F238E27FC236}">
+                <a16:creationId xmlns:a16="http://schemas.microsoft.com/office/drawing/2014/main" id="{58CDCC62-0D85-5A33-EDC0-52E68EC12E6E}"/>
+              </a:ext>
+            </a:extLst>
+          </p:cNvPr>
+          <p:cNvGraphicFramePr>
+            <a:graphicFrameLocks noGrp="1"/>
+          </p:cNvGraphicFramePr>
           <p:nvPr>
             <p:ph idx="1"/>
-          </p:nvPr>
-        </p:nvSpPr>
-        <p:spPr/>
-        <p:txBody>
-          <a:bodyPr/>
-          <a:lstStyle/>
-          <a:p>
-            <a:r>
-              <a:t>1. O cliente visualiza o cardápio.</a:t>
-            </a:r>
-          </a:p>
-          <a:p>
-            <a:r>
-              <a:t>2. Seleciona itens desejados.</a:t>
-            </a:r>
-          </a:p>
-          <a:p>
-            <a:r>
-              <a:t>3. Personaliza o pedido, se necessário.</a:t>
-            </a:r>
-          </a:p>
-          <a:p>
-            <a:r>
-              <a:t>4. Visualiza valor total.</a:t>
-            </a:r>
-          </a:p>
-          <a:p>
-            <a:r>
-              <a:t>5. Confirma o pedido.</a:t>
-            </a:r>
-          </a:p>
-          <a:p>
-            <a:r>
-              <a:t>6. Escolhe método de pagamento (Pix ou cartão).</a:t>
-            </a:r>
-          </a:p>
-          <a:p>
-            <a:r>
-              <a:t>7. Sistema processa o pagamento.</a:t>
-            </a:r>
-          </a:p>
-          <a:p>
-            <a:r>
-              <a:t>8. Sistema confirma e envia para cozinha.</a:t>
-            </a:r>
-          </a:p>
-        </p:txBody>
-      </p:sp>
+            <p:extLst>
+              <p:ext uri="{D42A27DB-BD31-4B8C-83A1-F6EECF244321}">
+                <p14:modId xmlns:p14="http://schemas.microsoft.com/office/powerpoint/2010/main" val="1690108544"/>
+              </p:ext>
+            </p:extLst>
+          </p:nvPr>
+        </p:nvGraphicFramePr>
+        <p:xfrm>
+          <a:off x="822325" y="1846263"/>
+          <a:ext cx="7543800" cy="4188460"/>
+        </p:xfrm>
+        <a:graphic>
+          <a:graphicData uri="http://schemas.openxmlformats.org/drawingml/2006/table">
+            <a:tbl>
+              <a:tblPr firstRow="1" bandRow="1">
+                <a:tableStyleId>{5C22544A-7EE6-4342-B048-85BDC9FD1C3A}</a:tableStyleId>
+              </a:tblPr>
+              <a:tblGrid>
+                <a:gridCol w="750443">
+                  <a:extLst>
+                    <a:ext uri="{9D8B030D-6E8A-4147-A177-3AD203B41FA5}">
+                      <a16:colId xmlns:a16="http://schemas.microsoft.com/office/drawing/2014/main" val="4201607434"/>
+                    </a:ext>
+                  </a:extLst>
+                </a:gridCol>
+                <a:gridCol w="2258568">
+                  <a:extLst>
+                    <a:ext uri="{9D8B030D-6E8A-4147-A177-3AD203B41FA5}">
+                      <a16:colId xmlns:a16="http://schemas.microsoft.com/office/drawing/2014/main" val="1291824158"/>
+                    </a:ext>
+                  </a:extLst>
+                </a:gridCol>
+                <a:gridCol w="2212848">
+                  <a:extLst>
+                    <a:ext uri="{9D8B030D-6E8A-4147-A177-3AD203B41FA5}">
+                      <a16:colId xmlns:a16="http://schemas.microsoft.com/office/drawing/2014/main" val="2095165122"/>
+                    </a:ext>
+                  </a:extLst>
+                </a:gridCol>
+                <a:gridCol w="2321941">
+                  <a:extLst>
+                    <a:ext uri="{9D8B030D-6E8A-4147-A177-3AD203B41FA5}">
+                      <a16:colId xmlns:a16="http://schemas.microsoft.com/office/drawing/2014/main" val="3695742622"/>
+                    </a:ext>
+                  </a:extLst>
+                </a:gridCol>
+              </a:tblGrid>
+              <a:tr h="370840">
+                <a:tc>
+                  <a:txBody>
+                    <a:bodyPr/>
+                    <a:lstStyle/>
+                    <a:p>
+                      <a:pPr>
+                        <a:buNone/>
+                      </a:pPr>
+                      <a:r>
+                        <a:rPr lang="en-US" sz="1400" b="1" dirty="0">
+                          <a:effectLst/>
+                        </a:rPr>
+                        <a:t>Passo</a:t>
+                      </a:r>
+                    </a:p>
+                  </a:txBody>
+                  <a:tcPr marL="123825" marR="123825" marT="57150" marB="57150" anchor="ctr"/>
+                </a:tc>
+                <a:tc>
+                  <a:txBody>
+                    <a:bodyPr/>
+                    <a:lstStyle/>
+                    <a:p>
+                      <a:pPr>
+                        <a:buNone/>
+                      </a:pPr>
+                      <a:r>
+                        <a:rPr lang="en-US" sz="1400" b="1">
+                          <a:effectLst/>
+                        </a:rPr>
+                        <a:t>Ator Principal (Cliente/Garçom)</a:t>
+                      </a:r>
+                    </a:p>
+                  </a:txBody>
+                  <a:tcPr marL="123825" marR="123825" marT="57150" marB="57150" anchor="ctr"/>
+                </a:tc>
+                <a:tc>
+                  <a:txBody>
+                    <a:bodyPr/>
+                    <a:lstStyle/>
+                    <a:p>
+                      <a:pPr>
+                        <a:buNone/>
+                      </a:pPr>
+                      <a:r>
+                        <a:rPr lang="en-US" sz="1400" b="1">
+                          <a:effectLst/>
+                        </a:rPr>
+                        <a:t>Sistema</a:t>
+                      </a:r>
+                    </a:p>
+                  </a:txBody>
+                  <a:tcPr marL="123825" marR="123825" marT="57150" marB="57150" anchor="ctr"/>
+                </a:tc>
+                <a:tc>
+                  <a:txBody>
+                    <a:bodyPr/>
+                    <a:lstStyle/>
+                    <a:p>
+                      <a:pPr>
+                        <a:buNone/>
+                      </a:pPr>
+                      <a:r>
+                        <a:rPr lang="pt-BR" sz="1400" b="1">
+                          <a:effectLst/>
+                        </a:rPr>
+                        <a:t>Ator Secundário (Ex.: Pagamento / Cozinha)</a:t>
+                      </a:r>
+                    </a:p>
+                  </a:txBody>
+                  <a:tcPr marL="123825" marR="123825" marT="57150" marB="57150" anchor="ctr"/>
+                </a:tc>
+                <a:extLst>
+                  <a:ext uri="{0D108BD9-81ED-4DB2-BD59-A6C34878D82A}">
+                    <a16:rowId xmlns:a16="http://schemas.microsoft.com/office/drawing/2014/main" val="3514962138"/>
+                  </a:ext>
+                </a:extLst>
+              </a:tr>
+              <a:tr h="370840">
+                <a:tc>
+                  <a:txBody>
+                    <a:bodyPr/>
+                    <a:lstStyle/>
+                    <a:p>
+                      <a:pPr>
+                        <a:buNone/>
+                      </a:pPr>
+                      <a:r>
+                        <a:rPr lang="en-US" sz="1400">
+                          <a:effectLst/>
+                        </a:rPr>
+                        <a:t>1</a:t>
+                      </a:r>
+                    </a:p>
+                  </a:txBody>
+                  <a:tcPr marL="123825" marR="123825" marT="57150" marB="57150" anchor="ctr"/>
+                </a:tc>
+                <a:tc>
+                  <a:txBody>
+                    <a:bodyPr/>
+                    <a:lstStyle/>
+                    <a:p>
+                      <a:pPr>
+                        <a:buNone/>
+                      </a:pPr>
+                      <a:r>
+                        <a:rPr lang="en-US" sz="1400">
+                          <a:effectLst/>
+                        </a:rPr>
+                        <a:t>Solicita iniciar pedido</a:t>
+                      </a:r>
+                    </a:p>
+                  </a:txBody>
+                  <a:tcPr marL="123825" marR="123825" marT="57150" marB="57150" anchor="ctr"/>
+                </a:tc>
+                <a:tc>
+                  <a:txBody>
+                    <a:bodyPr/>
+                    <a:lstStyle/>
+                    <a:p>
+                      <a:pPr>
+                        <a:buNone/>
+                      </a:pPr>
+                      <a:r>
+                        <a:rPr lang="en-US" sz="1400" dirty="0" err="1">
+                          <a:effectLst/>
+                        </a:rPr>
+                        <a:t>Exibe</a:t>
+                      </a:r>
+                      <a:r>
+                        <a:rPr lang="en-US" sz="1400" dirty="0">
+                          <a:effectLst/>
+                        </a:rPr>
+                        <a:t> </a:t>
+                      </a:r>
+                      <a:r>
+                        <a:rPr lang="en-US" sz="1400" dirty="0" err="1">
+                          <a:effectLst/>
+                        </a:rPr>
+                        <a:t>cardápio</a:t>
+                      </a:r>
+                      <a:endParaRPr lang="en-US" sz="1400" dirty="0">
+                        <a:effectLst/>
+                      </a:endParaRPr>
+                    </a:p>
+                  </a:txBody>
+                  <a:tcPr marL="123825" marR="123825" marT="57150" marB="57150" anchor="ctr"/>
+                </a:tc>
+                <a:tc>
+                  <a:txBody>
+                    <a:bodyPr/>
+                    <a:lstStyle/>
+                    <a:p>
+                      <a:pPr>
+                        <a:buNone/>
+                      </a:pPr>
+                      <a:r>
+                        <a:rPr lang="en-US" sz="1400">
+                          <a:effectLst/>
+                        </a:rPr>
+                        <a:t>—</a:t>
+                      </a:r>
+                    </a:p>
+                  </a:txBody>
+                  <a:tcPr marL="123825" marR="123825" marT="57150" marB="57150" anchor="ctr"/>
+                </a:tc>
+                <a:extLst>
+                  <a:ext uri="{0D108BD9-81ED-4DB2-BD59-A6C34878D82A}">
+                    <a16:rowId xmlns:a16="http://schemas.microsoft.com/office/drawing/2014/main" val="2801610942"/>
+                  </a:ext>
+                </a:extLst>
+              </a:tr>
+              <a:tr h="370840">
+                <a:tc>
+                  <a:txBody>
+                    <a:bodyPr/>
+                    <a:lstStyle/>
+                    <a:p>
+                      <a:pPr>
+                        <a:buNone/>
+                      </a:pPr>
+                      <a:r>
+                        <a:rPr lang="en-US" sz="1400">
+                          <a:effectLst/>
+                        </a:rPr>
+                        <a:t>2</a:t>
+                      </a:r>
+                    </a:p>
+                  </a:txBody>
+                  <a:tcPr marL="123825" marR="123825" marT="57150" marB="57150" anchor="ctr"/>
+                </a:tc>
+                <a:tc>
+                  <a:txBody>
+                    <a:bodyPr/>
+                    <a:lstStyle/>
+                    <a:p>
+                      <a:pPr>
+                        <a:buNone/>
+                      </a:pPr>
+                      <a:r>
+                        <a:rPr lang="en-US" sz="1400">
+                          <a:effectLst/>
+                        </a:rPr>
+                        <a:t>Seleciona itens desejados</a:t>
+                      </a:r>
+                    </a:p>
+                  </a:txBody>
+                  <a:tcPr marL="123825" marR="123825" marT="57150" marB="57150" anchor="ctr"/>
+                </a:tc>
+                <a:tc>
+                  <a:txBody>
+                    <a:bodyPr/>
+                    <a:lstStyle/>
+                    <a:p>
+                      <a:pPr>
+                        <a:buNone/>
+                      </a:pPr>
+                      <a:r>
+                        <a:rPr lang="en-US" sz="1400">
+                          <a:effectLst/>
+                        </a:rPr>
+                        <a:t>Registra seleção</a:t>
+                      </a:r>
+                    </a:p>
+                  </a:txBody>
+                  <a:tcPr marL="123825" marR="123825" marT="57150" marB="57150" anchor="ctr"/>
+                </a:tc>
+                <a:tc>
+                  <a:txBody>
+                    <a:bodyPr/>
+                    <a:lstStyle/>
+                    <a:p>
+                      <a:pPr>
+                        <a:buNone/>
+                      </a:pPr>
+                      <a:r>
+                        <a:rPr lang="en-US" sz="1400">
+                          <a:effectLst/>
+                        </a:rPr>
+                        <a:t>—</a:t>
+                      </a:r>
+                    </a:p>
+                  </a:txBody>
+                  <a:tcPr marL="123825" marR="123825" marT="57150" marB="57150" anchor="ctr"/>
+                </a:tc>
+                <a:extLst>
+                  <a:ext uri="{0D108BD9-81ED-4DB2-BD59-A6C34878D82A}">
+                    <a16:rowId xmlns:a16="http://schemas.microsoft.com/office/drawing/2014/main" val="2007189218"/>
+                  </a:ext>
+                </a:extLst>
+              </a:tr>
+              <a:tr h="370840">
+                <a:tc>
+                  <a:txBody>
+                    <a:bodyPr/>
+                    <a:lstStyle/>
+                    <a:p>
+                      <a:pPr>
+                        <a:buNone/>
+                      </a:pPr>
+                      <a:r>
+                        <a:rPr lang="en-US" sz="1400">
+                          <a:effectLst/>
+                        </a:rPr>
+                        <a:t>3</a:t>
+                      </a:r>
+                    </a:p>
+                  </a:txBody>
+                  <a:tcPr marL="123825" marR="123825" marT="57150" marB="57150" anchor="ctr"/>
+                </a:tc>
+                <a:tc>
+                  <a:txBody>
+                    <a:bodyPr/>
+                    <a:lstStyle/>
+                    <a:p>
+                      <a:pPr>
+                        <a:buNone/>
+                      </a:pPr>
+                      <a:r>
+                        <a:rPr lang="en-US" sz="1400">
+                          <a:effectLst/>
+                        </a:rPr>
+                        <a:t>Personaliza item (opcional)</a:t>
+                      </a:r>
+                    </a:p>
+                  </a:txBody>
+                  <a:tcPr marL="123825" marR="123825" marT="57150" marB="57150" anchor="ctr"/>
+                </a:tc>
+                <a:tc>
+                  <a:txBody>
+                    <a:bodyPr/>
+                    <a:lstStyle/>
+                    <a:p>
+                      <a:pPr>
+                        <a:buNone/>
+                      </a:pPr>
+                      <a:r>
+                        <a:rPr lang="en-US" sz="1400">
+                          <a:effectLst/>
+                        </a:rPr>
+                        <a:t>Ajusta pedido</a:t>
+                      </a:r>
+                    </a:p>
+                  </a:txBody>
+                  <a:tcPr marL="123825" marR="123825" marT="57150" marB="57150" anchor="ctr"/>
+                </a:tc>
+                <a:tc>
+                  <a:txBody>
+                    <a:bodyPr/>
+                    <a:lstStyle/>
+                    <a:p>
+                      <a:pPr>
+                        <a:buNone/>
+                      </a:pPr>
+                      <a:r>
+                        <a:rPr lang="en-US" sz="1400" dirty="0">
+                          <a:effectLst/>
+                        </a:rPr>
+                        <a:t>—</a:t>
+                      </a:r>
+                    </a:p>
+                  </a:txBody>
+                  <a:tcPr marL="123825" marR="123825" marT="57150" marB="57150" anchor="ctr"/>
+                </a:tc>
+                <a:extLst>
+                  <a:ext uri="{0D108BD9-81ED-4DB2-BD59-A6C34878D82A}">
+                    <a16:rowId xmlns:a16="http://schemas.microsoft.com/office/drawing/2014/main" val="1619637081"/>
+                  </a:ext>
+                </a:extLst>
+              </a:tr>
+              <a:tr h="370840">
+                <a:tc>
+                  <a:txBody>
+                    <a:bodyPr/>
+                    <a:lstStyle/>
+                    <a:p>
+                      <a:pPr>
+                        <a:buNone/>
+                      </a:pPr>
+                      <a:r>
+                        <a:rPr lang="en-US" sz="1400">
+                          <a:effectLst/>
+                        </a:rPr>
+                        <a:t>4</a:t>
+                      </a:r>
+                    </a:p>
+                  </a:txBody>
+                  <a:tcPr marL="123825" marR="123825" marT="57150" marB="57150" anchor="ctr"/>
+                </a:tc>
+                <a:tc>
+                  <a:txBody>
+                    <a:bodyPr/>
+                    <a:lstStyle/>
+                    <a:p>
+                      <a:pPr>
+                        <a:buNone/>
+                      </a:pPr>
+                      <a:r>
+                        <a:rPr lang="en-US" sz="1400">
+                          <a:effectLst/>
+                        </a:rPr>
+                        <a:t>Solicita visualizar valor</a:t>
+                      </a:r>
+                    </a:p>
+                  </a:txBody>
+                  <a:tcPr marL="123825" marR="123825" marT="57150" marB="57150" anchor="ctr"/>
+                </a:tc>
+                <a:tc>
+                  <a:txBody>
+                    <a:bodyPr/>
+                    <a:lstStyle/>
+                    <a:p>
+                      <a:pPr>
+                        <a:buNone/>
+                      </a:pPr>
+                      <a:r>
+                        <a:rPr lang="en-US" sz="1400" dirty="0" err="1">
+                          <a:effectLst/>
+                        </a:rPr>
+                        <a:t>Calcula</a:t>
+                      </a:r>
+                      <a:r>
+                        <a:rPr lang="en-US" sz="1400" dirty="0">
+                          <a:effectLst/>
+                        </a:rPr>
+                        <a:t> e </a:t>
+                      </a:r>
+                      <a:r>
+                        <a:rPr lang="en-US" sz="1400" dirty="0" err="1">
+                          <a:effectLst/>
+                        </a:rPr>
+                        <a:t>apresenta</a:t>
+                      </a:r>
+                      <a:r>
+                        <a:rPr lang="en-US" sz="1400" dirty="0">
+                          <a:effectLst/>
+                        </a:rPr>
+                        <a:t> total</a:t>
+                      </a:r>
+                    </a:p>
+                  </a:txBody>
+                  <a:tcPr marL="123825" marR="123825" marT="57150" marB="57150" anchor="ctr"/>
+                </a:tc>
+                <a:tc>
+                  <a:txBody>
+                    <a:bodyPr/>
+                    <a:lstStyle/>
+                    <a:p>
+                      <a:pPr>
+                        <a:buNone/>
+                      </a:pPr>
+                      <a:r>
+                        <a:rPr lang="en-US" sz="1400">
+                          <a:effectLst/>
+                        </a:rPr>
+                        <a:t>—</a:t>
+                      </a:r>
+                    </a:p>
+                  </a:txBody>
+                  <a:tcPr marL="123825" marR="123825" marT="57150" marB="57150" anchor="ctr"/>
+                </a:tc>
+                <a:extLst>
+                  <a:ext uri="{0D108BD9-81ED-4DB2-BD59-A6C34878D82A}">
+                    <a16:rowId xmlns:a16="http://schemas.microsoft.com/office/drawing/2014/main" val="191629285"/>
+                  </a:ext>
+                </a:extLst>
+              </a:tr>
+              <a:tr h="370840">
+                <a:tc>
+                  <a:txBody>
+                    <a:bodyPr/>
+                    <a:lstStyle/>
+                    <a:p>
+                      <a:pPr>
+                        <a:buNone/>
+                      </a:pPr>
+                      <a:r>
+                        <a:rPr lang="en-US" sz="1400">
+                          <a:effectLst/>
+                        </a:rPr>
+                        <a:t>5</a:t>
+                      </a:r>
+                    </a:p>
+                  </a:txBody>
+                  <a:tcPr marL="123825" marR="123825" marT="57150" marB="57150" anchor="ctr"/>
+                </a:tc>
+                <a:tc>
+                  <a:txBody>
+                    <a:bodyPr/>
+                    <a:lstStyle/>
+                    <a:p>
+                      <a:pPr>
+                        <a:buNone/>
+                      </a:pPr>
+                      <a:r>
+                        <a:rPr lang="en-US" sz="1400">
+                          <a:effectLst/>
+                        </a:rPr>
+                        <a:t>Confirma pedido</a:t>
+                      </a:r>
+                    </a:p>
+                  </a:txBody>
+                  <a:tcPr marL="123825" marR="123825" marT="57150" marB="57150" anchor="ctr"/>
+                </a:tc>
+                <a:tc>
+                  <a:txBody>
+                    <a:bodyPr/>
+                    <a:lstStyle/>
+                    <a:p>
+                      <a:pPr>
+                        <a:buNone/>
+                      </a:pPr>
+                      <a:r>
+                        <a:rPr lang="en-US" sz="1400">
+                          <a:effectLst/>
+                        </a:rPr>
+                        <a:t>Solicita método de pagamento</a:t>
+                      </a:r>
+                    </a:p>
+                  </a:txBody>
+                  <a:tcPr marL="123825" marR="123825" marT="57150" marB="57150" anchor="ctr"/>
+                </a:tc>
+                <a:tc>
+                  <a:txBody>
+                    <a:bodyPr/>
+                    <a:lstStyle/>
+                    <a:p>
+                      <a:pPr>
+                        <a:buNone/>
+                      </a:pPr>
+                      <a:r>
+                        <a:rPr lang="en-US" sz="1400">
+                          <a:effectLst/>
+                        </a:rPr>
+                        <a:t>—</a:t>
+                      </a:r>
+                    </a:p>
+                  </a:txBody>
+                  <a:tcPr marL="123825" marR="123825" marT="57150" marB="57150" anchor="ctr"/>
+                </a:tc>
+                <a:extLst>
+                  <a:ext uri="{0D108BD9-81ED-4DB2-BD59-A6C34878D82A}">
+                    <a16:rowId xmlns:a16="http://schemas.microsoft.com/office/drawing/2014/main" val="1385232670"/>
+                  </a:ext>
+                </a:extLst>
+              </a:tr>
+              <a:tr h="370840">
+                <a:tc>
+                  <a:txBody>
+                    <a:bodyPr/>
+                    <a:lstStyle/>
+                    <a:p>
+                      <a:pPr>
+                        <a:buNone/>
+                      </a:pPr>
+                      <a:r>
+                        <a:rPr lang="en-US" sz="1400">
+                          <a:effectLst/>
+                        </a:rPr>
+                        <a:t>6</a:t>
+                      </a:r>
+                    </a:p>
+                  </a:txBody>
+                  <a:tcPr marL="123825" marR="123825" marT="57150" marB="57150" anchor="ctr"/>
+                </a:tc>
+                <a:tc>
+                  <a:txBody>
+                    <a:bodyPr/>
+                    <a:lstStyle/>
+                    <a:p>
+                      <a:pPr>
+                        <a:buNone/>
+                      </a:pPr>
+                      <a:r>
+                        <a:rPr lang="en-US" sz="1400">
+                          <a:effectLst/>
+                        </a:rPr>
+                        <a:t>Escolhe pagamento (Pix/Cartão)</a:t>
+                      </a:r>
+                    </a:p>
+                  </a:txBody>
+                  <a:tcPr marL="123825" marR="123825" marT="57150" marB="57150" anchor="ctr"/>
+                </a:tc>
+                <a:tc>
+                  <a:txBody>
+                    <a:bodyPr/>
+                    <a:lstStyle/>
+                    <a:p>
+                      <a:pPr>
+                        <a:buNone/>
+                      </a:pPr>
+                      <a:r>
+                        <a:rPr lang="en-US" sz="1400">
+                          <a:effectLst/>
+                        </a:rPr>
+                        <a:t>Envia dados da transação</a:t>
+                      </a:r>
+                    </a:p>
+                  </a:txBody>
+                  <a:tcPr marL="123825" marR="123825" marT="57150" marB="57150" anchor="ctr"/>
+                </a:tc>
+                <a:tc>
+                  <a:txBody>
+                    <a:bodyPr/>
+                    <a:lstStyle/>
+                    <a:p>
+                      <a:pPr>
+                        <a:buNone/>
+                      </a:pPr>
+                      <a:r>
+                        <a:rPr lang="pt-BR" sz="1400">
+                          <a:effectLst/>
+                        </a:rPr>
+                        <a:t>Sistema de Pagamento processa a operação</a:t>
+                      </a:r>
+                    </a:p>
+                  </a:txBody>
+                  <a:tcPr marL="123825" marR="123825" marT="57150" marB="57150" anchor="ctr"/>
+                </a:tc>
+                <a:extLst>
+                  <a:ext uri="{0D108BD9-81ED-4DB2-BD59-A6C34878D82A}">
+                    <a16:rowId xmlns:a16="http://schemas.microsoft.com/office/drawing/2014/main" val="1306080016"/>
+                  </a:ext>
+                </a:extLst>
+              </a:tr>
+              <a:tr h="370840">
+                <a:tc>
+                  <a:txBody>
+                    <a:bodyPr/>
+                    <a:lstStyle/>
+                    <a:p>
+                      <a:pPr>
+                        <a:buNone/>
+                      </a:pPr>
+                      <a:r>
+                        <a:rPr lang="en-US" sz="1400">
+                          <a:effectLst/>
+                        </a:rPr>
+                        <a:t>7</a:t>
+                      </a:r>
+                    </a:p>
+                  </a:txBody>
+                  <a:tcPr marL="123825" marR="123825" marT="57150" marB="57150" anchor="ctr"/>
+                </a:tc>
+                <a:tc>
+                  <a:txBody>
+                    <a:bodyPr/>
+                    <a:lstStyle/>
+                    <a:p>
+                      <a:pPr>
+                        <a:buNone/>
+                      </a:pPr>
+                      <a:r>
+                        <a:rPr lang="en-US" sz="1400">
+                          <a:effectLst/>
+                        </a:rPr>
+                        <a:t>Confirma pagamento</a:t>
+                      </a:r>
+                    </a:p>
+                  </a:txBody>
+                  <a:tcPr marL="123825" marR="123825" marT="57150" marB="57150" anchor="ctr"/>
+                </a:tc>
+                <a:tc>
+                  <a:txBody>
+                    <a:bodyPr/>
+                    <a:lstStyle/>
+                    <a:p>
+                      <a:pPr>
+                        <a:buNone/>
+                      </a:pPr>
+                      <a:r>
+                        <a:rPr lang="pt-BR" sz="1400">
+                          <a:effectLst/>
+                        </a:rPr>
+                        <a:t>Registra aprovação e gera nota fiscal</a:t>
+                      </a:r>
+                    </a:p>
+                  </a:txBody>
+                  <a:tcPr marL="123825" marR="123825" marT="57150" marB="57150" anchor="ctr"/>
+                </a:tc>
+                <a:tc>
+                  <a:txBody>
+                    <a:bodyPr/>
+                    <a:lstStyle/>
+                    <a:p>
+                      <a:pPr>
+                        <a:buNone/>
+                      </a:pPr>
+                      <a:r>
+                        <a:rPr lang="pt-BR" sz="1400">
+                          <a:effectLst/>
+                        </a:rPr>
+                        <a:t>Sistema de Pagamento confirma operação</a:t>
+                      </a:r>
+                    </a:p>
+                  </a:txBody>
+                  <a:tcPr marL="123825" marR="123825" marT="57150" marB="57150" anchor="ctr"/>
+                </a:tc>
+                <a:extLst>
+                  <a:ext uri="{0D108BD9-81ED-4DB2-BD59-A6C34878D82A}">
+                    <a16:rowId xmlns:a16="http://schemas.microsoft.com/office/drawing/2014/main" val="1478291463"/>
+                  </a:ext>
+                </a:extLst>
+              </a:tr>
+              <a:tr h="370840">
+                <a:tc>
+                  <a:txBody>
+                    <a:bodyPr/>
+                    <a:lstStyle/>
+                    <a:p>
+                      <a:pPr>
+                        <a:buNone/>
+                      </a:pPr>
+                      <a:r>
+                        <a:rPr lang="en-US" sz="1400">
+                          <a:effectLst/>
+                        </a:rPr>
+                        <a:t>8</a:t>
+                      </a:r>
+                    </a:p>
+                  </a:txBody>
+                  <a:tcPr marL="123825" marR="123825" marT="57150" marB="57150" anchor="ctr"/>
+                </a:tc>
+                <a:tc>
+                  <a:txBody>
+                    <a:bodyPr/>
+                    <a:lstStyle/>
+                    <a:p>
+                      <a:pPr>
+                        <a:buNone/>
+                      </a:pPr>
+                      <a:r>
+                        <a:rPr lang="en-US" sz="1400">
+                          <a:effectLst/>
+                        </a:rPr>
+                        <a:t>—</a:t>
+                      </a:r>
+                    </a:p>
+                  </a:txBody>
+                  <a:tcPr marL="123825" marR="123825" marT="57150" marB="57150" anchor="ctr"/>
+                </a:tc>
+                <a:tc>
+                  <a:txBody>
+                    <a:bodyPr/>
+                    <a:lstStyle/>
+                    <a:p>
+                      <a:pPr>
+                        <a:buNone/>
+                      </a:pPr>
+                      <a:r>
+                        <a:rPr lang="en-US" sz="1400">
+                          <a:effectLst/>
+                        </a:rPr>
+                        <a:t>Envia pedido</a:t>
+                      </a:r>
+                    </a:p>
+                  </a:txBody>
+                  <a:tcPr marL="123825" marR="123825" marT="57150" marB="57150" anchor="ctr"/>
+                </a:tc>
+                <a:tc>
+                  <a:txBody>
+                    <a:bodyPr/>
+                    <a:lstStyle/>
+                    <a:p>
+                      <a:pPr>
+                        <a:buNone/>
+                      </a:pPr>
+                      <a:r>
+                        <a:rPr lang="pt-BR" sz="1400" dirty="0">
+                          <a:effectLst/>
+                        </a:rPr>
+                        <a:t>Cozinha recebe pedido para preparação</a:t>
+                      </a:r>
+                    </a:p>
+                  </a:txBody>
+                  <a:tcPr marL="123825" marR="123825" marT="57150" marB="57150" anchor="ctr"/>
+                </a:tc>
+                <a:extLst>
+                  <a:ext uri="{0D108BD9-81ED-4DB2-BD59-A6C34878D82A}">
+                    <a16:rowId xmlns:a16="http://schemas.microsoft.com/office/drawing/2014/main" val="3691202273"/>
+                  </a:ext>
+                </a:extLst>
+              </a:tr>
+            </a:tbl>
+          </a:graphicData>
+        </a:graphic>
+      </p:graphicFrame>
     </p:spTree>
   </p:cSld>
   <p:clrMapOvr>
@@ -5365,7 +7414,7 @@
 </file>
 
 <file path=ppt/slides/slide9.xml><?xml version="1.0" encoding="utf-8"?>
-<p:sld xmlns:a="http://schemas.openxmlformats.org/drawingml/2006/main" xmlns:p="http://schemas.openxmlformats.org/presentationml/2006/main" xmlns:r="http://schemas.openxmlformats.org/officeDocument/2006/relationships">
+<p:sld xmlns:a="http://schemas.openxmlformats.org/drawingml/2006/main" xmlns:r="http://schemas.openxmlformats.org/officeDocument/2006/relationships" xmlns:p="http://schemas.openxmlformats.org/presentationml/2006/main">
   <p:cSld>
     <p:spTree>
       <p:nvGrpSpPr>
@@ -5373,7 +7422,14 @@
         <p:cNvGrpSpPr/>
         <p:nvPr/>
       </p:nvGrpSpPr>
-      <p:grpSpPr/>
+      <p:grpSpPr>
+        <a:xfrm>
+          <a:off x="0" y="0"/>
+          <a:ext cx="0" cy="0"/>
+          <a:chOff x="0" y="0"/>
+          <a:chExt cx="0" cy="0"/>
+        </a:xfrm>
+      </p:grpSpPr>
       <p:sp>
         <p:nvSpPr>
           <p:cNvPr id="2" name="Title 1"/>
@@ -5390,14 +7446,29 @@
           <a:lstStyle/>
           <a:p>
             <a:r>
-              <a:t>Fluxos Alternativos</a:t>
-            </a:r>
-          </a:p>
-        </p:txBody>
-      </p:sp>
-      <p:sp>
-        <p:nvSpPr>
-          <p:cNvPr id="3" name="Content Placeholder 2"/>
+              <a:rPr dirty="0"/>
+              <a:t>6. </a:t>
+            </a:r>
+            <a:r>
+              <a:rPr dirty="0" err="1"/>
+              <a:t>Conexão</a:t>
+            </a:r>
+            <a:r>
+              <a:rPr dirty="0"/>
+              <a:t> com User Story no SCRUM</a:t>
+            </a:r>
+          </a:p>
+        </p:txBody>
+      </p:sp>
+      <p:sp>
+        <p:nvSpPr>
+          <p:cNvPr id="5" name="Content Placeholder 4">
+            <a:extLst>
+              <a:ext uri="{FF2B5EF4-FFF2-40B4-BE49-F238E27FC236}">
+                <a16:creationId xmlns:a16="http://schemas.microsoft.com/office/drawing/2014/main" id="{031F4909-4CDA-11C4-D6E4-E7D616DC5BAC}"/>
+              </a:ext>
+            </a:extLst>
+          </p:cNvPr>
           <p:cNvSpPr>
             <a:spLocks noGrp="1"/>
           </p:cNvSpPr>
@@ -5407,17 +7478,107 @@
         </p:nvSpPr>
         <p:spPr/>
         <p:txBody>
-          <a:bodyPr/>
+          <a:bodyPr>
+            <a:normAutofit/>
+          </a:bodyPr>
           <a:lstStyle/>
           <a:p>
             <a:r>
-              <a:t>Pagamento falhou: sistema exibe erro → cliente escolhe outro método.</a:t>
-            </a:r>
-          </a:p>
-          <a:p>
-            <a:r>
-              <a:t>Item indisponível: sistema alerta → cliente remove ou substitui.</a:t>
-            </a:r>
+              <a:rPr lang="pt-BR" dirty="0"/>
+              <a:t>Dentro do </a:t>
+            </a:r>
+            <a:r>
+              <a:rPr lang="pt-BR" b="1" dirty="0"/>
+              <a:t>framework SCRUM</a:t>
+            </a:r>
+            <a:r>
+              <a:rPr lang="pt-BR" dirty="0"/>
+              <a:t>, os </a:t>
+            </a:r>
+            <a:r>
+              <a:rPr lang="pt-BR" b="1" dirty="0"/>
+              <a:t>Casos de Uso</a:t>
+            </a:r>
+            <a:r>
+              <a:rPr lang="pt-BR" dirty="0"/>
+              <a:t> podem servir como base para a criação de </a:t>
+            </a:r>
+            <a:r>
+              <a:rPr lang="pt-BR" b="1" dirty="0"/>
+              <a:t>User Stories</a:t>
+            </a:r>
+            <a:r>
+              <a:rPr lang="pt-BR" dirty="0"/>
+              <a:t> que irão compor o </a:t>
+            </a:r>
+            <a:r>
+              <a:rPr lang="pt-BR" b="1" dirty="0"/>
+              <a:t>Product Backlog</a:t>
+            </a:r>
+            <a:r>
+              <a:rPr lang="pt-BR" dirty="0"/>
+              <a:t>.</a:t>
+            </a:r>
+          </a:p>
+          <a:p>
+            <a:r>
+              <a:rPr lang="pt-BR" dirty="0"/>
+              <a:t>A hierarquia em Scrum é:</a:t>
+            </a:r>
+          </a:p>
+          <a:p>
+            <a:r>
+              <a:rPr lang="pt-BR" b="1" dirty="0"/>
+              <a:t>Épico → Feature → User Story → Tasks</a:t>
+            </a:r>
+            <a:endParaRPr lang="pt-BR" dirty="0"/>
+          </a:p>
+          <a:p>
+            <a:pPr lvl="1"/>
+            <a:r>
+              <a:rPr lang="pt-BR" b="1" dirty="0"/>
+              <a:t>Épico</a:t>
+            </a:r>
+            <a:r>
+              <a:rPr lang="pt-BR" dirty="0"/>
+              <a:t>: uma iniciativa estratégica ou objetivo de negócio amplo.</a:t>
+            </a:r>
+          </a:p>
+          <a:p>
+            <a:pPr lvl="1"/>
+            <a:r>
+              <a:rPr lang="pt-BR" b="1" dirty="0"/>
+              <a:t>Feature</a:t>
+            </a:r>
+            <a:r>
+              <a:rPr lang="pt-BR" dirty="0"/>
+              <a:t>: uma funcionalidade relevante do sistema (um Caso de Uso pode ser tratado como uma Feature).</a:t>
+            </a:r>
+          </a:p>
+          <a:p>
+            <a:pPr lvl="1"/>
+            <a:r>
+              <a:rPr lang="pt-BR" b="1" dirty="0"/>
+              <a:t>User Story</a:t>
+            </a:r>
+            <a:r>
+              <a:rPr lang="pt-BR" dirty="0"/>
+              <a:t>: descreve uma necessidade específica do usuário final, geralmente derivada de fluxos principais ou alternativos de um Caso de Uso.</a:t>
+            </a:r>
+          </a:p>
+          <a:p>
+            <a:pPr lvl="1"/>
+            <a:r>
+              <a:rPr lang="pt-BR" b="1" dirty="0"/>
+              <a:t>Tasks</a:t>
+            </a:r>
+            <a:r>
+              <a:rPr lang="pt-BR" dirty="0"/>
+              <a:t>: atividades técnicas necessárias para implementar cada User Story.</a:t>
+            </a:r>
+          </a:p>
+          <a:p>
+            <a:endParaRPr lang="en-US" dirty="0"/>
           </a:p>
         </p:txBody>
       </p:sp>
@@ -5430,9 +7591,9 @@
 </file>
 
 <file path=ppt/theme/theme1.xml><?xml version="1.0" encoding="utf-8"?>
-<a:theme xmlns:a="http://schemas.openxmlformats.org/drawingml/2006/main" name="Office Theme">
+<a:theme xmlns:a="http://schemas.openxmlformats.org/drawingml/2006/main" name="Retrospect">
   <a:themeElements>
-    <a:clrScheme name="Office">
+    <a:clrScheme name="Retrospect">
       <a:dk1>
         <a:sysClr val="windowText" lastClr="000000"/>
       </a:dk1>
@@ -5440,39 +7601,39 @@
         <a:sysClr val="window" lastClr="FFFFFF"/>
       </a:lt1>
       <a:dk2>
-        <a:srgbClr val="1F497D"/>
+        <a:srgbClr val="455F51"/>
       </a:dk2>
       <a:lt2>
-        <a:srgbClr val="EEECE1"/>
+        <a:srgbClr val="E2DFCC"/>
       </a:lt2>
       <a:accent1>
-        <a:srgbClr val="4F81BD"/>
+        <a:srgbClr val="99CB38"/>
       </a:accent1>
       <a:accent2>
-        <a:srgbClr val="C0504D"/>
+        <a:srgbClr val="63A537"/>
       </a:accent2>
       <a:accent3>
-        <a:srgbClr val="9BBB59"/>
+        <a:srgbClr val="37A76F"/>
       </a:accent3>
       <a:accent4>
-        <a:srgbClr val="8064A2"/>
+        <a:srgbClr val="44C1A3"/>
       </a:accent4>
       <a:accent5>
-        <a:srgbClr val="4BACC6"/>
+        <a:srgbClr val="4EB3CF"/>
       </a:accent5>
       <a:accent6>
-        <a:srgbClr val="F79646"/>
+        <a:srgbClr val="51C3F9"/>
       </a:accent6>
       <a:hlink>
-        <a:srgbClr val="0000FF"/>
+        <a:srgbClr val="6B9F25"/>
       </a:hlink>
       <a:folHlink>
-        <a:srgbClr val="800080"/>
+        <a:srgbClr val="B26B02"/>
       </a:folHlink>
     </a:clrScheme>
-    <a:fontScheme name="Office">
+    <a:fontScheme name="Retrospect">
       <a:majorFont>
-        <a:latin typeface="Calibri"/>
+        <a:latin typeface="Calibri Light" panose="020F0302020204030204"/>
         <a:ea typeface=""/>
         <a:cs typeface=""/>
         <a:font script="Jpan" typeface="ＭＳ Ｐゴシック"/>
@@ -5507,7 +7668,7 @@
         <a:font script="Geor" typeface="Sylfaen"/>
       </a:majorFont>
       <a:minorFont>
-        <a:latin typeface="Calibri"/>
+        <a:latin typeface="Calibri" panose="020F0502020204030204"/>
         <a:ea typeface=""/>
         <a:cs typeface=""/>
         <a:font script="Jpan" typeface="ＭＳ Ｐゴシック"/>
@@ -5542,7 +7703,7 @@
         <a:font script="Geor" typeface="Sylfaen"/>
       </a:minorFont>
     </a:fontScheme>
-    <a:fmtScheme name="Office">
+    <a:fmtScheme name="Retrospect">
       <a:fillStyleLst>
         <a:solidFill>
           <a:schemeClr val="phClr"/>
@@ -5551,52 +7712,73 @@
           <a:gsLst>
             <a:gs pos="0">
               <a:schemeClr val="phClr">
-                <a:tint val="50000"/>
-                <a:satMod val="300000"/>
+                <a:tint val="65000"/>
+                <a:shade val="92000"/>
+                <a:satMod val="130000"/>
               </a:schemeClr>
             </a:gs>
-            <a:gs pos="35000">
+            <a:gs pos="45000">
               <a:schemeClr val="phClr">
-                <a:tint val="37000"/>
-                <a:satMod val="300000"/>
+                <a:tint val="60000"/>
+                <a:shade val="99000"/>
+                <a:satMod val="120000"/>
               </a:schemeClr>
             </a:gs>
             <a:gs pos="100000">
               <a:schemeClr val="phClr">
-                <a:tint val="15000"/>
-                <a:satMod val="350000"/>
+                <a:tint val="55000"/>
+                <a:satMod val="140000"/>
               </a:schemeClr>
             </a:gs>
           </a:gsLst>
-          <a:lin ang="16200000" scaled="1"/>
+          <a:path path="circle">
+            <a:fillToRect l="100000" t="100000" r="100000" b="100000"/>
+          </a:path>
         </a:gradFill>
         <a:gradFill rotWithShape="1">
           <a:gsLst>
             <a:gs pos="0">
               <a:schemeClr val="phClr">
+                <a:shade val="85000"/>
+                <a:satMod val="130000"/>
+              </a:schemeClr>
+            </a:gs>
+            <a:gs pos="34000">
+              <a:schemeClr val="phClr">
+                <a:shade val="87000"/>
+                <a:satMod val="125000"/>
+              </a:schemeClr>
+            </a:gs>
+            <a:gs pos="70000">
+              <a:schemeClr val="phClr">
                 <a:tint val="100000"/>
-                <a:shade val="100000"/>
+                <a:shade val="90000"/>
                 <a:satMod val="130000"/>
               </a:schemeClr>
             </a:gs>
             <a:gs pos="100000">
               <a:schemeClr val="phClr">
-                <a:tint val="50000"/>
+                <a:tint val="100000"/>
                 <a:shade val="100000"/>
-                <a:satMod val="350000"/>
+                <a:satMod val="110000"/>
               </a:schemeClr>
             </a:gs>
           </a:gsLst>
-          <a:lin ang="16200000" scaled="0"/>
+          <a:path path="circle">
+            <a:fillToRect l="100000" t="100000" r="100000" b="100000"/>
+          </a:path>
         </a:gradFill>
       </a:fillStyleLst>
       <a:lnStyleLst>
-        <a:ln w="9525" cap="flat" cmpd="sng" algn="ctr">
+        <a:ln w="12700" cap="flat" cmpd="sng" algn="ctr">
           <a:solidFill>
-            <a:schemeClr val="phClr">
-              <a:shade val="95000"/>
-              <a:satMod val="105000"/>
-            </a:schemeClr>
+            <a:schemeClr val="phClr"/>
+          </a:solidFill>
+          <a:prstDash val="solid"/>
+        </a:ln>
+        <a:ln w="15875" cap="flat" cmpd="sng" algn="ctr">
+          <a:solidFill>
+            <a:schemeClr val="phClr"/>
           </a:solidFill>
           <a:prstDash val="solid"/>
         </a:ln>
@@ -5606,37 +7788,25 @@
           </a:solidFill>
           <a:prstDash val="solid"/>
         </a:ln>
-        <a:ln w="38100" cap="flat" cmpd="sng" algn="ctr">
-          <a:solidFill>
-            <a:schemeClr val="phClr"/>
-          </a:solidFill>
-          <a:prstDash val="solid"/>
-        </a:ln>
       </a:lnStyleLst>
       <a:effectStyleLst>
         <a:effectStyle>
+          <a:effectLst/>
+        </a:effectStyle>
+        <a:effectStyle>
           <a:effectLst>
-            <a:outerShdw blurRad="40000" dist="20000" dir="5400000" rotWithShape="0">
+            <a:outerShdw blurRad="38100" dist="25400" dir="2700000" algn="br" rotWithShape="0">
               <a:srgbClr val="000000">
-                <a:alpha val="38000"/>
+                <a:alpha val="60000"/>
               </a:srgbClr>
             </a:outerShdw>
           </a:effectLst>
         </a:effectStyle>
         <a:effectStyle>
           <a:effectLst>
-            <a:outerShdw blurRad="40000" dist="23000" dir="5400000" rotWithShape="0">
+            <a:outerShdw blurRad="44450" dist="25400" dir="2700000" algn="br" rotWithShape="0">
               <a:srgbClr val="000000">
-                <a:alpha val="35000"/>
-              </a:srgbClr>
-            </a:outerShdw>
-          </a:effectLst>
-        </a:effectStyle>
-        <a:effectStyle>
-          <a:effectLst>
-            <a:outerShdw blurRad="40000" dist="23000" dir="5400000" rotWithShape="0">
-              <a:srgbClr val="000000">
-                <a:alpha val="35000"/>
+                <a:alpha val="60000"/>
               </a:srgbClr>
             </a:outerShdw>
           </a:effectLst>
@@ -5645,11 +7815,11 @@
               <a:rot lat="0" lon="0" rev="0"/>
             </a:camera>
             <a:lightRig rig="threePt" dir="t">
-              <a:rot lat="0" lon="0" rev="1200000"/>
+              <a:rot lat="0" lon="0" rev="19800000"/>
             </a:lightRig>
           </a:scene3d>
-          <a:sp3d>
-            <a:bevelT w="63500" h="25400"/>
+          <a:sp3d prstMaterial="flat">
+            <a:bevelT w="25400" h="31750"/>
           </a:sp3d>
         </a:effectStyle>
       </a:effectStyleLst>
@@ -5657,94 +7827,48 @@
         <a:solidFill>
           <a:schemeClr val="phClr"/>
         </a:solidFill>
+        <a:solidFill>
+          <a:schemeClr val="phClr">
+            <a:tint val="90000"/>
+            <a:shade val="97000"/>
+            <a:satMod val="130000"/>
+          </a:schemeClr>
+        </a:solidFill>
         <a:gradFill rotWithShape="1">
           <a:gsLst>
             <a:gs pos="0">
               <a:schemeClr val="phClr">
-                <a:tint val="40000"/>
-                <a:satMod val="350000"/>
+                <a:tint val="96000"/>
+                <a:shade val="99000"/>
+                <a:satMod val="140000"/>
               </a:schemeClr>
             </a:gs>
-            <a:gs pos="40000">
+            <a:gs pos="65000">
               <a:schemeClr val="phClr">
-                <a:tint val="45000"/>
-                <a:shade val="99000"/>
-                <a:satMod val="350000"/>
+                <a:tint val="100000"/>
+                <a:shade val="80000"/>
+                <a:satMod val="130000"/>
               </a:schemeClr>
             </a:gs>
             <a:gs pos="100000">
               <a:schemeClr val="phClr">
-                <a:shade val="20000"/>
-                <a:satMod val="255000"/>
+                <a:tint val="100000"/>
+                <a:shade val="48000"/>
+                <a:satMod val="120000"/>
               </a:schemeClr>
             </a:gs>
           </a:gsLst>
-          <a:path path="circle">
-            <a:fillToRect l="50000" t="-80000" r="50000" b="180000"/>
-          </a:path>
-        </a:gradFill>
-        <a:gradFill rotWithShape="1">
-          <a:gsLst>
-            <a:gs pos="0">
-              <a:schemeClr val="phClr">
-                <a:tint val="80000"/>
-                <a:satMod val="300000"/>
-              </a:schemeClr>
-            </a:gs>
-            <a:gs pos="100000">
-              <a:schemeClr val="phClr">
-                <a:shade val="30000"/>
-                <a:satMod val="200000"/>
-              </a:schemeClr>
-            </a:gs>
-          </a:gsLst>
-          <a:path path="circle">
-            <a:fillToRect l="50000" t="50000" r="50000" b="50000"/>
-          </a:path>
+          <a:lin ang="16200000" scaled="0"/>
         </a:gradFill>
       </a:bgFillStyleLst>
     </a:fmtScheme>
   </a:themeElements>
-  <a:objectDefaults>
-    <a:spDef>
-      <a:spPr/>
-      <a:bodyPr/>
-      <a:lstStyle/>
-      <a:style>
-        <a:lnRef idx="1">
-          <a:schemeClr val="accent1"/>
-        </a:lnRef>
-        <a:fillRef idx="3">
-          <a:schemeClr val="accent1"/>
-        </a:fillRef>
-        <a:effectRef idx="2">
-          <a:schemeClr val="accent1"/>
-        </a:effectRef>
-        <a:fontRef idx="minor">
-          <a:schemeClr val="lt1"/>
-        </a:fontRef>
-      </a:style>
-    </a:spDef>
-    <a:lnDef>
-      <a:spPr/>
-      <a:bodyPr/>
-      <a:lstStyle/>
-      <a:style>
-        <a:lnRef idx="2">
-          <a:schemeClr val="accent1"/>
-        </a:lnRef>
-        <a:fillRef idx="0">
-          <a:schemeClr val="accent1"/>
-        </a:fillRef>
-        <a:effectRef idx="1">
-          <a:schemeClr val="accent1"/>
-        </a:effectRef>
-        <a:fontRef idx="minor">
-          <a:schemeClr val="tx1"/>
-        </a:fontRef>
-      </a:style>
-    </a:lnDef>
-  </a:objectDefaults>
+  <a:objectDefaults/>
   <a:extraClrSchemeLst/>
+  <a:extLst>
+    <a:ext uri="{05A4C25C-085E-4340-85A3-A5531E510DB2}">
+      <thm15:themeFamily xmlns:thm15="http://schemas.microsoft.com/office/thememl/2012/main" name="Retrospect" id="{5F128B03-DCCA-4EEB-AB3B-CF2899314A46}" vid="{D26EA377-59BD-4C9C-9D94-EE8416EE4C79}"/>
+    </a:ext>
+  </a:extLst>
 </a:theme>
 </file>